--- a/docs/figures/figures.pptx
+++ b/docs/figures/figures.pptx
@@ -5,12 +5,13 @@
     <p:sldMasterId id="2147483648" r:id="rId1"/>
   </p:sldMasterIdLst>
   <p:notesMasterIdLst>
-    <p:notesMasterId r:id="rId5"/>
+    <p:notesMasterId r:id="rId6"/>
   </p:notesMasterIdLst>
   <p:sldIdLst>
     <p:sldId id="330" r:id="rId2"/>
     <p:sldId id="331" r:id="rId3"/>
     <p:sldId id="332" r:id="rId4"/>
+    <p:sldId id="333" r:id="rId5"/>
   </p:sldIdLst>
   <p:sldSz cx="12192000" cy="6858000"/>
   <p:notesSz cx="6858000" cy="9144000"/>
@@ -109,6 +110,11 @@
       </a:defRPr>
     </a:lvl9pPr>
   </p:defaultTextStyle>
+  <p:extLst>
+    <p:ext uri="{EFAFB233-063F-42B5-8137-9DF3F51BA10A}">
+      <p15:sldGuideLst xmlns:p15="http://schemas.microsoft.com/office/powerpoint/2012/main"/>
+    </p:ext>
+  </p:extLst>
 </p:presentation>
 </file>
 
@@ -194,7 +200,7 @@
           <a:p>
             <a:fld id="{B545521C-F840-6148-BCF9-B167DFC75B00}" type="datetimeFigureOut">
               <a:rPr lang="en-US" smtClean="0"/>
-              <a:t>2/11/22</a:t>
+              <a:t>3/21/22</a:t>
             </a:fld>
             <a:endParaRPr lang="en-US"/>
           </a:p>
@@ -714,6 +720,90 @@
 </p:notes>
 </file>
 
+<file path=ppt/notesSlides/notesSlide4.xml><?xml version="1.0" encoding="utf-8"?>
+<p:notes xmlns:a="http://schemas.openxmlformats.org/drawingml/2006/main" xmlns:r="http://schemas.openxmlformats.org/officeDocument/2006/relationships" xmlns:p="http://schemas.openxmlformats.org/presentationml/2006/main">
+  <p:cSld>
+    <p:spTree>
+      <p:nvGrpSpPr>
+        <p:cNvPr id="1" name=""/>
+        <p:cNvGrpSpPr/>
+        <p:nvPr/>
+      </p:nvGrpSpPr>
+      <p:grpSpPr>
+        <a:xfrm>
+          <a:off x="0" y="0"/>
+          <a:ext cx="0" cy="0"/>
+          <a:chOff x="0" y="0"/>
+          <a:chExt cx="0" cy="0"/>
+        </a:xfrm>
+      </p:grpSpPr>
+      <p:sp>
+        <p:nvSpPr>
+          <p:cNvPr id="2" name="Slide Image Placeholder 1"/>
+          <p:cNvSpPr>
+            <a:spLocks noGrp="1" noRot="1" noChangeAspect="1"/>
+          </p:cNvSpPr>
+          <p:nvPr>
+            <p:ph type="sldImg"/>
+          </p:nvPr>
+        </p:nvSpPr>
+        <p:spPr/>
+      </p:sp>
+      <p:sp>
+        <p:nvSpPr>
+          <p:cNvPr id="3" name="Notes Placeholder 2"/>
+          <p:cNvSpPr>
+            <a:spLocks noGrp="1"/>
+          </p:cNvSpPr>
+          <p:nvPr>
+            <p:ph type="body" idx="1"/>
+          </p:nvPr>
+        </p:nvSpPr>
+        <p:spPr/>
+        <p:txBody>
+          <a:bodyPr/>
+          <a:lstStyle/>
+          <a:p>
+            <a:endParaRPr lang="en-US" dirty="0"/>
+          </a:p>
+        </p:txBody>
+      </p:sp>
+      <p:sp>
+        <p:nvSpPr>
+          <p:cNvPr id="4" name="Slide Number Placeholder 3"/>
+          <p:cNvSpPr>
+            <a:spLocks noGrp="1"/>
+          </p:cNvSpPr>
+          <p:nvPr>
+            <p:ph type="sldNum" sz="quarter" idx="5"/>
+          </p:nvPr>
+        </p:nvSpPr>
+        <p:spPr/>
+        <p:txBody>
+          <a:bodyPr/>
+          <a:lstStyle/>
+          <a:p>
+            <a:fld id="{997274CE-51E2-314F-8544-5E91EE33A09F}" type="slidenum">
+              <a:rPr lang="en-US" smtClean="0"/>
+              <a:t>4</a:t>
+            </a:fld>
+            <a:endParaRPr lang="en-US"/>
+          </a:p>
+        </p:txBody>
+      </p:sp>
+    </p:spTree>
+    <p:extLst>
+      <p:ext uri="{BB962C8B-B14F-4D97-AF65-F5344CB8AC3E}">
+        <p14:creationId xmlns:p14="http://schemas.microsoft.com/office/powerpoint/2010/main" val="3048950140"/>
+      </p:ext>
+    </p:extLst>
+  </p:cSld>
+  <p:clrMapOvr>
+    <a:masterClrMapping/>
+  </p:clrMapOvr>
+</p:notes>
+</file>
+
 <file path=ppt/slideLayouts/slideLayout1.xml><?xml version="1.0" encoding="utf-8"?>
 <p:sldLayout xmlns:a="http://schemas.openxmlformats.org/drawingml/2006/main" xmlns:r="http://schemas.openxmlformats.org/officeDocument/2006/relationships" xmlns:p="http://schemas.openxmlformats.org/presentationml/2006/main" type="title" preserve="1">
   <p:cSld name="Title Slide">
@@ -863,7 +953,7 @@
           <a:p>
             <a:fld id="{656A6AFC-C896-E044-A6C6-3210656CBC62}" type="datetimeFigureOut">
               <a:rPr lang="en-US" smtClean="0"/>
-              <a:t>2/11/22</a:t>
+              <a:t>3/21/22</a:t>
             </a:fld>
             <a:endParaRPr lang="en-US"/>
           </a:p>
@@ -1063,7 +1153,7 @@
           <a:p>
             <a:fld id="{656A6AFC-C896-E044-A6C6-3210656CBC62}" type="datetimeFigureOut">
               <a:rPr lang="en-US" smtClean="0"/>
-              <a:t>2/11/22</a:t>
+              <a:t>3/21/22</a:t>
             </a:fld>
             <a:endParaRPr lang="en-US"/>
           </a:p>
@@ -1273,7 +1363,7 @@
           <a:p>
             <a:fld id="{656A6AFC-C896-E044-A6C6-3210656CBC62}" type="datetimeFigureOut">
               <a:rPr lang="en-US" smtClean="0"/>
-              <a:t>2/11/22</a:t>
+              <a:t>3/21/22</a:t>
             </a:fld>
             <a:endParaRPr lang="en-US"/>
           </a:p>
@@ -1508,7 +1598,7 @@
           <a:p>
             <a:fld id="{656A6AFC-C896-E044-A6C6-3210656CBC62}" type="datetimeFigureOut">
               <a:rPr lang="en-US" smtClean="0"/>
-              <a:t>2/11/22</a:t>
+              <a:t>3/21/22</a:t>
             </a:fld>
             <a:endParaRPr lang="en-US"/>
           </a:p>
@@ -1784,7 +1874,7 @@
           <a:p>
             <a:fld id="{656A6AFC-C896-E044-A6C6-3210656CBC62}" type="datetimeFigureOut">
               <a:rPr lang="en-US" smtClean="0"/>
-              <a:t>2/11/22</a:t>
+              <a:t>3/21/22</a:t>
             </a:fld>
             <a:endParaRPr lang="en-US"/>
           </a:p>
@@ -2052,7 +2142,7 @@
           <a:p>
             <a:fld id="{656A6AFC-C896-E044-A6C6-3210656CBC62}" type="datetimeFigureOut">
               <a:rPr lang="en-US" smtClean="0"/>
-              <a:t>2/11/22</a:t>
+              <a:t>3/21/22</a:t>
             </a:fld>
             <a:endParaRPr lang="en-US"/>
           </a:p>
@@ -2467,7 +2557,7 @@
           <a:p>
             <a:fld id="{656A6AFC-C896-E044-A6C6-3210656CBC62}" type="datetimeFigureOut">
               <a:rPr lang="en-US" smtClean="0"/>
-              <a:t>2/11/22</a:t>
+              <a:t>3/21/22</a:t>
             </a:fld>
             <a:endParaRPr lang="en-US"/>
           </a:p>
@@ -2609,7 +2699,7 @@
           <a:p>
             <a:fld id="{656A6AFC-C896-E044-A6C6-3210656CBC62}" type="datetimeFigureOut">
               <a:rPr lang="en-US" smtClean="0"/>
-              <a:t>2/11/22</a:t>
+              <a:t>3/21/22</a:t>
             </a:fld>
             <a:endParaRPr lang="en-US"/>
           </a:p>
@@ -2722,7 +2812,7 @@
           <a:p>
             <a:fld id="{656A6AFC-C896-E044-A6C6-3210656CBC62}" type="datetimeFigureOut">
               <a:rPr lang="en-US" smtClean="0"/>
-              <a:t>2/11/22</a:t>
+              <a:t>3/21/22</a:t>
             </a:fld>
             <a:endParaRPr lang="en-US"/>
           </a:p>
@@ -3035,7 +3125,7 @@
           <a:p>
             <a:fld id="{656A6AFC-C896-E044-A6C6-3210656CBC62}" type="datetimeFigureOut">
               <a:rPr lang="en-US" smtClean="0"/>
-              <a:t>2/11/22</a:t>
+              <a:t>3/21/22</a:t>
             </a:fld>
             <a:endParaRPr lang="en-US"/>
           </a:p>
@@ -3324,7 +3414,7 @@
           <a:p>
             <a:fld id="{656A6AFC-C896-E044-A6C6-3210656CBC62}" type="datetimeFigureOut">
               <a:rPr lang="en-US" smtClean="0"/>
-              <a:t>2/11/22</a:t>
+              <a:t>3/21/22</a:t>
             </a:fld>
             <a:endParaRPr lang="en-US"/>
           </a:p>
@@ -3567,7 +3657,7 @@
           <a:p>
             <a:fld id="{656A6AFC-C896-E044-A6C6-3210656CBC62}" type="datetimeFigureOut">
               <a:rPr lang="en-US" smtClean="0"/>
-              <a:t>2/11/22</a:t>
+              <a:t>3/21/22</a:t>
             </a:fld>
             <a:endParaRPr lang="en-US"/>
           </a:p>
@@ -4930,7 +5020,7 @@
         </p:nvSpPr>
         <p:spPr>
           <a:xfrm>
-            <a:off x="1872537" y="343020"/>
+            <a:off x="2493917" y="351139"/>
             <a:ext cx="8446926" cy="707886"/>
           </a:xfrm>
           <a:prstGeom prst="rect">
@@ -4954,11 +5044,4199 @@
                   </a:schemeClr>
                 </a:solidFill>
               </a:rPr>
-              <a:t>Memory Address*</a:t>
-            </a:r>
-          </a:p>
-        </p:txBody>
-      </p:sp>
+              <a:t>Typical Compiler Stages</a:t>
+            </a:r>
+          </a:p>
+        </p:txBody>
+      </p:sp>
+      <p:sp>
+        <p:nvSpPr>
+          <p:cNvPr id="3" name="Rectangle 2">
+            <a:extLst>
+              <a:ext uri="{FF2B5EF4-FFF2-40B4-BE49-F238E27FC236}">
+                <a16:creationId xmlns:a16="http://schemas.microsoft.com/office/drawing/2014/main" id="{6A60CB15-448D-8744-99C0-CD483AFAA096}"/>
+              </a:ext>
+            </a:extLst>
+          </p:cNvPr>
+          <p:cNvSpPr/>
+          <p:nvPr/>
+        </p:nvSpPr>
+        <p:spPr>
+          <a:xfrm>
+            <a:off x="999332" y="1899745"/>
+            <a:ext cx="806756" cy="3058510"/>
+          </a:xfrm>
+          <a:prstGeom prst="rect">
+            <a:avLst/>
+          </a:prstGeom>
+          <a:solidFill>
+            <a:srgbClr val="FFFF00"/>
+          </a:solidFill>
+          <a:ln>
+            <a:solidFill>
+              <a:schemeClr val="bg1"/>
+            </a:solidFill>
+          </a:ln>
+        </p:spPr>
+        <p:style>
+          <a:lnRef idx="2">
+            <a:schemeClr val="accent1">
+              <a:shade val="50000"/>
+            </a:schemeClr>
+          </a:lnRef>
+          <a:fillRef idx="1">
+            <a:schemeClr val="accent1"/>
+          </a:fillRef>
+          <a:effectRef idx="0">
+            <a:schemeClr val="accent1"/>
+          </a:effectRef>
+          <a:fontRef idx="minor">
+            <a:schemeClr val="lt1"/>
+          </a:fontRef>
+        </p:style>
+        <p:txBody>
+          <a:bodyPr rtlCol="0" anchor="ctr"/>
+          <a:lstStyle/>
+          <a:p>
+            <a:pPr algn="ctr"/>
+            <a:endParaRPr lang="en-US" dirty="0"/>
+          </a:p>
+        </p:txBody>
+      </p:sp>
+      <p:sp>
+        <p:nvSpPr>
+          <p:cNvPr id="4" name="Rectangle 3">
+            <a:extLst>
+              <a:ext uri="{FF2B5EF4-FFF2-40B4-BE49-F238E27FC236}">
+                <a16:creationId xmlns:a16="http://schemas.microsoft.com/office/drawing/2014/main" id="{A6029F36-1C92-2248-B0D6-6FAE079B7135}"/>
+              </a:ext>
+            </a:extLst>
+          </p:cNvPr>
+          <p:cNvSpPr/>
+          <p:nvPr/>
+        </p:nvSpPr>
+        <p:spPr>
+          <a:xfrm>
+            <a:off x="999330" y="1899745"/>
+            <a:ext cx="806757" cy="570186"/>
+          </a:xfrm>
+          <a:prstGeom prst="rect">
+            <a:avLst/>
+          </a:prstGeom>
+          <a:solidFill>
+            <a:schemeClr val="tx1"/>
+          </a:solidFill>
+          <a:ln>
+            <a:solidFill>
+              <a:schemeClr val="bg1"/>
+            </a:solidFill>
+          </a:ln>
+        </p:spPr>
+        <p:style>
+          <a:lnRef idx="2">
+            <a:schemeClr val="accent1">
+              <a:shade val="50000"/>
+            </a:schemeClr>
+          </a:lnRef>
+          <a:fillRef idx="1">
+            <a:schemeClr val="accent1"/>
+          </a:fillRef>
+          <a:effectRef idx="0">
+            <a:schemeClr val="accent1"/>
+          </a:effectRef>
+          <a:fontRef idx="minor">
+            <a:schemeClr val="lt1"/>
+          </a:fontRef>
+        </p:style>
+        <p:txBody>
+          <a:bodyPr rtlCol="0" anchor="ctr"/>
+          <a:lstStyle/>
+          <a:p>
+            <a:pPr algn="ctr"/>
+            <a:r>
+              <a:rPr lang="en-US" sz="1200" b="1" dirty="0">
+                <a:solidFill>
+                  <a:schemeClr val="bg1"/>
+                </a:solidFill>
+              </a:rPr>
+              <a:t>Lexical </a:t>
+            </a:r>
+          </a:p>
+          <a:p>
+            <a:pPr algn="ctr"/>
+            <a:r>
+              <a:rPr lang="en-US" sz="1200" b="1" dirty="0">
+                <a:solidFill>
+                  <a:schemeClr val="bg1"/>
+                </a:solidFill>
+              </a:rPr>
+              <a:t>Analysis</a:t>
+            </a:r>
+          </a:p>
+        </p:txBody>
+      </p:sp>
+      <p:sp>
+        <p:nvSpPr>
+          <p:cNvPr id="6" name="Rectangle 5">
+            <a:extLst>
+              <a:ext uri="{FF2B5EF4-FFF2-40B4-BE49-F238E27FC236}">
+                <a16:creationId xmlns:a16="http://schemas.microsoft.com/office/drawing/2014/main" id="{52963317-9503-DC4F-9E44-6EECCED3CC8A}"/>
+              </a:ext>
+            </a:extLst>
+          </p:cNvPr>
+          <p:cNvSpPr/>
+          <p:nvPr/>
+        </p:nvSpPr>
+        <p:spPr>
+          <a:xfrm>
+            <a:off x="2104611" y="1899745"/>
+            <a:ext cx="806755" cy="3058510"/>
+          </a:xfrm>
+          <a:prstGeom prst="rect">
+            <a:avLst/>
+          </a:prstGeom>
+          <a:solidFill>
+            <a:srgbClr val="00B0F0"/>
+          </a:solidFill>
+          <a:ln>
+            <a:solidFill>
+              <a:schemeClr val="bg1"/>
+            </a:solidFill>
+          </a:ln>
+        </p:spPr>
+        <p:style>
+          <a:lnRef idx="2">
+            <a:schemeClr val="accent1">
+              <a:shade val="50000"/>
+            </a:schemeClr>
+          </a:lnRef>
+          <a:fillRef idx="1">
+            <a:schemeClr val="accent1"/>
+          </a:fillRef>
+          <a:effectRef idx="0">
+            <a:schemeClr val="accent1"/>
+          </a:effectRef>
+          <a:fontRef idx="minor">
+            <a:schemeClr val="lt1"/>
+          </a:fontRef>
+        </p:style>
+        <p:txBody>
+          <a:bodyPr rtlCol="0" anchor="ctr"/>
+          <a:lstStyle/>
+          <a:p>
+            <a:pPr algn="ctr"/>
+            <a:endParaRPr lang="en-US" dirty="0"/>
+          </a:p>
+        </p:txBody>
+      </p:sp>
+      <p:sp>
+        <p:nvSpPr>
+          <p:cNvPr id="7" name="Rectangle 6">
+            <a:extLst>
+              <a:ext uri="{FF2B5EF4-FFF2-40B4-BE49-F238E27FC236}">
+                <a16:creationId xmlns:a16="http://schemas.microsoft.com/office/drawing/2014/main" id="{276ABDB8-312A-9346-B824-A021B0EC09F6}"/>
+              </a:ext>
+            </a:extLst>
+          </p:cNvPr>
+          <p:cNvSpPr/>
+          <p:nvPr/>
+        </p:nvSpPr>
+        <p:spPr>
+          <a:xfrm>
+            <a:off x="2104611" y="1899745"/>
+            <a:ext cx="806755" cy="570186"/>
+          </a:xfrm>
+          <a:prstGeom prst="rect">
+            <a:avLst/>
+          </a:prstGeom>
+          <a:solidFill>
+            <a:schemeClr val="tx1"/>
+          </a:solidFill>
+          <a:ln>
+            <a:solidFill>
+              <a:schemeClr val="bg1"/>
+            </a:solidFill>
+          </a:ln>
+        </p:spPr>
+        <p:style>
+          <a:lnRef idx="2">
+            <a:schemeClr val="accent1">
+              <a:shade val="50000"/>
+            </a:schemeClr>
+          </a:lnRef>
+          <a:fillRef idx="1">
+            <a:schemeClr val="accent1"/>
+          </a:fillRef>
+          <a:effectRef idx="0">
+            <a:schemeClr val="accent1"/>
+          </a:effectRef>
+          <a:fontRef idx="minor">
+            <a:schemeClr val="lt1"/>
+          </a:fontRef>
+        </p:style>
+        <p:txBody>
+          <a:bodyPr rtlCol="0" anchor="ctr"/>
+          <a:lstStyle/>
+          <a:p>
+            <a:pPr algn="ctr"/>
+            <a:r>
+              <a:rPr lang="en-US" sz="1400" b="1" dirty="0">
+                <a:solidFill>
+                  <a:schemeClr val="bg1"/>
+                </a:solidFill>
+              </a:rPr>
+              <a:t>Parsing</a:t>
+            </a:r>
+          </a:p>
+        </p:txBody>
+      </p:sp>
+      <p:sp>
+        <p:nvSpPr>
+          <p:cNvPr id="8" name="Rectangle 7">
+            <a:extLst>
+              <a:ext uri="{FF2B5EF4-FFF2-40B4-BE49-F238E27FC236}">
+                <a16:creationId xmlns:a16="http://schemas.microsoft.com/office/drawing/2014/main" id="{CEE68A69-E080-0647-B924-70BBCB17D87B}"/>
+              </a:ext>
+            </a:extLst>
+          </p:cNvPr>
+          <p:cNvSpPr/>
+          <p:nvPr/>
+        </p:nvSpPr>
+        <p:spPr>
+          <a:xfrm>
+            <a:off x="3209889" y="1899745"/>
+            <a:ext cx="806755" cy="3058510"/>
+          </a:xfrm>
+          <a:prstGeom prst="rect">
+            <a:avLst/>
+          </a:prstGeom>
+          <a:solidFill>
+            <a:srgbClr val="0070C0"/>
+          </a:solidFill>
+          <a:ln>
+            <a:solidFill>
+              <a:schemeClr val="bg1"/>
+            </a:solidFill>
+          </a:ln>
+        </p:spPr>
+        <p:style>
+          <a:lnRef idx="2">
+            <a:schemeClr val="accent1">
+              <a:shade val="50000"/>
+            </a:schemeClr>
+          </a:lnRef>
+          <a:fillRef idx="1">
+            <a:schemeClr val="accent1"/>
+          </a:fillRef>
+          <a:effectRef idx="0">
+            <a:schemeClr val="accent1"/>
+          </a:effectRef>
+          <a:fontRef idx="minor">
+            <a:schemeClr val="lt1"/>
+          </a:fontRef>
+        </p:style>
+        <p:txBody>
+          <a:bodyPr rtlCol="0" anchor="ctr"/>
+          <a:lstStyle/>
+          <a:p>
+            <a:pPr algn="ctr"/>
+            <a:endParaRPr lang="en-US" dirty="0"/>
+          </a:p>
+        </p:txBody>
+      </p:sp>
+      <p:sp>
+        <p:nvSpPr>
+          <p:cNvPr id="9" name="Rectangle 8">
+            <a:extLst>
+              <a:ext uri="{FF2B5EF4-FFF2-40B4-BE49-F238E27FC236}">
+                <a16:creationId xmlns:a16="http://schemas.microsoft.com/office/drawing/2014/main" id="{41641E5B-CB07-E04B-B6E6-A21EBF31B2F3}"/>
+              </a:ext>
+            </a:extLst>
+          </p:cNvPr>
+          <p:cNvSpPr/>
+          <p:nvPr/>
+        </p:nvSpPr>
+        <p:spPr>
+          <a:xfrm>
+            <a:off x="3209889" y="1899745"/>
+            <a:ext cx="806755" cy="570186"/>
+          </a:xfrm>
+          <a:prstGeom prst="rect">
+            <a:avLst/>
+          </a:prstGeom>
+          <a:solidFill>
+            <a:schemeClr val="tx1"/>
+          </a:solidFill>
+          <a:ln>
+            <a:solidFill>
+              <a:schemeClr val="bg1"/>
+            </a:solidFill>
+          </a:ln>
+        </p:spPr>
+        <p:style>
+          <a:lnRef idx="2">
+            <a:schemeClr val="accent1">
+              <a:shade val="50000"/>
+            </a:schemeClr>
+          </a:lnRef>
+          <a:fillRef idx="1">
+            <a:schemeClr val="accent1"/>
+          </a:fillRef>
+          <a:effectRef idx="0">
+            <a:schemeClr val="accent1"/>
+          </a:effectRef>
+          <a:fontRef idx="minor">
+            <a:schemeClr val="lt1"/>
+          </a:fontRef>
+        </p:style>
+        <p:txBody>
+          <a:bodyPr rtlCol="0" anchor="ctr"/>
+          <a:lstStyle/>
+          <a:p>
+            <a:pPr algn="ctr"/>
+            <a:r>
+              <a:rPr lang="en-US" sz="1200" b="1" dirty="0">
+                <a:solidFill>
+                  <a:schemeClr val="bg1"/>
+                </a:solidFill>
+              </a:rPr>
+              <a:t>Semantic </a:t>
+            </a:r>
+          </a:p>
+          <a:p>
+            <a:pPr algn="ctr"/>
+            <a:r>
+              <a:rPr lang="en-US" sz="1200" b="1" dirty="0">
+                <a:solidFill>
+                  <a:schemeClr val="bg1"/>
+                </a:solidFill>
+              </a:rPr>
+              <a:t>Analysis</a:t>
+            </a:r>
+          </a:p>
+        </p:txBody>
+      </p:sp>
+      <p:sp>
+        <p:nvSpPr>
+          <p:cNvPr id="10" name="Frame 9">
+            <a:extLst>
+              <a:ext uri="{FF2B5EF4-FFF2-40B4-BE49-F238E27FC236}">
+                <a16:creationId xmlns:a16="http://schemas.microsoft.com/office/drawing/2014/main" id="{4F029CD9-742F-FD49-BAD2-859F7A0319C7}"/>
+              </a:ext>
+            </a:extLst>
+          </p:cNvPr>
+          <p:cNvSpPr/>
+          <p:nvPr/>
+        </p:nvSpPr>
+        <p:spPr>
+          <a:xfrm>
+            <a:off x="763270" y="1490968"/>
+            <a:ext cx="3489434" cy="3728917"/>
+          </a:xfrm>
+          <a:prstGeom prst="frame">
+            <a:avLst>
+              <a:gd name="adj1" fmla="val 452"/>
+            </a:avLst>
+          </a:prstGeom>
+        </p:spPr>
+        <p:style>
+          <a:lnRef idx="2">
+            <a:schemeClr val="accent1">
+              <a:shade val="50000"/>
+            </a:schemeClr>
+          </a:lnRef>
+          <a:fillRef idx="1">
+            <a:schemeClr val="accent1"/>
+          </a:fillRef>
+          <a:effectRef idx="0">
+            <a:schemeClr val="accent1"/>
+          </a:effectRef>
+          <a:fontRef idx="minor">
+            <a:schemeClr val="lt1"/>
+          </a:fontRef>
+        </p:style>
+        <p:txBody>
+          <a:bodyPr rtlCol="0" anchor="ctr"/>
+          <a:lstStyle/>
+          <a:p>
+            <a:pPr algn="ctr"/>
+            <a:endParaRPr lang="en-US">
+              <a:solidFill>
+                <a:schemeClr val="tx1"/>
+              </a:solidFill>
+            </a:endParaRPr>
+          </a:p>
+        </p:txBody>
+      </p:sp>
+      <p:sp>
+        <p:nvSpPr>
+          <p:cNvPr id="12" name="Rectangle 11">
+            <a:extLst>
+              <a:ext uri="{FF2B5EF4-FFF2-40B4-BE49-F238E27FC236}">
+                <a16:creationId xmlns:a16="http://schemas.microsoft.com/office/drawing/2014/main" id="{EB0AF4DB-3BB2-DC43-97CD-EB329C7C4F0D}"/>
+              </a:ext>
+            </a:extLst>
+          </p:cNvPr>
+          <p:cNvSpPr/>
+          <p:nvPr/>
+        </p:nvSpPr>
+        <p:spPr>
+          <a:xfrm>
+            <a:off x="1955347" y="1328058"/>
+            <a:ext cx="1105279" cy="325820"/>
+          </a:xfrm>
+          <a:prstGeom prst="rect">
+            <a:avLst/>
+          </a:prstGeom>
+        </p:spPr>
+        <p:style>
+          <a:lnRef idx="2">
+            <a:schemeClr val="accent1">
+              <a:shade val="50000"/>
+            </a:schemeClr>
+          </a:lnRef>
+          <a:fillRef idx="1">
+            <a:schemeClr val="accent1"/>
+          </a:fillRef>
+          <a:effectRef idx="0">
+            <a:schemeClr val="accent1"/>
+          </a:effectRef>
+          <a:fontRef idx="minor">
+            <a:schemeClr val="lt1"/>
+          </a:fontRef>
+        </p:style>
+        <p:txBody>
+          <a:bodyPr rtlCol="0" anchor="ctr"/>
+          <a:lstStyle/>
+          <a:p>
+            <a:pPr algn="ctr"/>
+            <a:r>
+              <a:rPr lang="en-US" dirty="0"/>
+              <a:t>Font End</a:t>
+            </a:r>
+          </a:p>
+        </p:txBody>
+      </p:sp>
+      <p:sp>
+        <p:nvSpPr>
+          <p:cNvPr id="13" name="Rectangle 12">
+            <a:extLst>
+              <a:ext uri="{FF2B5EF4-FFF2-40B4-BE49-F238E27FC236}">
+                <a16:creationId xmlns:a16="http://schemas.microsoft.com/office/drawing/2014/main" id="{5405689D-5019-9441-BC24-59158BD5A9A8}"/>
+              </a:ext>
+            </a:extLst>
+          </p:cNvPr>
+          <p:cNvSpPr/>
+          <p:nvPr/>
+        </p:nvSpPr>
+        <p:spPr>
+          <a:xfrm>
+            <a:off x="0" y="710754"/>
+            <a:ext cx="999330" cy="357352"/>
+          </a:xfrm>
+          <a:prstGeom prst="rect">
+            <a:avLst/>
+          </a:prstGeom>
+          <a:solidFill>
+            <a:schemeClr val="tx1"/>
+          </a:solidFill>
+          <a:ln>
+            <a:solidFill>
+              <a:srgbClr val="7030A0"/>
+            </a:solidFill>
+          </a:ln>
+        </p:spPr>
+        <p:style>
+          <a:lnRef idx="2">
+            <a:schemeClr val="accent1">
+              <a:shade val="50000"/>
+            </a:schemeClr>
+          </a:lnRef>
+          <a:fillRef idx="1">
+            <a:schemeClr val="accent1"/>
+          </a:fillRef>
+          <a:effectRef idx="0">
+            <a:schemeClr val="accent1"/>
+          </a:effectRef>
+          <a:fontRef idx="minor">
+            <a:schemeClr val="lt1"/>
+          </a:fontRef>
+        </p:style>
+        <p:txBody>
+          <a:bodyPr rtlCol="0" anchor="ctr"/>
+          <a:lstStyle/>
+          <a:p>
+            <a:pPr algn="ctr"/>
+            <a:r>
+              <a:rPr lang="en-US" sz="1200" b="1" dirty="0">
+                <a:solidFill>
+                  <a:srgbClr val="7030A0"/>
+                </a:solidFill>
+              </a:rPr>
+              <a:t>C = A + 3 * 4;</a:t>
+            </a:r>
+          </a:p>
+        </p:txBody>
+      </p:sp>
+      <p:cxnSp>
+        <p:nvCxnSpPr>
+          <p:cNvPr id="17" name="Elbow Connector 16">
+            <a:extLst>
+              <a:ext uri="{FF2B5EF4-FFF2-40B4-BE49-F238E27FC236}">
+                <a16:creationId xmlns:a16="http://schemas.microsoft.com/office/drawing/2014/main" id="{9F64E5AC-08BA-0C40-8F54-793D8B674A1B}"/>
+              </a:ext>
+            </a:extLst>
+          </p:cNvPr>
+          <p:cNvCxnSpPr>
+            <a:cxnSpLocks/>
+            <a:stCxn id="13" idx="2"/>
+            <a:endCxn id="19" idx="1"/>
+          </p:cNvCxnSpPr>
+          <p:nvPr/>
+        </p:nvCxnSpPr>
+        <p:spPr>
+          <a:xfrm rot="16200000" flipH="1">
+            <a:off x="-778918" y="2346688"/>
+            <a:ext cx="3056831" cy="499665"/>
+          </a:xfrm>
+          <a:prstGeom prst="bentConnector2">
+            <a:avLst/>
+          </a:prstGeom>
+          <a:ln>
+            <a:tailEnd type="triangle"/>
+          </a:ln>
+        </p:spPr>
+        <p:style>
+          <a:lnRef idx="2">
+            <a:schemeClr val="accent1"/>
+          </a:lnRef>
+          <a:fillRef idx="0">
+            <a:schemeClr val="accent1"/>
+          </a:fillRef>
+          <a:effectRef idx="1">
+            <a:schemeClr val="accent1"/>
+          </a:effectRef>
+          <a:fontRef idx="minor">
+            <a:schemeClr val="tx1"/>
+          </a:fontRef>
+        </p:style>
+      </p:cxnSp>
+      <p:sp>
+        <p:nvSpPr>
+          <p:cNvPr id="19" name="Rectangle 18">
+            <a:extLst>
+              <a:ext uri="{FF2B5EF4-FFF2-40B4-BE49-F238E27FC236}">
+                <a16:creationId xmlns:a16="http://schemas.microsoft.com/office/drawing/2014/main" id="{1C6FFBCE-4A93-2449-B211-9612C09F8FF9}"/>
+              </a:ext>
+            </a:extLst>
+          </p:cNvPr>
+          <p:cNvSpPr/>
+          <p:nvPr/>
+        </p:nvSpPr>
+        <p:spPr>
+          <a:xfrm>
+            <a:off x="999330" y="3429000"/>
+            <a:ext cx="797095" cy="1391873"/>
+          </a:xfrm>
+          <a:prstGeom prst="rect">
+            <a:avLst/>
+          </a:prstGeom>
+          <a:solidFill>
+            <a:schemeClr val="tx1"/>
+          </a:solidFill>
+          <a:ln>
+            <a:solidFill>
+              <a:srgbClr val="7030A0"/>
+            </a:solidFill>
+          </a:ln>
+        </p:spPr>
+        <p:style>
+          <a:lnRef idx="2">
+            <a:schemeClr val="accent1">
+              <a:shade val="50000"/>
+            </a:schemeClr>
+          </a:lnRef>
+          <a:fillRef idx="1">
+            <a:schemeClr val="accent1"/>
+          </a:fillRef>
+          <a:effectRef idx="0">
+            <a:schemeClr val="accent1"/>
+          </a:effectRef>
+          <a:fontRef idx="minor">
+            <a:schemeClr val="lt1"/>
+          </a:fontRef>
+        </p:style>
+        <p:txBody>
+          <a:bodyPr rtlCol="0" anchor="ctr"/>
+          <a:lstStyle/>
+          <a:p>
+            <a:pPr algn="ctr"/>
+            <a:r>
+              <a:rPr lang="en-US" sz="900" b="1" dirty="0">
+                <a:solidFill>
+                  <a:srgbClr val="7030A0"/>
+                </a:solidFill>
+              </a:rPr>
+              <a:t>(id, C)</a:t>
+            </a:r>
+          </a:p>
+          <a:p>
+            <a:pPr algn="ctr"/>
+            <a:r>
+              <a:rPr lang="en-US" sz="900" b="1" dirty="0">
+                <a:solidFill>
+                  <a:srgbClr val="7030A0"/>
+                </a:solidFill>
+              </a:rPr>
+              <a:t>(assignop, =)</a:t>
+            </a:r>
+          </a:p>
+          <a:p>
+            <a:pPr algn="ctr"/>
+            <a:r>
+              <a:rPr lang="en-US" sz="900" b="1" dirty="0">
+                <a:solidFill>
+                  <a:srgbClr val="7030A0"/>
+                </a:solidFill>
+              </a:rPr>
+              <a:t>(id, A)</a:t>
+            </a:r>
+          </a:p>
+          <a:p>
+            <a:pPr algn="ctr"/>
+            <a:r>
+              <a:rPr lang="en-US" sz="900" b="1" dirty="0">
+                <a:solidFill>
+                  <a:srgbClr val="7030A0"/>
+                </a:solidFill>
+              </a:rPr>
+              <a:t>(addop, +)</a:t>
+            </a:r>
+          </a:p>
+          <a:p>
+            <a:pPr algn="ctr"/>
+            <a:r>
+              <a:rPr lang="en-US" sz="900" b="1" dirty="0">
+                <a:solidFill>
+                  <a:srgbClr val="7030A0"/>
+                </a:solidFill>
+              </a:rPr>
+              <a:t>(int, 3)</a:t>
+            </a:r>
+          </a:p>
+          <a:p>
+            <a:pPr algn="ctr"/>
+            <a:r>
+              <a:rPr lang="en-US" sz="900" b="1" dirty="0">
+                <a:solidFill>
+                  <a:srgbClr val="7030A0"/>
+                </a:solidFill>
+              </a:rPr>
+              <a:t>(mulop, *)</a:t>
+            </a:r>
+          </a:p>
+          <a:p>
+            <a:pPr algn="ctr"/>
+            <a:r>
+              <a:rPr lang="en-US" sz="900" b="1" dirty="0">
+                <a:solidFill>
+                  <a:srgbClr val="7030A0"/>
+                </a:solidFill>
+              </a:rPr>
+              <a:t>(int, 4)</a:t>
+            </a:r>
+          </a:p>
+          <a:p>
+            <a:pPr algn="ctr"/>
+            <a:r>
+              <a:rPr lang="en-US" sz="900" b="1" dirty="0">
+                <a:solidFill>
+                  <a:srgbClr val="7030A0"/>
+                </a:solidFill>
+              </a:rPr>
+              <a:t>(end, ;)</a:t>
+            </a:r>
+          </a:p>
+          <a:p>
+            <a:pPr algn="ctr"/>
+            <a:r>
+              <a:rPr lang="en-US" sz="900" b="1" dirty="0">
+                <a:solidFill>
+                  <a:srgbClr val="7030A0"/>
+                </a:solidFill>
+              </a:rPr>
+              <a:t> </a:t>
+            </a:r>
+          </a:p>
+        </p:txBody>
+      </p:sp>
+      <p:sp>
+        <p:nvSpPr>
+          <p:cNvPr id="23" name="Rectangle 22">
+            <a:extLst>
+              <a:ext uri="{FF2B5EF4-FFF2-40B4-BE49-F238E27FC236}">
+                <a16:creationId xmlns:a16="http://schemas.microsoft.com/office/drawing/2014/main" id="{D574EFE1-92C4-DE49-BF90-5D65DF6963CE}"/>
+              </a:ext>
+            </a:extLst>
+          </p:cNvPr>
+          <p:cNvSpPr/>
+          <p:nvPr/>
+        </p:nvSpPr>
+        <p:spPr>
+          <a:xfrm>
+            <a:off x="999329" y="2559268"/>
+            <a:ext cx="806756" cy="282188"/>
+          </a:xfrm>
+          <a:prstGeom prst="rect">
+            <a:avLst/>
+          </a:prstGeom>
+          <a:solidFill>
+            <a:srgbClr val="FFFF00"/>
+          </a:solidFill>
+        </p:spPr>
+        <p:style>
+          <a:lnRef idx="2">
+            <a:schemeClr val="accent1">
+              <a:shade val="50000"/>
+            </a:schemeClr>
+          </a:lnRef>
+          <a:fillRef idx="1">
+            <a:schemeClr val="accent1"/>
+          </a:fillRef>
+          <a:effectRef idx="0">
+            <a:schemeClr val="accent1"/>
+          </a:effectRef>
+          <a:fontRef idx="minor">
+            <a:schemeClr val="lt1"/>
+          </a:fontRef>
+        </p:style>
+        <p:txBody>
+          <a:bodyPr rtlCol="0" anchor="ctr"/>
+          <a:lstStyle/>
+          <a:p>
+            <a:pPr algn="ctr"/>
+            <a:r>
+              <a:rPr lang="en-US" sz="1000" dirty="0">
+                <a:solidFill>
+                  <a:schemeClr val="bg1"/>
+                </a:solidFill>
+              </a:rPr>
+              <a:t>RegExp</a:t>
+            </a:r>
+          </a:p>
+        </p:txBody>
+      </p:sp>
+      <p:sp>
+        <p:nvSpPr>
+          <p:cNvPr id="24" name="Rectangle 23">
+            <a:extLst>
+              <a:ext uri="{FF2B5EF4-FFF2-40B4-BE49-F238E27FC236}">
+                <a16:creationId xmlns:a16="http://schemas.microsoft.com/office/drawing/2014/main" id="{F6F2792E-5A10-354D-BE94-5CD3B8ADD145}"/>
+              </a:ext>
+            </a:extLst>
+          </p:cNvPr>
+          <p:cNvSpPr/>
+          <p:nvPr/>
+        </p:nvSpPr>
+        <p:spPr>
+          <a:xfrm>
+            <a:off x="994499" y="2899867"/>
+            <a:ext cx="806756" cy="350365"/>
+          </a:xfrm>
+          <a:prstGeom prst="rect">
+            <a:avLst/>
+          </a:prstGeom>
+          <a:solidFill>
+            <a:srgbClr val="FFFF00"/>
+          </a:solidFill>
+        </p:spPr>
+        <p:style>
+          <a:lnRef idx="2">
+            <a:schemeClr val="accent1">
+              <a:shade val="50000"/>
+            </a:schemeClr>
+          </a:lnRef>
+          <a:fillRef idx="1">
+            <a:schemeClr val="accent1"/>
+          </a:fillRef>
+          <a:effectRef idx="0">
+            <a:schemeClr val="accent1"/>
+          </a:effectRef>
+          <a:fontRef idx="minor">
+            <a:schemeClr val="lt1"/>
+          </a:fontRef>
+        </p:style>
+        <p:txBody>
+          <a:bodyPr rtlCol="0" anchor="ctr"/>
+          <a:lstStyle/>
+          <a:p>
+            <a:pPr algn="ctr"/>
+            <a:r>
+              <a:rPr lang="en-US" sz="1000" dirty="0">
+                <a:solidFill>
+                  <a:schemeClr val="bg1"/>
+                </a:solidFill>
+              </a:rPr>
+              <a:t>Finite automata</a:t>
+            </a:r>
+          </a:p>
+        </p:txBody>
+      </p:sp>
+      <p:sp>
+        <p:nvSpPr>
+          <p:cNvPr id="78" name="Rectangle 77">
+            <a:extLst>
+              <a:ext uri="{FF2B5EF4-FFF2-40B4-BE49-F238E27FC236}">
+                <a16:creationId xmlns:a16="http://schemas.microsoft.com/office/drawing/2014/main" id="{56C91A41-A197-9747-AE80-14FFF4BAEA2F}"/>
+              </a:ext>
+            </a:extLst>
+          </p:cNvPr>
+          <p:cNvSpPr/>
+          <p:nvPr/>
+        </p:nvSpPr>
+        <p:spPr>
+          <a:xfrm>
+            <a:off x="2115701" y="3429000"/>
+            <a:ext cx="797095" cy="1391873"/>
+          </a:xfrm>
+          <a:prstGeom prst="rect">
+            <a:avLst/>
+          </a:prstGeom>
+          <a:solidFill>
+            <a:schemeClr val="tx1"/>
+          </a:solidFill>
+          <a:ln>
+            <a:solidFill>
+              <a:srgbClr val="7030A0"/>
+            </a:solidFill>
+          </a:ln>
+        </p:spPr>
+        <p:style>
+          <a:lnRef idx="2">
+            <a:schemeClr val="accent1">
+              <a:shade val="50000"/>
+            </a:schemeClr>
+          </a:lnRef>
+          <a:fillRef idx="1">
+            <a:schemeClr val="accent1"/>
+          </a:fillRef>
+          <a:effectRef idx="0">
+            <a:schemeClr val="accent1"/>
+          </a:effectRef>
+          <a:fontRef idx="minor">
+            <a:schemeClr val="lt1"/>
+          </a:fontRef>
+        </p:style>
+        <p:txBody>
+          <a:bodyPr rtlCol="0" anchor="ctr"/>
+          <a:lstStyle/>
+          <a:p>
+            <a:r>
+              <a:rPr lang="en-US" sz="1000" b="1" dirty="0">
+                <a:solidFill>
+                  <a:srgbClr val="7030A0"/>
+                </a:solidFill>
+              </a:rPr>
+              <a:t>        =</a:t>
+            </a:r>
+          </a:p>
+          <a:p>
+            <a:endParaRPr lang="en-US" sz="1000" b="1" dirty="0">
+              <a:solidFill>
+                <a:srgbClr val="7030A0"/>
+              </a:solidFill>
+            </a:endParaRPr>
+          </a:p>
+          <a:p>
+            <a:r>
+              <a:rPr lang="en-US" sz="1000" b="1" dirty="0">
+                <a:solidFill>
+                  <a:srgbClr val="7030A0"/>
+                </a:solidFill>
+              </a:rPr>
+              <a:t>    C     F</a:t>
+            </a:r>
+          </a:p>
+          <a:p>
+            <a:endParaRPr lang="en-US" sz="1000" b="1" dirty="0">
+              <a:solidFill>
+                <a:srgbClr val="7030A0"/>
+              </a:solidFill>
+            </a:endParaRPr>
+          </a:p>
+          <a:p>
+            <a:pPr algn="ctr"/>
+            <a:r>
+              <a:rPr lang="en-US" sz="1000" b="1" dirty="0">
+                <a:solidFill>
+                  <a:srgbClr val="7030A0"/>
+                </a:solidFill>
+              </a:rPr>
+              <a:t>   A  +  T</a:t>
+            </a:r>
+          </a:p>
+          <a:p>
+            <a:pPr algn="ctr"/>
+            <a:endParaRPr lang="en-US" sz="1000" b="1" dirty="0">
+              <a:solidFill>
+                <a:srgbClr val="7030A0"/>
+              </a:solidFill>
+            </a:endParaRPr>
+          </a:p>
+          <a:p>
+            <a:pPr algn="r"/>
+            <a:r>
+              <a:rPr lang="en-US" sz="1000" b="1" dirty="0">
+                <a:solidFill>
+                  <a:srgbClr val="7030A0"/>
+                </a:solidFill>
+              </a:rPr>
+              <a:t>      3 * 4</a:t>
+            </a:r>
+          </a:p>
+          <a:p>
+            <a:pPr algn="ctr"/>
+            <a:endParaRPr lang="en-US" sz="1000" b="1" dirty="0">
+              <a:solidFill>
+                <a:srgbClr val="7030A0"/>
+              </a:solidFill>
+            </a:endParaRPr>
+          </a:p>
+        </p:txBody>
+      </p:sp>
+      <p:cxnSp>
+        <p:nvCxnSpPr>
+          <p:cNvPr id="93" name="Straight Connector 92">
+            <a:extLst>
+              <a:ext uri="{FF2B5EF4-FFF2-40B4-BE49-F238E27FC236}">
+                <a16:creationId xmlns:a16="http://schemas.microsoft.com/office/drawing/2014/main" id="{234450E7-DDD9-5F41-8915-E7D48D74BB29}"/>
+              </a:ext>
+            </a:extLst>
+          </p:cNvPr>
+          <p:cNvCxnSpPr>
+            <a:cxnSpLocks/>
+          </p:cNvCxnSpPr>
+          <p:nvPr/>
+        </p:nvCxnSpPr>
+        <p:spPr>
+          <a:xfrm flipV="1">
+            <a:off x="2354050" y="3640520"/>
+            <a:ext cx="78537" cy="206266"/>
+          </a:xfrm>
+          <a:prstGeom prst="line">
+            <a:avLst/>
+          </a:prstGeom>
+        </p:spPr>
+        <p:style>
+          <a:lnRef idx="2">
+            <a:schemeClr val="dk1"/>
+          </a:lnRef>
+          <a:fillRef idx="0">
+            <a:schemeClr val="dk1"/>
+          </a:fillRef>
+          <a:effectRef idx="1">
+            <a:schemeClr val="dk1"/>
+          </a:effectRef>
+          <a:fontRef idx="minor">
+            <a:schemeClr val="tx1"/>
+          </a:fontRef>
+        </p:style>
+      </p:cxnSp>
+      <p:cxnSp>
+        <p:nvCxnSpPr>
+          <p:cNvPr id="101" name="Straight Connector 100">
+            <a:extLst>
+              <a:ext uri="{FF2B5EF4-FFF2-40B4-BE49-F238E27FC236}">
+                <a16:creationId xmlns:a16="http://schemas.microsoft.com/office/drawing/2014/main" id="{0B243238-42B7-154E-AB53-DB6A5030A2ED}"/>
+              </a:ext>
+            </a:extLst>
+          </p:cNvPr>
+          <p:cNvCxnSpPr>
+            <a:cxnSpLocks/>
+          </p:cNvCxnSpPr>
+          <p:nvPr/>
+        </p:nvCxnSpPr>
+        <p:spPr>
+          <a:xfrm flipH="1" flipV="1">
+            <a:off x="2509235" y="3640520"/>
+            <a:ext cx="46013" cy="206266"/>
+          </a:xfrm>
+          <a:prstGeom prst="line">
+            <a:avLst/>
+          </a:prstGeom>
+        </p:spPr>
+        <p:style>
+          <a:lnRef idx="2">
+            <a:schemeClr val="dk1"/>
+          </a:lnRef>
+          <a:fillRef idx="0">
+            <a:schemeClr val="dk1"/>
+          </a:fillRef>
+          <a:effectRef idx="1">
+            <a:schemeClr val="dk1"/>
+          </a:effectRef>
+          <a:fontRef idx="minor">
+            <a:schemeClr val="tx1"/>
+          </a:fontRef>
+        </p:style>
+      </p:cxnSp>
+      <p:cxnSp>
+        <p:nvCxnSpPr>
+          <p:cNvPr id="108" name="Straight Connector 107">
+            <a:extLst>
+              <a:ext uri="{FF2B5EF4-FFF2-40B4-BE49-F238E27FC236}">
+                <a16:creationId xmlns:a16="http://schemas.microsoft.com/office/drawing/2014/main" id="{79D62DC2-32A4-6647-BBB2-66AEF7D6A587}"/>
+              </a:ext>
+            </a:extLst>
+          </p:cNvPr>
+          <p:cNvCxnSpPr>
+            <a:cxnSpLocks/>
+          </p:cNvCxnSpPr>
+          <p:nvPr/>
+        </p:nvCxnSpPr>
+        <p:spPr>
+          <a:xfrm flipH="1" flipV="1">
+            <a:off x="2555248" y="3964840"/>
+            <a:ext cx="9663" cy="191579"/>
+          </a:xfrm>
+          <a:prstGeom prst="line">
+            <a:avLst/>
+          </a:prstGeom>
+        </p:spPr>
+        <p:style>
+          <a:lnRef idx="2">
+            <a:schemeClr val="dk1"/>
+          </a:lnRef>
+          <a:fillRef idx="0">
+            <a:schemeClr val="dk1"/>
+          </a:fillRef>
+          <a:effectRef idx="1">
+            <a:schemeClr val="dk1"/>
+          </a:effectRef>
+          <a:fontRef idx="minor">
+            <a:schemeClr val="tx1"/>
+          </a:fontRef>
+        </p:style>
+      </p:cxnSp>
+      <p:cxnSp>
+        <p:nvCxnSpPr>
+          <p:cNvPr id="119" name="Straight Connector 118">
+            <a:extLst>
+              <a:ext uri="{FF2B5EF4-FFF2-40B4-BE49-F238E27FC236}">
+                <a16:creationId xmlns:a16="http://schemas.microsoft.com/office/drawing/2014/main" id="{A212AEEA-43A7-AE41-9F7A-6C223013252E}"/>
+              </a:ext>
+            </a:extLst>
+          </p:cNvPr>
+          <p:cNvCxnSpPr>
+            <a:cxnSpLocks/>
+          </p:cNvCxnSpPr>
+          <p:nvPr/>
+        </p:nvCxnSpPr>
+        <p:spPr>
+          <a:xfrm flipH="1" flipV="1">
+            <a:off x="2564912" y="3964840"/>
+            <a:ext cx="112997" cy="191579"/>
+          </a:xfrm>
+          <a:prstGeom prst="line">
+            <a:avLst/>
+          </a:prstGeom>
+        </p:spPr>
+        <p:style>
+          <a:lnRef idx="2">
+            <a:schemeClr val="dk1"/>
+          </a:lnRef>
+          <a:fillRef idx="0">
+            <a:schemeClr val="dk1"/>
+          </a:fillRef>
+          <a:effectRef idx="1">
+            <a:schemeClr val="dk1"/>
+          </a:effectRef>
+          <a:fontRef idx="minor">
+            <a:schemeClr val="tx1"/>
+          </a:fontRef>
+        </p:style>
+      </p:cxnSp>
+      <p:cxnSp>
+        <p:nvCxnSpPr>
+          <p:cNvPr id="126" name="Straight Connector 125">
+            <a:extLst>
+              <a:ext uri="{FF2B5EF4-FFF2-40B4-BE49-F238E27FC236}">
+                <a16:creationId xmlns:a16="http://schemas.microsoft.com/office/drawing/2014/main" id="{16C4E584-0BEA-274E-82CC-EBCF0A854D16}"/>
+              </a:ext>
+            </a:extLst>
+          </p:cNvPr>
+          <p:cNvCxnSpPr>
+            <a:cxnSpLocks/>
+          </p:cNvCxnSpPr>
+          <p:nvPr/>
+        </p:nvCxnSpPr>
+        <p:spPr>
+          <a:xfrm flipV="1">
+            <a:off x="2432587" y="3921622"/>
+            <a:ext cx="122661" cy="234797"/>
+          </a:xfrm>
+          <a:prstGeom prst="line">
+            <a:avLst/>
+          </a:prstGeom>
+        </p:spPr>
+        <p:style>
+          <a:lnRef idx="2">
+            <a:schemeClr val="dk1"/>
+          </a:lnRef>
+          <a:fillRef idx="0">
+            <a:schemeClr val="dk1"/>
+          </a:fillRef>
+          <a:effectRef idx="1">
+            <a:schemeClr val="dk1"/>
+          </a:effectRef>
+          <a:fontRef idx="minor">
+            <a:schemeClr val="tx1"/>
+          </a:fontRef>
+        </p:style>
+      </p:cxnSp>
+      <p:cxnSp>
+        <p:nvCxnSpPr>
+          <p:cNvPr id="129" name="Straight Connector 128">
+            <a:extLst>
+              <a:ext uri="{FF2B5EF4-FFF2-40B4-BE49-F238E27FC236}">
+                <a16:creationId xmlns:a16="http://schemas.microsoft.com/office/drawing/2014/main" id="{CEC94FA9-6647-064B-A17E-EA11866D8D11}"/>
+              </a:ext>
+            </a:extLst>
+          </p:cNvPr>
+          <p:cNvCxnSpPr>
+            <a:cxnSpLocks/>
+          </p:cNvCxnSpPr>
+          <p:nvPr/>
+        </p:nvCxnSpPr>
+        <p:spPr>
+          <a:xfrm flipV="1">
+            <a:off x="2693220" y="4245053"/>
+            <a:ext cx="0" cy="232354"/>
+          </a:xfrm>
+          <a:prstGeom prst="line">
+            <a:avLst/>
+          </a:prstGeom>
+        </p:spPr>
+        <p:style>
+          <a:lnRef idx="2">
+            <a:schemeClr val="dk1"/>
+          </a:lnRef>
+          <a:fillRef idx="0">
+            <a:schemeClr val="dk1"/>
+          </a:fillRef>
+          <a:effectRef idx="1">
+            <a:schemeClr val="dk1"/>
+          </a:effectRef>
+          <a:fontRef idx="minor">
+            <a:schemeClr val="tx1"/>
+          </a:fontRef>
+        </p:style>
+      </p:cxnSp>
+      <p:cxnSp>
+        <p:nvCxnSpPr>
+          <p:cNvPr id="132" name="Straight Connector 131">
+            <a:extLst>
+              <a:ext uri="{FF2B5EF4-FFF2-40B4-BE49-F238E27FC236}">
+                <a16:creationId xmlns:a16="http://schemas.microsoft.com/office/drawing/2014/main" id="{765CB2DF-FC1D-6145-AA6D-4931486934AA}"/>
+              </a:ext>
+            </a:extLst>
+          </p:cNvPr>
+          <p:cNvCxnSpPr>
+            <a:cxnSpLocks/>
+          </p:cNvCxnSpPr>
+          <p:nvPr/>
+        </p:nvCxnSpPr>
+        <p:spPr>
+          <a:xfrm flipV="1">
+            <a:off x="2624234" y="4245053"/>
+            <a:ext cx="59323" cy="204952"/>
+          </a:xfrm>
+          <a:prstGeom prst="line">
+            <a:avLst/>
+          </a:prstGeom>
+        </p:spPr>
+        <p:style>
+          <a:lnRef idx="2">
+            <a:schemeClr val="dk1"/>
+          </a:lnRef>
+          <a:fillRef idx="0">
+            <a:schemeClr val="dk1"/>
+          </a:fillRef>
+          <a:effectRef idx="1">
+            <a:schemeClr val="dk1"/>
+          </a:effectRef>
+          <a:fontRef idx="minor">
+            <a:schemeClr val="tx1"/>
+          </a:fontRef>
+        </p:style>
+      </p:cxnSp>
+      <p:cxnSp>
+        <p:nvCxnSpPr>
+          <p:cNvPr id="137" name="Straight Connector 136">
+            <a:extLst>
+              <a:ext uri="{FF2B5EF4-FFF2-40B4-BE49-F238E27FC236}">
+                <a16:creationId xmlns:a16="http://schemas.microsoft.com/office/drawing/2014/main" id="{E031A20B-33F1-2E4B-A73B-AC7323940429}"/>
+              </a:ext>
+            </a:extLst>
+          </p:cNvPr>
+          <p:cNvCxnSpPr>
+            <a:cxnSpLocks/>
+          </p:cNvCxnSpPr>
+          <p:nvPr/>
+        </p:nvCxnSpPr>
+        <p:spPr>
+          <a:xfrm flipH="1" flipV="1">
+            <a:off x="2702884" y="4245053"/>
+            <a:ext cx="98702" cy="222125"/>
+          </a:xfrm>
+          <a:prstGeom prst="line">
+            <a:avLst/>
+          </a:prstGeom>
+        </p:spPr>
+        <p:style>
+          <a:lnRef idx="2">
+            <a:schemeClr val="dk1"/>
+          </a:lnRef>
+          <a:fillRef idx="0">
+            <a:schemeClr val="dk1"/>
+          </a:fillRef>
+          <a:effectRef idx="1">
+            <a:schemeClr val="dk1"/>
+          </a:effectRef>
+          <a:fontRef idx="minor">
+            <a:schemeClr val="tx1"/>
+          </a:fontRef>
+        </p:style>
+      </p:cxnSp>
+      <p:cxnSp>
+        <p:nvCxnSpPr>
+          <p:cNvPr id="149" name="Straight Arrow Connector 148">
+            <a:extLst>
+              <a:ext uri="{FF2B5EF4-FFF2-40B4-BE49-F238E27FC236}">
+                <a16:creationId xmlns:a16="http://schemas.microsoft.com/office/drawing/2014/main" id="{514EF05C-8587-B944-84A1-E9628B0369AD}"/>
+              </a:ext>
+            </a:extLst>
+          </p:cNvPr>
+          <p:cNvCxnSpPr>
+            <a:stCxn id="19" idx="3"/>
+            <a:endCxn id="78" idx="1"/>
+          </p:cNvCxnSpPr>
+          <p:nvPr/>
+        </p:nvCxnSpPr>
+        <p:spPr>
+          <a:xfrm>
+            <a:off x="1796425" y="4124937"/>
+            <a:ext cx="319276" cy="0"/>
+          </a:xfrm>
+          <a:prstGeom prst="straightConnector1">
+            <a:avLst/>
+          </a:prstGeom>
+          <a:ln>
+            <a:tailEnd type="triangle"/>
+          </a:ln>
+        </p:spPr>
+        <p:style>
+          <a:lnRef idx="2">
+            <a:schemeClr val="accent1"/>
+          </a:lnRef>
+          <a:fillRef idx="0">
+            <a:schemeClr val="accent1"/>
+          </a:fillRef>
+          <a:effectRef idx="1">
+            <a:schemeClr val="accent1"/>
+          </a:effectRef>
+          <a:fontRef idx="minor">
+            <a:schemeClr val="tx1"/>
+          </a:fontRef>
+        </p:style>
+      </p:cxnSp>
+      <p:cxnSp>
+        <p:nvCxnSpPr>
+          <p:cNvPr id="163" name="Straight Arrow Connector 162">
+            <a:extLst>
+              <a:ext uri="{FF2B5EF4-FFF2-40B4-BE49-F238E27FC236}">
+                <a16:creationId xmlns:a16="http://schemas.microsoft.com/office/drawing/2014/main" id="{E42FBCFF-F161-E449-A414-89643A4A58F2}"/>
+              </a:ext>
+            </a:extLst>
+          </p:cNvPr>
+          <p:cNvCxnSpPr>
+            <a:cxnSpLocks/>
+            <a:stCxn id="78" idx="3"/>
+            <a:endCxn id="196" idx="1"/>
+          </p:cNvCxnSpPr>
+          <p:nvPr/>
+        </p:nvCxnSpPr>
+        <p:spPr>
+          <a:xfrm flipV="1">
+            <a:off x="2912796" y="4124936"/>
+            <a:ext cx="312216" cy="1"/>
+          </a:xfrm>
+          <a:prstGeom prst="straightConnector1">
+            <a:avLst/>
+          </a:prstGeom>
+          <a:ln>
+            <a:tailEnd type="triangle"/>
+          </a:ln>
+        </p:spPr>
+        <p:style>
+          <a:lnRef idx="1">
+            <a:schemeClr val="accent1"/>
+          </a:lnRef>
+          <a:fillRef idx="0">
+            <a:schemeClr val="accent1"/>
+          </a:fillRef>
+          <a:effectRef idx="0">
+            <a:schemeClr val="accent1"/>
+          </a:effectRef>
+          <a:fontRef idx="minor">
+            <a:schemeClr val="tx1"/>
+          </a:fontRef>
+        </p:style>
+      </p:cxnSp>
+      <p:sp>
+        <p:nvSpPr>
+          <p:cNvPr id="196" name="Rectangle 195">
+            <a:extLst>
+              <a:ext uri="{FF2B5EF4-FFF2-40B4-BE49-F238E27FC236}">
+                <a16:creationId xmlns:a16="http://schemas.microsoft.com/office/drawing/2014/main" id="{D1413C4B-56A5-9145-8FF4-4E2768137C7B}"/>
+              </a:ext>
+            </a:extLst>
+          </p:cNvPr>
+          <p:cNvSpPr/>
+          <p:nvPr/>
+        </p:nvSpPr>
+        <p:spPr>
+          <a:xfrm>
+            <a:off x="3225012" y="3428999"/>
+            <a:ext cx="797095" cy="1391873"/>
+          </a:xfrm>
+          <a:prstGeom prst="rect">
+            <a:avLst/>
+          </a:prstGeom>
+          <a:solidFill>
+            <a:schemeClr val="tx1"/>
+          </a:solidFill>
+          <a:ln>
+            <a:solidFill>
+              <a:srgbClr val="7030A0"/>
+            </a:solidFill>
+          </a:ln>
+        </p:spPr>
+        <p:style>
+          <a:lnRef idx="2">
+            <a:schemeClr val="accent1">
+              <a:shade val="50000"/>
+            </a:schemeClr>
+          </a:lnRef>
+          <a:fillRef idx="1">
+            <a:schemeClr val="accent1"/>
+          </a:fillRef>
+          <a:effectRef idx="0">
+            <a:schemeClr val="accent1"/>
+          </a:effectRef>
+          <a:fontRef idx="minor">
+            <a:schemeClr val="lt1"/>
+          </a:fontRef>
+        </p:style>
+        <p:txBody>
+          <a:bodyPr rtlCol="0" anchor="ctr"/>
+          <a:lstStyle/>
+          <a:p>
+            <a:r>
+              <a:rPr lang="en-US" sz="1000" b="1" dirty="0">
+                <a:solidFill>
+                  <a:srgbClr val="7030A0"/>
+                </a:solidFill>
+              </a:rPr>
+              <a:t>        =</a:t>
+            </a:r>
+          </a:p>
+          <a:p>
+            <a:endParaRPr lang="en-US" sz="1000" b="1" dirty="0">
+              <a:solidFill>
+                <a:srgbClr val="7030A0"/>
+              </a:solidFill>
+            </a:endParaRPr>
+          </a:p>
+          <a:p>
+            <a:r>
+              <a:rPr lang="en-US" sz="1000" b="1" dirty="0">
+                <a:solidFill>
+                  <a:srgbClr val="7030A0"/>
+                </a:solidFill>
+              </a:rPr>
+              <a:t> &amp;C     F</a:t>
+            </a:r>
+          </a:p>
+          <a:p>
+            <a:endParaRPr lang="en-US" sz="1000" b="1" dirty="0">
+              <a:solidFill>
+                <a:srgbClr val="7030A0"/>
+              </a:solidFill>
+            </a:endParaRPr>
+          </a:p>
+          <a:p>
+            <a:pPr algn="ctr"/>
+            <a:r>
+              <a:rPr lang="en-US" sz="1000" b="1" dirty="0">
+                <a:solidFill>
+                  <a:srgbClr val="7030A0"/>
+                </a:solidFill>
+              </a:rPr>
+              <a:t>   5  +  T</a:t>
+            </a:r>
+          </a:p>
+          <a:p>
+            <a:pPr algn="ctr"/>
+            <a:endParaRPr lang="en-US" sz="1000" b="1" dirty="0">
+              <a:solidFill>
+                <a:srgbClr val="7030A0"/>
+              </a:solidFill>
+            </a:endParaRPr>
+          </a:p>
+          <a:p>
+            <a:pPr algn="r"/>
+            <a:r>
+              <a:rPr lang="en-US" sz="1000" b="1" dirty="0">
+                <a:solidFill>
+                  <a:srgbClr val="7030A0"/>
+                </a:solidFill>
+              </a:rPr>
+              <a:t>      3 * 4</a:t>
+            </a:r>
+          </a:p>
+          <a:p>
+            <a:pPr algn="ctr"/>
+            <a:endParaRPr lang="en-US" sz="1000" b="1" dirty="0">
+              <a:solidFill>
+                <a:srgbClr val="7030A0"/>
+              </a:solidFill>
+            </a:endParaRPr>
+          </a:p>
+        </p:txBody>
+      </p:sp>
+      <p:cxnSp>
+        <p:nvCxnSpPr>
+          <p:cNvPr id="197" name="Straight Connector 196">
+            <a:extLst>
+              <a:ext uri="{FF2B5EF4-FFF2-40B4-BE49-F238E27FC236}">
+                <a16:creationId xmlns:a16="http://schemas.microsoft.com/office/drawing/2014/main" id="{D230B99C-2949-9244-B11D-AA993624C45A}"/>
+              </a:ext>
+            </a:extLst>
+          </p:cNvPr>
+          <p:cNvCxnSpPr>
+            <a:cxnSpLocks/>
+          </p:cNvCxnSpPr>
+          <p:nvPr/>
+        </p:nvCxnSpPr>
+        <p:spPr>
+          <a:xfrm flipV="1">
+            <a:off x="3463361" y="3640519"/>
+            <a:ext cx="78537" cy="206266"/>
+          </a:xfrm>
+          <a:prstGeom prst="line">
+            <a:avLst/>
+          </a:prstGeom>
+        </p:spPr>
+        <p:style>
+          <a:lnRef idx="2">
+            <a:schemeClr val="dk1"/>
+          </a:lnRef>
+          <a:fillRef idx="0">
+            <a:schemeClr val="dk1"/>
+          </a:fillRef>
+          <a:effectRef idx="1">
+            <a:schemeClr val="dk1"/>
+          </a:effectRef>
+          <a:fontRef idx="minor">
+            <a:schemeClr val="tx1"/>
+          </a:fontRef>
+        </p:style>
+      </p:cxnSp>
+      <p:cxnSp>
+        <p:nvCxnSpPr>
+          <p:cNvPr id="198" name="Straight Connector 197">
+            <a:extLst>
+              <a:ext uri="{FF2B5EF4-FFF2-40B4-BE49-F238E27FC236}">
+                <a16:creationId xmlns:a16="http://schemas.microsoft.com/office/drawing/2014/main" id="{17248D24-580F-F94F-A57A-C5400F4F2B23}"/>
+              </a:ext>
+            </a:extLst>
+          </p:cNvPr>
+          <p:cNvCxnSpPr>
+            <a:cxnSpLocks/>
+          </p:cNvCxnSpPr>
+          <p:nvPr/>
+        </p:nvCxnSpPr>
+        <p:spPr>
+          <a:xfrm flipH="1" flipV="1">
+            <a:off x="3618546" y="3640519"/>
+            <a:ext cx="46013" cy="206266"/>
+          </a:xfrm>
+          <a:prstGeom prst="line">
+            <a:avLst/>
+          </a:prstGeom>
+        </p:spPr>
+        <p:style>
+          <a:lnRef idx="2">
+            <a:schemeClr val="dk1"/>
+          </a:lnRef>
+          <a:fillRef idx="0">
+            <a:schemeClr val="dk1"/>
+          </a:fillRef>
+          <a:effectRef idx="1">
+            <a:schemeClr val="dk1"/>
+          </a:effectRef>
+          <a:fontRef idx="minor">
+            <a:schemeClr val="tx1"/>
+          </a:fontRef>
+        </p:style>
+      </p:cxnSp>
+      <p:cxnSp>
+        <p:nvCxnSpPr>
+          <p:cNvPr id="199" name="Straight Connector 198">
+            <a:extLst>
+              <a:ext uri="{FF2B5EF4-FFF2-40B4-BE49-F238E27FC236}">
+                <a16:creationId xmlns:a16="http://schemas.microsoft.com/office/drawing/2014/main" id="{4A8E5B0A-0D79-134D-BDB2-64836AA85D8B}"/>
+              </a:ext>
+            </a:extLst>
+          </p:cNvPr>
+          <p:cNvCxnSpPr>
+            <a:cxnSpLocks/>
+          </p:cNvCxnSpPr>
+          <p:nvPr/>
+        </p:nvCxnSpPr>
+        <p:spPr>
+          <a:xfrm flipH="1" flipV="1">
+            <a:off x="3664559" y="3964839"/>
+            <a:ext cx="9663" cy="191579"/>
+          </a:xfrm>
+          <a:prstGeom prst="line">
+            <a:avLst/>
+          </a:prstGeom>
+        </p:spPr>
+        <p:style>
+          <a:lnRef idx="2">
+            <a:schemeClr val="dk1"/>
+          </a:lnRef>
+          <a:fillRef idx="0">
+            <a:schemeClr val="dk1"/>
+          </a:fillRef>
+          <a:effectRef idx="1">
+            <a:schemeClr val="dk1"/>
+          </a:effectRef>
+          <a:fontRef idx="minor">
+            <a:schemeClr val="tx1"/>
+          </a:fontRef>
+        </p:style>
+      </p:cxnSp>
+      <p:cxnSp>
+        <p:nvCxnSpPr>
+          <p:cNvPr id="200" name="Straight Connector 199">
+            <a:extLst>
+              <a:ext uri="{FF2B5EF4-FFF2-40B4-BE49-F238E27FC236}">
+                <a16:creationId xmlns:a16="http://schemas.microsoft.com/office/drawing/2014/main" id="{2EC41F07-5C21-DE43-9567-2E1124BB7F21}"/>
+              </a:ext>
+            </a:extLst>
+          </p:cNvPr>
+          <p:cNvCxnSpPr>
+            <a:cxnSpLocks/>
+          </p:cNvCxnSpPr>
+          <p:nvPr/>
+        </p:nvCxnSpPr>
+        <p:spPr>
+          <a:xfrm flipH="1" flipV="1">
+            <a:off x="3674223" y="3964839"/>
+            <a:ext cx="112997" cy="191579"/>
+          </a:xfrm>
+          <a:prstGeom prst="line">
+            <a:avLst/>
+          </a:prstGeom>
+        </p:spPr>
+        <p:style>
+          <a:lnRef idx="2">
+            <a:schemeClr val="dk1"/>
+          </a:lnRef>
+          <a:fillRef idx="0">
+            <a:schemeClr val="dk1"/>
+          </a:fillRef>
+          <a:effectRef idx="1">
+            <a:schemeClr val="dk1"/>
+          </a:effectRef>
+          <a:fontRef idx="minor">
+            <a:schemeClr val="tx1"/>
+          </a:fontRef>
+        </p:style>
+      </p:cxnSp>
+      <p:cxnSp>
+        <p:nvCxnSpPr>
+          <p:cNvPr id="201" name="Straight Connector 200">
+            <a:extLst>
+              <a:ext uri="{FF2B5EF4-FFF2-40B4-BE49-F238E27FC236}">
+                <a16:creationId xmlns:a16="http://schemas.microsoft.com/office/drawing/2014/main" id="{272EAE98-BF1E-A840-9B41-09770FD70048}"/>
+              </a:ext>
+            </a:extLst>
+          </p:cNvPr>
+          <p:cNvCxnSpPr>
+            <a:cxnSpLocks/>
+          </p:cNvCxnSpPr>
+          <p:nvPr/>
+        </p:nvCxnSpPr>
+        <p:spPr>
+          <a:xfrm flipV="1">
+            <a:off x="3541898" y="3921621"/>
+            <a:ext cx="122661" cy="234797"/>
+          </a:xfrm>
+          <a:prstGeom prst="line">
+            <a:avLst/>
+          </a:prstGeom>
+        </p:spPr>
+        <p:style>
+          <a:lnRef idx="2">
+            <a:schemeClr val="dk1"/>
+          </a:lnRef>
+          <a:fillRef idx="0">
+            <a:schemeClr val="dk1"/>
+          </a:fillRef>
+          <a:effectRef idx="1">
+            <a:schemeClr val="dk1"/>
+          </a:effectRef>
+          <a:fontRef idx="minor">
+            <a:schemeClr val="tx1"/>
+          </a:fontRef>
+        </p:style>
+      </p:cxnSp>
+      <p:cxnSp>
+        <p:nvCxnSpPr>
+          <p:cNvPr id="202" name="Straight Connector 201">
+            <a:extLst>
+              <a:ext uri="{FF2B5EF4-FFF2-40B4-BE49-F238E27FC236}">
+                <a16:creationId xmlns:a16="http://schemas.microsoft.com/office/drawing/2014/main" id="{8C27B67C-E9B2-F34D-81E1-F3EAE149795F}"/>
+              </a:ext>
+            </a:extLst>
+          </p:cNvPr>
+          <p:cNvCxnSpPr>
+            <a:cxnSpLocks/>
+          </p:cNvCxnSpPr>
+          <p:nvPr/>
+        </p:nvCxnSpPr>
+        <p:spPr>
+          <a:xfrm flipV="1">
+            <a:off x="3802531" y="4245052"/>
+            <a:ext cx="0" cy="232354"/>
+          </a:xfrm>
+          <a:prstGeom prst="line">
+            <a:avLst/>
+          </a:prstGeom>
+        </p:spPr>
+        <p:style>
+          <a:lnRef idx="2">
+            <a:schemeClr val="dk1"/>
+          </a:lnRef>
+          <a:fillRef idx="0">
+            <a:schemeClr val="dk1"/>
+          </a:fillRef>
+          <a:effectRef idx="1">
+            <a:schemeClr val="dk1"/>
+          </a:effectRef>
+          <a:fontRef idx="minor">
+            <a:schemeClr val="tx1"/>
+          </a:fontRef>
+        </p:style>
+      </p:cxnSp>
+      <p:cxnSp>
+        <p:nvCxnSpPr>
+          <p:cNvPr id="203" name="Straight Connector 202">
+            <a:extLst>
+              <a:ext uri="{FF2B5EF4-FFF2-40B4-BE49-F238E27FC236}">
+                <a16:creationId xmlns:a16="http://schemas.microsoft.com/office/drawing/2014/main" id="{8E947FA6-725E-8649-86E4-53568DBDF002}"/>
+              </a:ext>
+            </a:extLst>
+          </p:cNvPr>
+          <p:cNvCxnSpPr>
+            <a:cxnSpLocks/>
+          </p:cNvCxnSpPr>
+          <p:nvPr/>
+        </p:nvCxnSpPr>
+        <p:spPr>
+          <a:xfrm flipV="1">
+            <a:off x="3733545" y="4245052"/>
+            <a:ext cx="59323" cy="204952"/>
+          </a:xfrm>
+          <a:prstGeom prst="line">
+            <a:avLst/>
+          </a:prstGeom>
+        </p:spPr>
+        <p:style>
+          <a:lnRef idx="2">
+            <a:schemeClr val="dk1"/>
+          </a:lnRef>
+          <a:fillRef idx="0">
+            <a:schemeClr val="dk1"/>
+          </a:fillRef>
+          <a:effectRef idx="1">
+            <a:schemeClr val="dk1"/>
+          </a:effectRef>
+          <a:fontRef idx="minor">
+            <a:schemeClr val="tx1"/>
+          </a:fontRef>
+        </p:style>
+      </p:cxnSp>
+      <p:cxnSp>
+        <p:nvCxnSpPr>
+          <p:cNvPr id="204" name="Straight Connector 203">
+            <a:extLst>
+              <a:ext uri="{FF2B5EF4-FFF2-40B4-BE49-F238E27FC236}">
+                <a16:creationId xmlns:a16="http://schemas.microsoft.com/office/drawing/2014/main" id="{57FD79DB-FCD3-AE43-A626-B8DACF88BB92}"/>
+              </a:ext>
+            </a:extLst>
+          </p:cNvPr>
+          <p:cNvCxnSpPr>
+            <a:cxnSpLocks/>
+          </p:cNvCxnSpPr>
+          <p:nvPr/>
+        </p:nvCxnSpPr>
+        <p:spPr>
+          <a:xfrm flipH="1" flipV="1">
+            <a:off x="3812195" y="4245052"/>
+            <a:ext cx="98702" cy="222125"/>
+          </a:xfrm>
+          <a:prstGeom prst="line">
+            <a:avLst/>
+          </a:prstGeom>
+        </p:spPr>
+        <p:style>
+          <a:lnRef idx="2">
+            <a:schemeClr val="dk1"/>
+          </a:lnRef>
+          <a:fillRef idx="0">
+            <a:schemeClr val="dk1"/>
+          </a:fillRef>
+          <a:effectRef idx="1">
+            <a:schemeClr val="dk1"/>
+          </a:effectRef>
+          <a:fontRef idx="minor">
+            <a:schemeClr val="tx1"/>
+          </a:fontRef>
+        </p:style>
+      </p:cxnSp>
+      <p:sp>
+        <p:nvSpPr>
+          <p:cNvPr id="159" name="Rectangle 158">
+            <a:extLst>
+              <a:ext uri="{FF2B5EF4-FFF2-40B4-BE49-F238E27FC236}">
+                <a16:creationId xmlns:a16="http://schemas.microsoft.com/office/drawing/2014/main" id="{83A0F6B3-CFD6-3D49-9400-9DC8BB73FB02}"/>
+              </a:ext>
+            </a:extLst>
+          </p:cNvPr>
+          <p:cNvSpPr/>
+          <p:nvPr/>
+        </p:nvSpPr>
+        <p:spPr>
+          <a:xfrm>
+            <a:off x="3225012" y="4269427"/>
+            <a:ext cx="392578" cy="544338"/>
+          </a:xfrm>
+          <a:prstGeom prst="rect">
+            <a:avLst/>
+          </a:prstGeom>
+          <a:solidFill>
+            <a:srgbClr val="0070C0"/>
+          </a:solidFill>
+        </p:spPr>
+        <p:style>
+          <a:lnRef idx="2">
+            <a:schemeClr val="accent1">
+              <a:shade val="50000"/>
+            </a:schemeClr>
+          </a:lnRef>
+          <a:fillRef idx="1">
+            <a:schemeClr val="accent1"/>
+          </a:fillRef>
+          <a:effectRef idx="0">
+            <a:schemeClr val="accent1"/>
+          </a:effectRef>
+          <a:fontRef idx="minor">
+            <a:schemeClr val="lt1"/>
+          </a:fontRef>
+        </p:style>
+        <p:txBody>
+          <a:bodyPr rtlCol="0" anchor="ctr"/>
+          <a:lstStyle/>
+          <a:p>
+            <a:pPr algn="ctr"/>
+            <a:endParaRPr lang="en-US"/>
+          </a:p>
+        </p:txBody>
+      </p:sp>
+      <p:sp>
+        <p:nvSpPr>
+          <p:cNvPr id="160" name="Rectangle 159">
+            <a:extLst>
+              <a:ext uri="{FF2B5EF4-FFF2-40B4-BE49-F238E27FC236}">
+                <a16:creationId xmlns:a16="http://schemas.microsoft.com/office/drawing/2014/main" id="{80132A21-7C96-AF4B-85E8-1A633E432A0A}"/>
+              </a:ext>
+            </a:extLst>
+          </p:cNvPr>
+          <p:cNvSpPr/>
+          <p:nvPr/>
+        </p:nvSpPr>
+        <p:spPr>
+          <a:xfrm>
+            <a:off x="3223582" y="4361163"/>
+            <a:ext cx="393531" cy="149238"/>
+          </a:xfrm>
+          <a:prstGeom prst="rect">
+            <a:avLst/>
+          </a:prstGeom>
+          <a:solidFill>
+            <a:schemeClr val="tx1"/>
+          </a:solidFill>
+        </p:spPr>
+        <p:style>
+          <a:lnRef idx="2">
+            <a:schemeClr val="accent1">
+              <a:shade val="50000"/>
+            </a:schemeClr>
+          </a:lnRef>
+          <a:fillRef idx="1">
+            <a:schemeClr val="accent1"/>
+          </a:fillRef>
+          <a:effectRef idx="0">
+            <a:schemeClr val="accent1"/>
+          </a:effectRef>
+          <a:fontRef idx="minor">
+            <a:schemeClr val="lt1"/>
+          </a:fontRef>
+        </p:style>
+        <p:txBody>
+          <a:bodyPr rtlCol="0" anchor="ctr"/>
+          <a:lstStyle/>
+          <a:p>
+            <a:pPr algn="ctr"/>
+            <a:r>
+              <a:rPr lang="en-US" sz="800" dirty="0">
+                <a:solidFill>
+                  <a:schemeClr val="bg1"/>
+                </a:solidFill>
+              </a:rPr>
+              <a:t>C | 2</a:t>
+            </a:r>
+          </a:p>
+        </p:txBody>
+      </p:sp>
+      <p:sp>
+        <p:nvSpPr>
+          <p:cNvPr id="161" name="Rectangle 160">
+            <a:extLst>
+              <a:ext uri="{FF2B5EF4-FFF2-40B4-BE49-F238E27FC236}">
+                <a16:creationId xmlns:a16="http://schemas.microsoft.com/office/drawing/2014/main" id="{BDA46CBE-1C62-C943-9FAA-B1014C746960}"/>
+              </a:ext>
+            </a:extLst>
+          </p:cNvPr>
+          <p:cNvSpPr/>
+          <p:nvPr/>
+        </p:nvSpPr>
+        <p:spPr>
+          <a:xfrm>
+            <a:off x="3222610" y="4590251"/>
+            <a:ext cx="393531" cy="149238"/>
+          </a:xfrm>
+          <a:prstGeom prst="rect">
+            <a:avLst/>
+          </a:prstGeom>
+          <a:solidFill>
+            <a:schemeClr val="tx1"/>
+          </a:solidFill>
+        </p:spPr>
+        <p:style>
+          <a:lnRef idx="2">
+            <a:schemeClr val="accent1">
+              <a:shade val="50000"/>
+            </a:schemeClr>
+          </a:lnRef>
+          <a:fillRef idx="1">
+            <a:schemeClr val="accent1"/>
+          </a:fillRef>
+          <a:effectRef idx="0">
+            <a:schemeClr val="accent1"/>
+          </a:effectRef>
+          <a:fontRef idx="minor">
+            <a:schemeClr val="lt1"/>
+          </a:fontRef>
+        </p:style>
+        <p:txBody>
+          <a:bodyPr rtlCol="0" anchor="ctr"/>
+          <a:lstStyle/>
+          <a:p>
+            <a:pPr algn="ctr"/>
+            <a:r>
+              <a:rPr lang="en-US" sz="800" dirty="0">
+                <a:solidFill>
+                  <a:schemeClr val="bg1"/>
+                </a:solidFill>
+              </a:rPr>
+              <a:t>A | 5 </a:t>
+            </a:r>
+          </a:p>
+        </p:txBody>
+      </p:sp>
+      <p:sp>
+        <p:nvSpPr>
+          <p:cNvPr id="206" name="Rectangle 205">
+            <a:extLst>
+              <a:ext uri="{FF2B5EF4-FFF2-40B4-BE49-F238E27FC236}">
+                <a16:creationId xmlns:a16="http://schemas.microsoft.com/office/drawing/2014/main" id="{ABD8ACB6-EBB8-434C-BDE0-E364CCEFFD9B}"/>
+              </a:ext>
+            </a:extLst>
+          </p:cNvPr>
+          <p:cNvSpPr/>
+          <p:nvPr/>
+        </p:nvSpPr>
+        <p:spPr>
+          <a:xfrm>
+            <a:off x="2104610" y="2564064"/>
+            <a:ext cx="806756" cy="282188"/>
+          </a:xfrm>
+          <a:prstGeom prst="rect">
+            <a:avLst/>
+          </a:prstGeom>
+          <a:solidFill>
+            <a:srgbClr val="00B0F0"/>
+          </a:solidFill>
+        </p:spPr>
+        <p:style>
+          <a:lnRef idx="2">
+            <a:schemeClr val="accent1">
+              <a:shade val="50000"/>
+            </a:schemeClr>
+          </a:lnRef>
+          <a:fillRef idx="1">
+            <a:schemeClr val="accent1"/>
+          </a:fillRef>
+          <a:effectRef idx="0">
+            <a:schemeClr val="accent1"/>
+          </a:effectRef>
+          <a:fontRef idx="minor">
+            <a:schemeClr val="lt1"/>
+          </a:fontRef>
+        </p:style>
+        <p:txBody>
+          <a:bodyPr rtlCol="0" anchor="ctr"/>
+          <a:lstStyle/>
+          <a:p>
+            <a:pPr algn="ctr"/>
+            <a:r>
+              <a:rPr lang="en-US" sz="900" dirty="0">
+                <a:solidFill>
+                  <a:schemeClr val="bg1"/>
+                </a:solidFill>
+              </a:rPr>
+              <a:t>Context-free</a:t>
+            </a:r>
+          </a:p>
+          <a:p>
+            <a:pPr algn="ctr"/>
+            <a:r>
+              <a:rPr lang="en-US" sz="900" dirty="0">
+                <a:solidFill>
+                  <a:schemeClr val="bg1"/>
+                </a:solidFill>
+              </a:rPr>
+              <a:t>Language </a:t>
+            </a:r>
+          </a:p>
+        </p:txBody>
+      </p:sp>
+      <p:sp>
+        <p:nvSpPr>
+          <p:cNvPr id="209" name="Rectangle 208">
+            <a:extLst>
+              <a:ext uri="{FF2B5EF4-FFF2-40B4-BE49-F238E27FC236}">
+                <a16:creationId xmlns:a16="http://schemas.microsoft.com/office/drawing/2014/main" id="{4DBC1F36-F7EA-F541-AA60-92C76FE03502}"/>
+              </a:ext>
+            </a:extLst>
+          </p:cNvPr>
+          <p:cNvSpPr/>
+          <p:nvPr/>
+        </p:nvSpPr>
+        <p:spPr>
+          <a:xfrm>
+            <a:off x="2104608" y="2903541"/>
+            <a:ext cx="806756" cy="350365"/>
+          </a:xfrm>
+          <a:prstGeom prst="rect">
+            <a:avLst/>
+          </a:prstGeom>
+          <a:solidFill>
+            <a:srgbClr val="00B0F0"/>
+          </a:solidFill>
+        </p:spPr>
+        <p:style>
+          <a:lnRef idx="2">
+            <a:schemeClr val="accent1">
+              <a:shade val="50000"/>
+            </a:schemeClr>
+          </a:lnRef>
+          <a:fillRef idx="1">
+            <a:schemeClr val="accent1"/>
+          </a:fillRef>
+          <a:effectRef idx="0">
+            <a:schemeClr val="accent1"/>
+          </a:effectRef>
+          <a:fontRef idx="minor">
+            <a:schemeClr val="lt1"/>
+          </a:fontRef>
+        </p:style>
+        <p:txBody>
+          <a:bodyPr rtlCol="0" anchor="ctr"/>
+          <a:lstStyle/>
+          <a:p>
+            <a:pPr algn="ctr"/>
+            <a:r>
+              <a:rPr lang="en-US" sz="800" dirty="0">
+                <a:solidFill>
+                  <a:schemeClr val="bg1"/>
+                </a:solidFill>
+              </a:rPr>
+              <a:t>Top-down LL</a:t>
+            </a:r>
+          </a:p>
+          <a:p>
+            <a:pPr algn="ctr"/>
+            <a:r>
+              <a:rPr lang="en-US" sz="800" dirty="0">
+                <a:solidFill>
+                  <a:schemeClr val="bg1"/>
+                </a:solidFill>
+              </a:rPr>
+              <a:t>Bottom-up LR</a:t>
+            </a:r>
+          </a:p>
+        </p:txBody>
+      </p:sp>
+      <p:sp>
+        <p:nvSpPr>
+          <p:cNvPr id="210" name="Rectangle 209">
+            <a:extLst>
+              <a:ext uri="{FF2B5EF4-FFF2-40B4-BE49-F238E27FC236}">
+                <a16:creationId xmlns:a16="http://schemas.microsoft.com/office/drawing/2014/main" id="{0D9D40FB-0E7C-7245-9FF8-9F493105394C}"/>
+              </a:ext>
+            </a:extLst>
+          </p:cNvPr>
+          <p:cNvSpPr/>
+          <p:nvPr/>
+        </p:nvSpPr>
+        <p:spPr>
+          <a:xfrm>
+            <a:off x="3209888" y="2880640"/>
+            <a:ext cx="806756" cy="504042"/>
+          </a:xfrm>
+          <a:prstGeom prst="rect">
+            <a:avLst/>
+          </a:prstGeom>
+          <a:solidFill>
+            <a:srgbClr val="0070C0"/>
+          </a:solidFill>
+        </p:spPr>
+        <p:style>
+          <a:lnRef idx="2">
+            <a:schemeClr val="accent1">
+              <a:shade val="50000"/>
+            </a:schemeClr>
+          </a:lnRef>
+          <a:fillRef idx="1">
+            <a:schemeClr val="accent1"/>
+          </a:fillRef>
+          <a:effectRef idx="0">
+            <a:schemeClr val="accent1"/>
+          </a:effectRef>
+          <a:fontRef idx="minor">
+            <a:schemeClr val="lt1"/>
+          </a:fontRef>
+        </p:style>
+        <p:txBody>
+          <a:bodyPr rtlCol="0" anchor="ctr"/>
+          <a:lstStyle/>
+          <a:p>
+            <a:pPr algn="ctr"/>
+            <a:r>
+              <a:rPr lang="en-US" sz="1000" dirty="0">
+                <a:solidFill>
+                  <a:schemeClr val="bg1"/>
+                </a:solidFill>
+              </a:rPr>
+              <a:t>Context</a:t>
+            </a:r>
+          </a:p>
+          <a:p>
+            <a:pPr algn="ctr"/>
+            <a:r>
+              <a:rPr lang="en-US" sz="1000" dirty="0">
+                <a:solidFill>
+                  <a:schemeClr val="bg1"/>
+                </a:solidFill>
+              </a:rPr>
+              <a:t>sensitive</a:t>
+            </a:r>
+          </a:p>
+          <a:p>
+            <a:pPr algn="ctr"/>
+            <a:r>
+              <a:rPr lang="en-US" sz="1000" dirty="0">
+                <a:solidFill>
+                  <a:schemeClr val="bg1"/>
+                </a:solidFill>
+              </a:rPr>
+              <a:t>Analysis</a:t>
+            </a:r>
+          </a:p>
+        </p:txBody>
+      </p:sp>
+      <p:sp>
+        <p:nvSpPr>
+          <p:cNvPr id="211" name="Rectangle 210">
+            <a:extLst>
+              <a:ext uri="{FF2B5EF4-FFF2-40B4-BE49-F238E27FC236}">
+                <a16:creationId xmlns:a16="http://schemas.microsoft.com/office/drawing/2014/main" id="{5AEB8C4C-B059-5540-92FD-90AEA9161AC9}"/>
+              </a:ext>
+            </a:extLst>
+          </p:cNvPr>
+          <p:cNvSpPr/>
+          <p:nvPr/>
+        </p:nvSpPr>
+        <p:spPr>
+          <a:xfrm>
+            <a:off x="4375365" y="2733862"/>
+            <a:ext cx="797095" cy="1391873"/>
+          </a:xfrm>
+          <a:prstGeom prst="rect">
+            <a:avLst/>
+          </a:prstGeom>
+          <a:solidFill>
+            <a:schemeClr val="tx1"/>
+          </a:solidFill>
+          <a:ln>
+            <a:solidFill>
+              <a:srgbClr val="7030A0"/>
+            </a:solidFill>
+          </a:ln>
+        </p:spPr>
+        <p:style>
+          <a:lnRef idx="2">
+            <a:schemeClr val="accent1">
+              <a:shade val="50000"/>
+            </a:schemeClr>
+          </a:lnRef>
+          <a:fillRef idx="1">
+            <a:schemeClr val="accent1"/>
+          </a:fillRef>
+          <a:effectRef idx="0">
+            <a:schemeClr val="accent1"/>
+          </a:effectRef>
+          <a:fontRef idx="minor">
+            <a:schemeClr val="lt1"/>
+          </a:fontRef>
+        </p:style>
+        <p:txBody>
+          <a:bodyPr rtlCol="0" anchor="ctr"/>
+          <a:lstStyle/>
+          <a:p>
+            <a:pPr algn="ctr"/>
+            <a:endParaRPr lang="en-US" sz="1000" b="1" dirty="0">
+              <a:solidFill>
+                <a:srgbClr val="7030A0"/>
+              </a:solidFill>
+            </a:endParaRPr>
+          </a:p>
+          <a:p>
+            <a:pPr algn="ctr"/>
+            <a:endParaRPr lang="en-US" sz="1000" b="1" dirty="0">
+              <a:solidFill>
+                <a:srgbClr val="7030A0"/>
+              </a:solidFill>
+            </a:endParaRPr>
+          </a:p>
+          <a:p>
+            <a:pPr algn="ctr"/>
+            <a:endParaRPr lang="en-US" sz="1000" b="1" dirty="0">
+              <a:solidFill>
+                <a:srgbClr val="7030A0"/>
+              </a:solidFill>
+            </a:endParaRPr>
+          </a:p>
+          <a:p>
+            <a:pPr algn="ctr"/>
+            <a:endParaRPr lang="en-US" sz="1000" b="1" dirty="0">
+              <a:solidFill>
+                <a:srgbClr val="7030A0"/>
+              </a:solidFill>
+            </a:endParaRPr>
+          </a:p>
+          <a:p>
+            <a:pPr algn="ctr"/>
+            <a:endParaRPr lang="en-US" sz="1000" b="1" dirty="0">
+              <a:solidFill>
+                <a:srgbClr val="7030A0"/>
+              </a:solidFill>
+            </a:endParaRPr>
+          </a:p>
+          <a:p>
+            <a:pPr algn="ctr"/>
+            <a:r>
+              <a:rPr lang="en-US" sz="1000" b="1" dirty="0">
+                <a:solidFill>
+                  <a:srgbClr val="7030A0"/>
+                </a:solidFill>
+              </a:rPr>
+              <a:t>t0 = 3</a:t>
+            </a:r>
+          </a:p>
+          <a:p>
+            <a:pPr algn="ctr"/>
+            <a:r>
+              <a:rPr lang="en-US" sz="1000" b="1" dirty="0">
+                <a:solidFill>
+                  <a:srgbClr val="7030A0"/>
+                </a:solidFill>
+              </a:rPr>
+              <a:t>t1 = 4</a:t>
+            </a:r>
+          </a:p>
+          <a:p>
+            <a:pPr algn="ctr"/>
+            <a:r>
+              <a:rPr lang="en-US" sz="1000" b="1" dirty="0">
+                <a:solidFill>
+                  <a:srgbClr val="7030A0"/>
+                </a:solidFill>
+              </a:rPr>
+              <a:t>t2 = t0 * t1 </a:t>
+            </a:r>
+          </a:p>
+          <a:p>
+            <a:pPr algn="ctr"/>
+            <a:r>
+              <a:rPr lang="en-US" sz="1000" b="1" dirty="0">
+                <a:solidFill>
+                  <a:srgbClr val="7030A0"/>
+                </a:solidFill>
+              </a:rPr>
+              <a:t>t3 = 5</a:t>
+            </a:r>
+          </a:p>
+          <a:p>
+            <a:pPr algn="ctr"/>
+            <a:r>
+              <a:rPr lang="en-US" sz="1000" b="1" dirty="0">
+                <a:solidFill>
+                  <a:srgbClr val="7030A0"/>
+                </a:solidFill>
+              </a:rPr>
+              <a:t>t4 = C</a:t>
+            </a:r>
+          </a:p>
+          <a:p>
+            <a:pPr algn="ctr"/>
+            <a:r>
+              <a:rPr lang="en-US" sz="1000" b="1" dirty="0">
+                <a:solidFill>
+                  <a:srgbClr val="7030A0"/>
+                </a:solidFill>
+              </a:rPr>
+              <a:t>t4 = t3 + t2 </a:t>
+            </a:r>
+          </a:p>
+          <a:p>
+            <a:pPr algn="ctr"/>
+            <a:endParaRPr lang="en-US" sz="1000" b="1" dirty="0">
+              <a:solidFill>
+                <a:srgbClr val="7030A0"/>
+              </a:solidFill>
+            </a:endParaRPr>
+          </a:p>
+          <a:p>
+            <a:pPr algn="ctr"/>
+            <a:endParaRPr lang="en-US" sz="1000" b="1" dirty="0">
+              <a:solidFill>
+                <a:srgbClr val="7030A0"/>
+              </a:solidFill>
+            </a:endParaRPr>
+          </a:p>
+          <a:p>
+            <a:pPr algn="ctr"/>
+            <a:endParaRPr lang="en-US" sz="1000" b="1" dirty="0">
+              <a:solidFill>
+                <a:srgbClr val="7030A0"/>
+              </a:solidFill>
+            </a:endParaRPr>
+          </a:p>
+          <a:p>
+            <a:pPr algn="ctr"/>
+            <a:endParaRPr lang="en-US" sz="1000" b="1" dirty="0">
+              <a:solidFill>
+                <a:srgbClr val="7030A0"/>
+              </a:solidFill>
+            </a:endParaRPr>
+          </a:p>
+          <a:p>
+            <a:pPr algn="ctr"/>
+            <a:endParaRPr lang="en-US" sz="1000" b="1" dirty="0">
+              <a:solidFill>
+                <a:srgbClr val="7030A0"/>
+              </a:solidFill>
+            </a:endParaRPr>
+          </a:p>
+          <a:p>
+            <a:pPr algn="ctr"/>
+            <a:endParaRPr lang="en-US" sz="1000" b="1" dirty="0">
+              <a:solidFill>
+                <a:srgbClr val="7030A0"/>
+              </a:solidFill>
+            </a:endParaRPr>
+          </a:p>
+        </p:txBody>
+      </p:sp>
+      <p:sp>
+        <p:nvSpPr>
+          <p:cNvPr id="212" name="Rectangle 211">
+            <a:extLst>
+              <a:ext uri="{FF2B5EF4-FFF2-40B4-BE49-F238E27FC236}">
+                <a16:creationId xmlns:a16="http://schemas.microsoft.com/office/drawing/2014/main" id="{E05DFD5A-2FDC-4746-AB5E-7441F1A74893}"/>
+              </a:ext>
+            </a:extLst>
+          </p:cNvPr>
+          <p:cNvSpPr/>
+          <p:nvPr/>
+        </p:nvSpPr>
+        <p:spPr>
+          <a:xfrm>
+            <a:off x="3209888" y="2564065"/>
+            <a:ext cx="806756" cy="277392"/>
+          </a:xfrm>
+          <a:prstGeom prst="rect">
+            <a:avLst/>
+          </a:prstGeom>
+          <a:solidFill>
+            <a:srgbClr val="0070C0"/>
+          </a:solidFill>
+        </p:spPr>
+        <p:style>
+          <a:lnRef idx="2">
+            <a:schemeClr val="accent1">
+              <a:shade val="50000"/>
+            </a:schemeClr>
+          </a:lnRef>
+          <a:fillRef idx="1">
+            <a:schemeClr val="accent1"/>
+          </a:fillRef>
+          <a:effectRef idx="0">
+            <a:schemeClr val="accent1"/>
+          </a:effectRef>
+          <a:fontRef idx="minor">
+            <a:schemeClr val="lt1"/>
+          </a:fontRef>
+        </p:style>
+        <p:txBody>
+          <a:bodyPr rtlCol="0" anchor="ctr"/>
+          <a:lstStyle/>
+          <a:p>
+            <a:pPr algn="ctr"/>
+            <a:r>
+              <a:rPr lang="en-US" sz="900" dirty="0">
+                <a:solidFill>
+                  <a:schemeClr val="bg1"/>
+                </a:solidFill>
+              </a:rPr>
+              <a:t>Symbol table</a:t>
+            </a:r>
+          </a:p>
+        </p:txBody>
+      </p:sp>
+      <p:sp>
+        <p:nvSpPr>
+          <p:cNvPr id="213" name="TextBox 212">
+            <a:extLst>
+              <a:ext uri="{FF2B5EF4-FFF2-40B4-BE49-F238E27FC236}">
+                <a16:creationId xmlns:a16="http://schemas.microsoft.com/office/drawing/2014/main" id="{03CC3803-4754-9241-B726-4B3566D9E61B}"/>
+              </a:ext>
+            </a:extLst>
+          </p:cNvPr>
+          <p:cNvSpPr txBox="1"/>
+          <p:nvPr/>
+        </p:nvSpPr>
+        <p:spPr>
+          <a:xfrm>
+            <a:off x="80318" y="522132"/>
+            <a:ext cx="838691" cy="246221"/>
+          </a:xfrm>
+          <a:prstGeom prst="rect">
+            <a:avLst/>
+          </a:prstGeom>
+          <a:noFill/>
+        </p:spPr>
+        <p:txBody>
+          <a:bodyPr wrap="none" rtlCol="0">
+            <a:spAutoFit/>
+          </a:bodyPr>
+          <a:lstStyle/>
+          <a:p>
+            <a:r>
+              <a:rPr lang="en-US" sz="1000" dirty="0"/>
+              <a:t>Source Code</a:t>
+            </a:r>
+          </a:p>
+        </p:txBody>
+      </p:sp>
+      <p:sp>
+        <p:nvSpPr>
+          <p:cNvPr id="214" name="TextBox 213">
+            <a:extLst>
+              <a:ext uri="{FF2B5EF4-FFF2-40B4-BE49-F238E27FC236}">
+                <a16:creationId xmlns:a16="http://schemas.microsoft.com/office/drawing/2014/main" id="{CBDCF532-F932-4445-90D9-2F59F58A3723}"/>
+              </a:ext>
+            </a:extLst>
+          </p:cNvPr>
+          <p:cNvSpPr txBox="1"/>
+          <p:nvPr/>
+        </p:nvSpPr>
+        <p:spPr>
+          <a:xfrm>
+            <a:off x="4271210" y="2396465"/>
+            <a:ext cx="1005403" cy="400110"/>
+          </a:xfrm>
+          <a:prstGeom prst="rect">
+            <a:avLst/>
+          </a:prstGeom>
+          <a:noFill/>
+        </p:spPr>
+        <p:txBody>
+          <a:bodyPr wrap="none" rtlCol="0">
+            <a:spAutoFit/>
+          </a:bodyPr>
+          <a:lstStyle/>
+          <a:p>
+            <a:pPr algn="ctr"/>
+            <a:r>
+              <a:rPr lang="en-US" sz="1000" b="1" dirty="0"/>
+              <a:t>Intermediate</a:t>
+            </a:r>
+          </a:p>
+          <a:p>
+            <a:r>
+              <a:rPr lang="en-US" sz="1000" b="1" dirty="0"/>
+              <a:t>Representation</a:t>
+            </a:r>
+          </a:p>
+        </p:txBody>
+      </p:sp>
+      <p:cxnSp>
+        <p:nvCxnSpPr>
+          <p:cNvPr id="216" name="Elbow Connector 215">
+            <a:extLst>
+              <a:ext uri="{FF2B5EF4-FFF2-40B4-BE49-F238E27FC236}">
+                <a16:creationId xmlns:a16="http://schemas.microsoft.com/office/drawing/2014/main" id="{A67BD360-7923-424B-8B10-2F6E50DF96AB}"/>
+              </a:ext>
+            </a:extLst>
+          </p:cNvPr>
+          <p:cNvCxnSpPr>
+            <a:stCxn id="196" idx="3"/>
+            <a:endCxn id="211" idx="1"/>
+          </p:cNvCxnSpPr>
+          <p:nvPr/>
+        </p:nvCxnSpPr>
+        <p:spPr>
+          <a:xfrm flipV="1">
+            <a:off x="4022107" y="3429799"/>
+            <a:ext cx="353258" cy="695137"/>
+          </a:xfrm>
+          <a:prstGeom prst="bentConnector3">
+            <a:avLst/>
+          </a:prstGeom>
+          <a:ln>
+            <a:tailEnd type="triangle"/>
+          </a:ln>
+        </p:spPr>
+        <p:style>
+          <a:lnRef idx="2">
+            <a:schemeClr val="accent1"/>
+          </a:lnRef>
+          <a:fillRef idx="0">
+            <a:schemeClr val="accent1"/>
+          </a:fillRef>
+          <a:effectRef idx="1">
+            <a:schemeClr val="accent1"/>
+          </a:effectRef>
+          <a:fontRef idx="minor">
+            <a:schemeClr val="tx1"/>
+          </a:fontRef>
+        </p:style>
+      </p:cxnSp>
+      <p:sp>
+        <p:nvSpPr>
+          <p:cNvPr id="217" name="Rectangle 216">
+            <a:extLst>
+              <a:ext uri="{FF2B5EF4-FFF2-40B4-BE49-F238E27FC236}">
+                <a16:creationId xmlns:a16="http://schemas.microsoft.com/office/drawing/2014/main" id="{956581D2-DCAB-E44F-B2A3-027920D81402}"/>
+              </a:ext>
+            </a:extLst>
+          </p:cNvPr>
+          <p:cNvSpPr/>
+          <p:nvPr/>
+        </p:nvSpPr>
+        <p:spPr>
+          <a:xfrm>
+            <a:off x="5387689" y="1899745"/>
+            <a:ext cx="640169" cy="3058510"/>
+          </a:xfrm>
+          <a:prstGeom prst="rect">
+            <a:avLst/>
+          </a:prstGeom>
+          <a:solidFill>
+            <a:srgbClr val="FF0000"/>
+          </a:solidFill>
+          <a:ln>
+            <a:solidFill>
+              <a:schemeClr val="bg1"/>
+            </a:solidFill>
+          </a:ln>
+        </p:spPr>
+        <p:style>
+          <a:lnRef idx="2">
+            <a:schemeClr val="accent1">
+              <a:shade val="50000"/>
+            </a:schemeClr>
+          </a:lnRef>
+          <a:fillRef idx="1">
+            <a:schemeClr val="accent1"/>
+          </a:fillRef>
+          <a:effectRef idx="0">
+            <a:schemeClr val="accent1"/>
+          </a:effectRef>
+          <a:fontRef idx="minor">
+            <a:schemeClr val="lt1"/>
+          </a:fontRef>
+        </p:style>
+        <p:txBody>
+          <a:bodyPr rtlCol="0" anchor="ctr"/>
+          <a:lstStyle/>
+          <a:p>
+            <a:pPr algn="ctr"/>
+            <a:endParaRPr lang="en-US" dirty="0"/>
+          </a:p>
+        </p:txBody>
+      </p:sp>
+      <p:sp>
+        <p:nvSpPr>
+          <p:cNvPr id="218" name="Rectangle 217">
+            <a:extLst>
+              <a:ext uri="{FF2B5EF4-FFF2-40B4-BE49-F238E27FC236}">
+                <a16:creationId xmlns:a16="http://schemas.microsoft.com/office/drawing/2014/main" id="{ED3146C7-BD2A-624D-826F-424673B0C1ED}"/>
+              </a:ext>
+            </a:extLst>
+          </p:cNvPr>
+          <p:cNvSpPr/>
+          <p:nvPr/>
+        </p:nvSpPr>
+        <p:spPr>
+          <a:xfrm>
+            <a:off x="6227799" y="1899745"/>
+            <a:ext cx="640169" cy="3058510"/>
+          </a:xfrm>
+          <a:prstGeom prst="rect">
+            <a:avLst/>
+          </a:prstGeom>
+          <a:solidFill>
+            <a:srgbClr val="FF0000"/>
+          </a:solidFill>
+          <a:ln>
+            <a:solidFill>
+              <a:schemeClr val="bg1"/>
+            </a:solidFill>
+          </a:ln>
+        </p:spPr>
+        <p:style>
+          <a:lnRef idx="2">
+            <a:schemeClr val="accent1">
+              <a:shade val="50000"/>
+            </a:schemeClr>
+          </a:lnRef>
+          <a:fillRef idx="1">
+            <a:schemeClr val="accent1"/>
+          </a:fillRef>
+          <a:effectRef idx="0">
+            <a:schemeClr val="accent1"/>
+          </a:effectRef>
+          <a:fontRef idx="minor">
+            <a:schemeClr val="lt1"/>
+          </a:fontRef>
+        </p:style>
+        <p:txBody>
+          <a:bodyPr rtlCol="0" anchor="ctr"/>
+          <a:lstStyle/>
+          <a:p>
+            <a:pPr algn="ctr"/>
+            <a:endParaRPr lang="en-US" dirty="0"/>
+          </a:p>
+        </p:txBody>
+      </p:sp>
+      <p:sp>
+        <p:nvSpPr>
+          <p:cNvPr id="219" name="Rectangle 218">
+            <a:extLst>
+              <a:ext uri="{FF2B5EF4-FFF2-40B4-BE49-F238E27FC236}">
+                <a16:creationId xmlns:a16="http://schemas.microsoft.com/office/drawing/2014/main" id="{2DED467C-6DD0-E244-A134-713EB60A4FAE}"/>
+              </a:ext>
+            </a:extLst>
+          </p:cNvPr>
+          <p:cNvSpPr/>
+          <p:nvPr/>
+        </p:nvSpPr>
+        <p:spPr>
+          <a:xfrm>
+            <a:off x="7299129" y="1899745"/>
+            <a:ext cx="640169" cy="3058510"/>
+          </a:xfrm>
+          <a:prstGeom prst="rect">
+            <a:avLst/>
+          </a:prstGeom>
+          <a:solidFill>
+            <a:srgbClr val="FF0000"/>
+          </a:solidFill>
+          <a:ln>
+            <a:solidFill>
+              <a:schemeClr val="bg1"/>
+            </a:solidFill>
+          </a:ln>
+        </p:spPr>
+        <p:style>
+          <a:lnRef idx="2">
+            <a:schemeClr val="accent1">
+              <a:shade val="50000"/>
+            </a:schemeClr>
+          </a:lnRef>
+          <a:fillRef idx="1">
+            <a:schemeClr val="accent1"/>
+          </a:fillRef>
+          <a:effectRef idx="0">
+            <a:schemeClr val="accent1"/>
+          </a:effectRef>
+          <a:fontRef idx="minor">
+            <a:schemeClr val="lt1"/>
+          </a:fontRef>
+        </p:style>
+        <p:txBody>
+          <a:bodyPr rtlCol="0" anchor="ctr"/>
+          <a:lstStyle/>
+          <a:p>
+            <a:pPr algn="ctr"/>
+            <a:endParaRPr lang="en-US" dirty="0"/>
+          </a:p>
+        </p:txBody>
+      </p:sp>
+      <p:sp>
+        <p:nvSpPr>
+          <p:cNvPr id="220" name="Frame 219">
+            <a:extLst>
+              <a:ext uri="{FF2B5EF4-FFF2-40B4-BE49-F238E27FC236}">
+                <a16:creationId xmlns:a16="http://schemas.microsoft.com/office/drawing/2014/main" id="{45315156-7D23-A643-A267-5C465E920AFE}"/>
+              </a:ext>
+            </a:extLst>
+          </p:cNvPr>
+          <p:cNvSpPr/>
+          <p:nvPr/>
+        </p:nvSpPr>
+        <p:spPr>
+          <a:xfrm>
+            <a:off x="5276613" y="1490967"/>
+            <a:ext cx="2763801" cy="3728917"/>
+          </a:xfrm>
+          <a:prstGeom prst="frame">
+            <a:avLst>
+              <a:gd name="adj1" fmla="val 452"/>
+            </a:avLst>
+          </a:prstGeom>
+          <a:solidFill>
+            <a:srgbClr val="FF0000"/>
+          </a:solidFill>
+          <a:ln>
+            <a:solidFill>
+              <a:srgbClr val="FF0000"/>
+            </a:solidFill>
+          </a:ln>
+        </p:spPr>
+        <p:style>
+          <a:lnRef idx="2">
+            <a:schemeClr val="accent1">
+              <a:shade val="50000"/>
+            </a:schemeClr>
+          </a:lnRef>
+          <a:fillRef idx="1">
+            <a:schemeClr val="accent1"/>
+          </a:fillRef>
+          <a:effectRef idx="0">
+            <a:schemeClr val="accent1"/>
+          </a:effectRef>
+          <a:fontRef idx="minor">
+            <a:schemeClr val="lt1"/>
+          </a:fontRef>
+        </p:style>
+        <p:txBody>
+          <a:bodyPr rtlCol="0" anchor="ctr"/>
+          <a:lstStyle/>
+          <a:p>
+            <a:pPr algn="ctr"/>
+            <a:endParaRPr lang="en-US">
+              <a:solidFill>
+                <a:schemeClr val="tx1"/>
+              </a:solidFill>
+            </a:endParaRPr>
+          </a:p>
+        </p:txBody>
+      </p:sp>
+      <p:sp>
+        <p:nvSpPr>
+          <p:cNvPr id="221" name="Rectangle 220">
+            <a:extLst>
+              <a:ext uri="{FF2B5EF4-FFF2-40B4-BE49-F238E27FC236}">
+                <a16:creationId xmlns:a16="http://schemas.microsoft.com/office/drawing/2014/main" id="{F3D1772E-23F4-EA44-908B-0AD2C8CA7FDC}"/>
+              </a:ext>
+            </a:extLst>
+          </p:cNvPr>
+          <p:cNvSpPr/>
+          <p:nvPr/>
+        </p:nvSpPr>
+        <p:spPr>
+          <a:xfrm>
+            <a:off x="6109984" y="1369536"/>
+            <a:ext cx="1105279" cy="325820"/>
+          </a:xfrm>
+          <a:prstGeom prst="rect">
+            <a:avLst/>
+          </a:prstGeom>
+          <a:solidFill>
+            <a:srgbClr val="FF0000"/>
+          </a:solidFill>
+          <a:ln>
+            <a:solidFill>
+              <a:srgbClr val="FF0000"/>
+            </a:solidFill>
+          </a:ln>
+        </p:spPr>
+        <p:style>
+          <a:lnRef idx="2">
+            <a:schemeClr val="accent1">
+              <a:shade val="50000"/>
+            </a:schemeClr>
+          </a:lnRef>
+          <a:fillRef idx="1">
+            <a:schemeClr val="accent1"/>
+          </a:fillRef>
+          <a:effectRef idx="0">
+            <a:schemeClr val="accent1"/>
+          </a:effectRef>
+          <a:fontRef idx="minor">
+            <a:schemeClr val="lt1"/>
+          </a:fontRef>
+        </p:style>
+        <p:txBody>
+          <a:bodyPr rtlCol="0" anchor="ctr"/>
+          <a:lstStyle/>
+          <a:p>
+            <a:pPr algn="ctr"/>
+            <a:r>
+              <a:rPr lang="en-US" dirty="0"/>
+              <a:t>Optimizer</a:t>
+            </a:r>
+          </a:p>
+        </p:txBody>
+      </p:sp>
+      <p:cxnSp>
+        <p:nvCxnSpPr>
+          <p:cNvPr id="223" name="Straight Arrow Connector 222">
+            <a:extLst>
+              <a:ext uri="{FF2B5EF4-FFF2-40B4-BE49-F238E27FC236}">
+                <a16:creationId xmlns:a16="http://schemas.microsoft.com/office/drawing/2014/main" id="{C0887BA5-8F05-1242-9F8D-5BE871859CD5}"/>
+              </a:ext>
+            </a:extLst>
+          </p:cNvPr>
+          <p:cNvCxnSpPr>
+            <a:stCxn id="217" idx="3"/>
+            <a:endCxn id="218" idx="1"/>
+          </p:cNvCxnSpPr>
+          <p:nvPr/>
+        </p:nvCxnSpPr>
+        <p:spPr>
+          <a:xfrm>
+            <a:off x="6027858" y="3429000"/>
+            <a:ext cx="199941" cy="0"/>
+          </a:xfrm>
+          <a:prstGeom prst="straightConnector1">
+            <a:avLst/>
+          </a:prstGeom>
+          <a:ln>
+            <a:tailEnd type="triangle"/>
+          </a:ln>
+        </p:spPr>
+        <p:style>
+          <a:lnRef idx="1">
+            <a:schemeClr val="accent1"/>
+          </a:lnRef>
+          <a:fillRef idx="0">
+            <a:schemeClr val="accent1"/>
+          </a:fillRef>
+          <a:effectRef idx="0">
+            <a:schemeClr val="accent1"/>
+          </a:effectRef>
+          <a:fontRef idx="minor">
+            <a:schemeClr val="tx1"/>
+          </a:fontRef>
+        </p:style>
+      </p:cxnSp>
+      <p:cxnSp>
+        <p:nvCxnSpPr>
+          <p:cNvPr id="225" name="Straight Arrow Connector 224">
+            <a:extLst>
+              <a:ext uri="{FF2B5EF4-FFF2-40B4-BE49-F238E27FC236}">
+                <a16:creationId xmlns:a16="http://schemas.microsoft.com/office/drawing/2014/main" id="{3B628E54-D8B6-A04A-B2FE-791D39FC69C1}"/>
+              </a:ext>
+            </a:extLst>
+          </p:cNvPr>
+          <p:cNvCxnSpPr>
+            <a:cxnSpLocks/>
+            <a:stCxn id="218" idx="3"/>
+            <a:endCxn id="219" idx="1"/>
+          </p:cNvCxnSpPr>
+          <p:nvPr/>
+        </p:nvCxnSpPr>
+        <p:spPr>
+          <a:xfrm>
+            <a:off x="6867968" y="3429000"/>
+            <a:ext cx="431161" cy="0"/>
+          </a:xfrm>
+          <a:prstGeom prst="straightConnector1">
+            <a:avLst/>
+          </a:prstGeom>
+          <a:ln>
+            <a:tailEnd type="triangle"/>
+          </a:ln>
+        </p:spPr>
+        <p:style>
+          <a:lnRef idx="1">
+            <a:schemeClr val="accent1"/>
+          </a:lnRef>
+          <a:fillRef idx="0">
+            <a:schemeClr val="accent1"/>
+          </a:fillRef>
+          <a:effectRef idx="0">
+            <a:schemeClr val="accent1"/>
+          </a:effectRef>
+          <a:fontRef idx="minor">
+            <a:schemeClr val="tx1"/>
+          </a:fontRef>
+        </p:style>
+      </p:cxnSp>
+      <p:sp>
+        <p:nvSpPr>
+          <p:cNvPr id="227" name="TextBox 226">
+            <a:extLst>
+              <a:ext uri="{FF2B5EF4-FFF2-40B4-BE49-F238E27FC236}">
+                <a16:creationId xmlns:a16="http://schemas.microsoft.com/office/drawing/2014/main" id="{3F109368-38DF-B34E-A144-290DEE02E72F}"/>
+              </a:ext>
+            </a:extLst>
+          </p:cNvPr>
+          <p:cNvSpPr txBox="1"/>
+          <p:nvPr/>
+        </p:nvSpPr>
+        <p:spPr>
+          <a:xfrm>
+            <a:off x="6911866" y="3104244"/>
+            <a:ext cx="343364" cy="369332"/>
+          </a:xfrm>
+          <a:prstGeom prst="rect">
+            <a:avLst/>
+          </a:prstGeom>
+          <a:noFill/>
+        </p:spPr>
+        <p:txBody>
+          <a:bodyPr wrap="none" rtlCol="0">
+            <a:spAutoFit/>
+          </a:bodyPr>
+          <a:lstStyle/>
+          <a:p>
+            <a:r>
+              <a:rPr lang="en-US" dirty="0"/>
+              <a:t>…</a:t>
+            </a:r>
+          </a:p>
+        </p:txBody>
+      </p:sp>
+      <p:sp>
+        <p:nvSpPr>
+          <p:cNvPr id="228" name="Rectangle 227">
+            <a:extLst>
+              <a:ext uri="{FF2B5EF4-FFF2-40B4-BE49-F238E27FC236}">
+                <a16:creationId xmlns:a16="http://schemas.microsoft.com/office/drawing/2014/main" id="{30B70442-431D-4A41-8E53-5F9E931D2007}"/>
+              </a:ext>
+            </a:extLst>
+          </p:cNvPr>
+          <p:cNvSpPr/>
+          <p:nvPr/>
+        </p:nvSpPr>
+        <p:spPr>
+          <a:xfrm>
+            <a:off x="5394680" y="1899745"/>
+            <a:ext cx="633178" cy="384799"/>
+          </a:xfrm>
+          <a:prstGeom prst="rect">
+            <a:avLst/>
+          </a:prstGeom>
+          <a:solidFill>
+            <a:schemeClr val="tx1"/>
+          </a:solidFill>
+          <a:ln>
+            <a:solidFill>
+              <a:schemeClr val="bg1"/>
+            </a:solidFill>
+          </a:ln>
+        </p:spPr>
+        <p:style>
+          <a:lnRef idx="2">
+            <a:schemeClr val="accent1">
+              <a:shade val="50000"/>
+            </a:schemeClr>
+          </a:lnRef>
+          <a:fillRef idx="1">
+            <a:schemeClr val="accent1"/>
+          </a:fillRef>
+          <a:effectRef idx="0">
+            <a:schemeClr val="accent1"/>
+          </a:effectRef>
+          <a:fontRef idx="minor">
+            <a:schemeClr val="lt1"/>
+          </a:fontRef>
+        </p:style>
+        <p:txBody>
+          <a:bodyPr rtlCol="0" anchor="ctr"/>
+          <a:lstStyle/>
+          <a:p>
+            <a:pPr algn="ctr"/>
+            <a:r>
+              <a:rPr lang="en-US" sz="1200" b="1" dirty="0">
+                <a:solidFill>
+                  <a:schemeClr val="bg1"/>
+                </a:solidFill>
+              </a:rPr>
+              <a:t>Pass 1</a:t>
+            </a:r>
+          </a:p>
+        </p:txBody>
+      </p:sp>
+      <p:sp>
+        <p:nvSpPr>
+          <p:cNvPr id="229" name="Rectangle 228">
+            <a:extLst>
+              <a:ext uri="{FF2B5EF4-FFF2-40B4-BE49-F238E27FC236}">
+                <a16:creationId xmlns:a16="http://schemas.microsoft.com/office/drawing/2014/main" id="{2BA66497-A780-E640-9DD1-4876411E7D3F}"/>
+              </a:ext>
+            </a:extLst>
+          </p:cNvPr>
+          <p:cNvSpPr/>
+          <p:nvPr/>
+        </p:nvSpPr>
+        <p:spPr>
+          <a:xfrm>
+            <a:off x="6229710" y="1908800"/>
+            <a:ext cx="633178" cy="384799"/>
+          </a:xfrm>
+          <a:prstGeom prst="rect">
+            <a:avLst/>
+          </a:prstGeom>
+          <a:solidFill>
+            <a:schemeClr val="tx1"/>
+          </a:solidFill>
+          <a:ln>
+            <a:solidFill>
+              <a:schemeClr val="bg1"/>
+            </a:solidFill>
+          </a:ln>
+        </p:spPr>
+        <p:style>
+          <a:lnRef idx="2">
+            <a:schemeClr val="accent1">
+              <a:shade val="50000"/>
+            </a:schemeClr>
+          </a:lnRef>
+          <a:fillRef idx="1">
+            <a:schemeClr val="accent1"/>
+          </a:fillRef>
+          <a:effectRef idx="0">
+            <a:schemeClr val="accent1"/>
+          </a:effectRef>
+          <a:fontRef idx="minor">
+            <a:schemeClr val="lt1"/>
+          </a:fontRef>
+        </p:style>
+        <p:txBody>
+          <a:bodyPr rtlCol="0" anchor="ctr"/>
+          <a:lstStyle/>
+          <a:p>
+            <a:pPr algn="ctr"/>
+            <a:r>
+              <a:rPr lang="en-US" sz="1200" b="1" dirty="0">
+                <a:solidFill>
+                  <a:schemeClr val="bg1"/>
+                </a:solidFill>
+              </a:rPr>
+              <a:t>Pass 2</a:t>
+            </a:r>
+          </a:p>
+        </p:txBody>
+      </p:sp>
+      <p:sp>
+        <p:nvSpPr>
+          <p:cNvPr id="230" name="Rectangle 229">
+            <a:extLst>
+              <a:ext uri="{FF2B5EF4-FFF2-40B4-BE49-F238E27FC236}">
+                <a16:creationId xmlns:a16="http://schemas.microsoft.com/office/drawing/2014/main" id="{5FC7124C-2992-8E49-8808-5056AFE56D8E}"/>
+              </a:ext>
+            </a:extLst>
+          </p:cNvPr>
+          <p:cNvSpPr/>
+          <p:nvPr/>
+        </p:nvSpPr>
+        <p:spPr>
+          <a:xfrm>
+            <a:off x="7308909" y="1911907"/>
+            <a:ext cx="633178" cy="384799"/>
+          </a:xfrm>
+          <a:prstGeom prst="rect">
+            <a:avLst/>
+          </a:prstGeom>
+          <a:solidFill>
+            <a:schemeClr val="tx1"/>
+          </a:solidFill>
+          <a:ln>
+            <a:solidFill>
+              <a:schemeClr val="bg1"/>
+            </a:solidFill>
+          </a:ln>
+        </p:spPr>
+        <p:style>
+          <a:lnRef idx="2">
+            <a:schemeClr val="accent1">
+              <a:shade val="50000"/>
+            </a:schemeClr>
+          </a:lnRef>
+          <a:fillRef idx="1">
+            <a:schemeClr val="accent1"/>
+          </a:fillRef>
+          <a:effectRef idx="0">
+            <a:schemeClr val="accent1"/>
+          </a:effectRef>
+          <a:fontRef idx="minor">
+            <a:schemeClr val="lt1"/>
+          </a:fontRef>
+        </p:style>
+        <p:txBody>
+          <a:bodyPr rtlCol="0" anchor="ctr"/>
+          <a:lstStyle/>
+          <a:p>
+            <a:pPr algn="ctr"/>
+            <a:r>
+              <a:rPr lang="en-US" sz="1200" b="1" dirty="0">
+                <a:solidFill>
+                  <a:schemeClr val="bg1"/>
+                </a:solidFill>
+              </a:rPr>
+              <a:t>Pass 3</a:t>
+            </a:r>
+          </a:p>
+        </p:txBody>
+      </p:sp>
+      <p:cxnSp>
+        <p:nvCxnSpPr>
+          <p:cNvPr id="232" name="Straight Arrow Connector 231">
+            <a:extLst>
+              <a:ext uri="{FF2B5EF4-FFF2-40B4-BE49-F238E27FC236}">
+                <a16:creationId xmlns:a16="http://schemas.microsoft.com/office/drawing/2014/main" id="{FA0DC878-09FA-4345-8F6A-230796B527D4}"/>
+              </a:ext>
+            </a:extLst>
+          </p:cNvPr>
+          <p:cNvCxnSpPr>
+            <a:stCxn id="211" idx="3"/>
+            <a:endCxn id="217" idx="1"/>
+          </p:cNvCxnSpPr>
+          <p:nvPr/>
+        </p:nvCxnSpPr>
+        <p:spPr>
+          <a:xfrm flipV="1">
+            <a:off x="5172460" y="3429000"/>
+            <a:ext cx="215229" cy="799"/>
+          </a:xfrm>
+          <a:prstGeom prst="straightConnector1">
+            <a:avLst/>
+          </a:prstGeom>
+          <a:ln>
+            <a:tailEnd type="triangle"/>
+          </a:ln>
+        </p:spPr>
+        <p:style>
+          <a:lnRef idx="1">
+            <a:schemeClr val="accent1"/>
+          </a:lnRef>
+          <a:fillRef idx="0">
+            <a:schemeClr val="accent1"/>
+          </a:fillRef>
+          <a:effectRef idx="0">
+            <a:schemeClr val="accent1"/>
+          </a:effectRef>
+          <a:fontRef idx="minor">
+            <a:schemeClr val="tx1"/>
+          </a:fontRef>
+        </p:style>
+      </p:cxnSp>
+      <p:sp>
+        <p:nvSpPr>
+          <p:cNvPr id="233" name="Rectangle 232">
+            <a:extLst>
+              <a:ext uri="{FF2B5EF4-FFF2-40B4-BE49-F238E27FC236}">
+                <a16:creationId xmlns:a16="http://schemas.microsoft.com/office/drawing/2014/main" id="{8768F81D-9512-FD40-B63F-74E0513B531D}"/>
+              </a:ext>
+            </a:extLst>
+          </p:cNvPr>
+          <p:cNvSpPr/>
+          <p:nvPr/>
+        </p:nvSpPr>
+        <p:spPr>
+          <a:xfrm>
+            <a:off x="8188467" y="2733862"/>
+            <a:ext cx="797095" cy="1391873"/>
+          </a:xfrm>
+          <a:prstGeom prst="rect">
+            <a:avLst/>
+          </a:prstGeom>
+          <a:solidFill>
+            <a:schemeClr val="tx1"/>
+          </a:solidFill>
+          <a:ln>
+            <a:solidFill>
+              <a:srgbClr val="7030A0"/>
+            </a:solidFill>
+          </a:ln>
+        </p:spPr>
+        <p:style>
+          <a:lnRef idx="2">
+            <a:schemeClr val="accent1">
+              <a:shade val="50000"/>
+            </a:schemeClr>
+          </a:lnRef>
+          <a:fillRef idx="1">
+            <a:schemeClr val="accent1"/>
+          </a:fillRef>
+          <a:effectRef idx="0">
+            <a:schemeClr val="accent1"/>
+          </a:effectRef>
+          <a:fontRef idx="minor">
+            <a:schemeClr val="lt1"/>
+          </a:fontRef>
+        </p:style>
+        <p:txBody>
+          <a:bodyPr rtlCol="0" anchor="ctr"/>
+          <a:lstStyle/>
+          <a:p>
+            <a:pPr algn="ctr"/>
+            <a:endParaRPr lang="en-US" sz="1000" b="1" dirty="0">
+              <a:solidFill>
+                <a:srgbClr val="7030A0"/>
+              </a:solidFill>
+            </a:endParaRPr>
+          </a:p>
+          <a:p>
+            <a:pPr algn="ctr"/>
+            <a:endParaRPr lang="en-US" sz="1000" b="1" dirty="0">
+              <a:solidFill>
+                <a:srgbClr val="7030A0"/>
+              </a:solidFill>
+            </a:endParaRPr>
+          </a:p>
+          <a:p>
+            <a:pPr algn="ctr"/>
+            <a:endParaRPr lang="en-US" sz="1000" b="1" dirty="0">
+              <a:solidFill>
+                <a:srgbClr val="7030A0"/>
+              </a:solidFill>
+            </a:endParaRPr>
+          </a:p>
+          <a:p>
+            <a:pPr algn="ctr"/>
+            <a:endParaRPr lang="en-US" sz="1000" b="1" dirty="0">
+              <a:solidFill>
+                <a:srgbClr val="7030A0"/>
+              </a:solidFill>
+            </a:endParaRPr>
+          </a:p>
+          <a:p>
+            <a:pPr algn="ctr"/>
+            <a:endParaRPr lang="en-US" sz="1000" b="1" dirty="0">
+              <a:solidFill>
+                <a:srgbClr val="7030A0"/>
+              </a:solidFill>
+            </a:endParaRPr>
+          </a:p>
+          <a:p>
+            <a:pPr algn="ctr"/>
+            <a:r>
+              <a:rPr lang="en-US" sz="1000" b="1" dirty="0">
+                <a:solidFill>
+                  <a:srgbClr val="7030A0"/>
+                </a:solidFill>
+              </a:rPr>
+              <a:t>t0 = 12 </a:t>
+            </a:r>
+          </a:p>
+          <a:p>
+            <a:pPr algn="ctr"/>
+            <a:r>
+              <a:rPr lang="en-US" sz="1000" b="1" dirty="0">
+                <a:solidFill>
+                  <a:srgbClr val="7030A0"/>
+                </a:solidFill>
+              </a:rPr>
+              <a:t>t1 = 5</a:t>
+            </a:r>
+          </a:p>
+          <a:p>
+            <a:pPr algn="ctr"/>
+            <a:r>
+              <a:rPr lang="en-US" sz="1000" b="1" dirty="0">
+                <a:solidFill>
+                  <a:srgbClr val="7030A0"/>
+                </a:solidFill>
+              </a:rPr>
+              <a:t>t2 = C</a:t>
+            </a:r>
+          </a:p>
+          <a:p>
+            <a:pPr algn="ctr"/>
+            <a:r>
+              <a:rPr lang="en-US" sz="1000" b="1" dirty="0">
+                <a:solidFill>
+                  <a:srgbClr val="7030A0"/>
+                </a:solidFill>
+              </a:rPr>
+              <a:t>t2 = t1 + t0 </a:t>
+            </a:r>
+          </a:p>
+          <a:p>
+            <a:pPr algn="ctr"/>
+            <a:endParaRPr lang="en-US" sz="1000" b="1" dirty="0">
+              <a:solidFill>
+                <a:srgbClr val="7030A0"/>
+              </a:solidFill>
+            </a:endParaRPr>
+          </a:p>
+          <a:p>
+            <a:pPr algn="ctr"/>
+            <a:endParaRPr lang="en-US" sz="1000" b="1" dirty="0">
+              <a:solidFill>
+                <a:srgbClr val="7030A0"/>
+              </a:solidFill>
+            </a:endParaRPr>
+          </a:p>
+          <a:p>
+            <a:pPr algn="ctr"/>
+            <a:endParaRPr lang="en-US" sz="1000" b="1" dirty="0">
+              <a:solidFill>
+                <a:srgbClr val="7030A0"/>
+              </a:solidFill>
+            </a:endParaRPr>
+          </a:p>
+          <a:p>
+            <a:pPr algn="ctr"/>
+            <a:endParaRPr lang="en-US" sz="1000" b="1" dirty="0">
+              <a:solidFill>
+                <a:srgbClr val="7030A0"/>
+              </a:solidFill>
+            </a:endParaRPr>
+          </a:p>
+          <a:p>
+            <a:pPr algn="ctr"/>
+            <a:endParaRPr lang="en-US" sz="1000" b="1" dirty="0">
+              <a:solidFill>
+                <a:srgbClr val="7030A0"/>
+              </a:solidFill>
+            </a:endParaRPr>
+          </a:p>
+          <a:p>
+            <a:pPr algn="ctr"/>
+            <a:endParaRPr lang="en-US" sz="1000" b="1" dirty="0">
+              <a:solidFill>
+                <a:srgbClr val="7030A0"/>
+              </a:solidFill>
+            </a:endParaRPr>
+          </a:p>
+        </p:txBody>
+      </p:sp>
+      <p:sp>
+        <p:nvSpPr>
+          <p:cNvPr id="234" name="TextBox 233">
+            <a:extLst>
+              <a:ext uri="{FF2B5EF4-FFF2-40B4-BE49-F238E27FC236}">
+                <a16:creationId xmlns:a16="http://schemas.microsoft.com/office/drawing/2014/main" id="{16F41E49-6635-2948-B2C4-EEBCFE0D2FCC}"/>
+              </a:ext>
+            </a:extLst>
+          </p:cNvPr>
+          <p:cNvSpPr txBox="1"/>
+          <p:nvPr/>
+        </p:nvSpPr>
+        <p:spPr>
+          <a:xfrm>
+            <a:off x="8084312" y="2396465"/>
+            <a:ext cx="1005403" cy="400110"/>
+          </a:xfrm>
+          <a:prstGeom prst="rect">
+            <a:avLst/>
+          </a:prstGeom>
+          <a:noFill/>
+        </p:spPr>
+        <p:txBody>
+          <a:bodyPr wrap="none" rtlCol="0">
+            <a:spAutoFit/>
+          </a:bodyPr>
+          <a:lstStyle/>
+          <a:p>
+            <a:pPr algn="ctr"/>
+            <a:r>
+              <a:rPr lang="en-US" sz="1000" b="1" dirty="0"/>
+              <a:t>Intermediate</a:t>
+            </a:r>
+          </a:p>
+          <a:p>
+            <a:r>
+              <a:rPr lang="en-US" sz="1000" b="1" dirty="0"/>
+              <a:t>Representation</a:t>
+            </a:r>
+          </a:p>
+        </p:txBody>
+      </p:sp>
+      <p:cxnSp>
+        <p:nvCxnSpPr>
+          <p:cNvPr id="239" name="Straight Arrow Connector 238">
+            <a:extLst>
+              <a:ext uri="{FF2B5EF4-FFF2-40B4-BE49-F238E27FC236}">
+                <a16:creationId xmlns:a16="http://schemas.microsoft.com/office/drawing/2014/main" id="{7ED2D513-A2A7-D840-B663-BCCA174DFAF1}"/>
+              </a:ext>
+            </a:extLst>
+          </p:cNvPr>
+          <p:cNvCxnSpPr>
+            <a:stCxn id="219" idx="3"/>
+            <a:endCxn id="233" idx="1"/>
+          </p:cNvCxnSpPr>
+          <p:nvPr/>
+        </p:nvCxnSpPr>
+        <p:spPr>
+          <a:xfrm>
+            <a:off x="7939298" y="3429000"/>
+            <a:ext cx="249169" cy="799"/>
+          </a:xfrm>
+          <a:prstGeom prst="straightConnector1">
+            <a:avLst/>
+          </a:prstGeom>
+          <a:ln>
+            <a:tailEnd type="triangle"/>
+          </a:ln>
+        </p:spPr>
+        <p:style>
+          <a:lnRef idx="1">
+            <a:schemeClr val="accent1"/>
+          </a:lnRef>
+          <a:fillRef idx="0">
+            <a:schemeClr val="accent1"/>
+          </a:fillRef>
+          <a:effectRef idx="0">
+            <a:schemeClr val="accent1"/>
+          </a:effectRef>
+          <a:fontRef idx="minor">
+            <a:schemeClr val="tx1"/>
+          </a:fontRef>
+        </p:style>
+      </p:cxnSp>
+      <p:sp>
+        <p:nvSpPr>
+          <p:cNvPr id="242" name="Rectangle 241">
+            <a:extLst>
+              <a:ext uri="{FF2B5EF4-FFF2-40B4-BE49-F238E27FC236}">
+                <a16:creationId xmlns:a16="http://schemas.microsoft.com/office/drawing/2014/main" id="{6D14C4B1-FD9C-BA40-A308-92FCD2B501E9}"/>
+              </a:ext>
+            </a:extLst>
+          </p:cNvPr>
+          <p:cNvSpPr/>
+          <p:nvPr/>
+        </p:nvSpPr>
+        <p:spPr>
+          <a:xfrm>
+            <a:off x="9738648" y="1879336"/>
+            <a:ext cx="1603064" cy="854526"/>
+          </a:xfrm>
+          <a:prstGeom prst="rect">
+            <a:avLst/>
+          </a:prstGeom>
+          <a:solidFill>
+            <a:srgbClr val="00B050"/>
+          </a:solidFill>
+          <a:ln>
+            <a:solidFill>
+              <a:schemeClr val="bg1"/>
+            </a:solidFill>
+          </a:ln>
+        </p:spPr>
+        <p:style>
+          <a:lnRef idx="2">
+            <a:schemeClr val="accent1">
+              <a:shade val="50000"/>
+            </a:schemeClr>
+          </a:lnRef>
+          <a:fillRef idx="1">
+            <a:schemeClr val="accent1"/>
+          </a:fillRef>
+          <a:effectRef idx="0">
+            <a:schemeClr val="accent1"/>
+          </a:effectRef>
+          <a:fontRef idx="minor">
+            <a:schemeClr val="lt1"/>
+          </a:fontRef>
+        </p:style>
+        <p:txBody>
+          <a:bodyPr rtlCol="0" anchor="ctr"/>
+          <a:lstStyle/>
+          <a:p>
+            <a:pPr algn="ctr"/>
+            <a:r>
+              <a:rPr lang="en-US" b="1" dirty="0">
+                <a:solidFill>
+                  <a:schemeClr val="bg1"/>
+                </a:solidFill>
+              </a:rPr>
+              <a:t>Instruction</a:t>
+            </a:r>
+          </a:p>
+          <a:p>
+            <a:pPr algn="ctr"/>
+            <a:r>
+              <a:rPr lang="en-US" b="1" dirty="0">
+                <a:solidFill>
+                  <a:schemeClr val="bg1"/>
+                </a:solidFill>
+              </a:rPr>
+              <a:t>Selection</a:t>
+            </a:r>
+          </a:p>
+        </p:txBody>
+      </p:sp>
+      <p:sp>
+        <p:nvSpPr>
+          <p:cNvPr id="244" name="Rectangle 243">
+            <a:extLst>
+              <a:ext uri="{FF2B5EF4-FFF2-40B4-BE49-F238E27FC236}">
+                <a16:creationId xmlns:a16="http://schemas.microsoft.com/office/drawing/2014/main" id="{7E2A5C71-8B53-584F-B92E-EE3985055BC7}"/>
+              </a:ext>
+            </a:extLst>
+          </p:cNvPr>
+          <p:cNvSpPr/>
+          <p:nvPr/>
+        </p:nvSpPr>
+        <p:spPr>
+          <a:xfrm>
+            <a:off x="9738648" y="2957419"/>
+            <a:ext cx="1603064" cy="854526"/>
+          </a:xfrm>
+          <a:prstGeom prst="rect">
+            <a:avLst/>
+          </a:prstGeom>
+          <a:solidFill>
+            <a:srgbClr val="00B050"/>
+          </a:solidFill>
+          <a:ln>
+            <a:solidFill>
+              <a:schemeClr val="bg1"/>
+            </a:solidFill>
+          </a:ln>
+        </p:spPr>
+        <p:style>
+          <a:lnRef idx="2">
+            <a:schemeClr val="accent1">
+              <a:shade val="50000"/>
+            </a:schemeClr>
+          </a:lnRef>
+          <a:fillRef idx="1">
+            <a:schemeClr val="accent1"/>
+          </a:fillRef>
+          <a:effectRef idx="0">
+            <a:schemeClr val="accent1"/>
+          </a:effectRef>
+          <a:fontRef idx="minor">
+            <a:schemeClr val="lt1"/>
+          </a:fontRef>
+        </p:style>
+        <p:txBody>
+          <a:bodyPr rtlCol="0" anchor="ctr"/>
+          <a:lstStyle/>
+          <a:p>
+            <a:pPr algn="ctr"/>
+            <a:r>
+              <a:rPr lang="en-US" b="1" dirty="0">
+                <a:solidFill>
+                  <a:schemeClr val="bg1"/>
+                </a:solidFill>
+              </a:rPr>
+              <a:t>Register</a:t>
+            </a:r>
+          </a:p>
+          <a:p>
+            <a:pPr algn="ctr"/>
+            <a:r>
+              <a:rPr lang="en-US" b="1" dirty="0">
+                <a:solidFill>
+                  <a:schemeClr val="bg1"/>
+                </a:solidFill>
+              </a:rPr>
+              <a:t>Allocation</a:t>
+            </a:r>
+          </a:p>
+        </p:txBody>
+      </p:sp>
+      <p:sp>
+        <p:nvSpPr>
+          <p:cNvPr id="245" name="Rectangle 244">
+            <a:extLst>
+              <a:ext uri="{FF2B5EF4-FFF2-40B4-BE49-F238E27FC236}">
+                <a16:creationId xmlns:a16="http://schemas.microsoft.com/office/drawing/2014/main" id="{7D9AF1F5-9F8B-3143-934A-F953E17C90E2}"/>
+              </a:ext>
+            </a:extLst>
+          </p:cNvPr>
+          <p:cNvSpPr/>
+          <p:nvPr/>
+        </p:nvSpPr>
+        <p:spPr>
+          <a:xfrm>
+            <a:off x="9738648" y="4035502"/>
+            <a:ext cx="1603064" cy="854526"/>
+          </a:xfrm>
+          <a:prstGeom prst="rect">
+            <a:avLst/>
+          </a:prstGeom>
+          <a:solidFill>
+            <a:srgbClr val="00B050"/>
+          </a:solidFill>
+          <a:ln>
+            <a:solidFill>
+              <a:schemeClr val="bg1"/>
+            </a:solidFill>
+          </a:ln>
+        </p:spPr>
+        <p:style>
+          <a:lnRef idx="2">
+            <a:schemeClr val="accent1">
+              <a:shade val="50000"/>
+            </a:schemeClr>
+          </a:lnRef>
+          <a:fillRef idx="1">
+            <a:schemeClr val="accent1"/>
+          </a:fillRef>
+          <a:effectRef idx="0">
+            <a:schemeClr val="accent1"/>
+          </a:effectRef>
+          <a:fontRef idx="minor">
+            <a:schemeClr val="lt1"/>
+          </a:fontRef>
+        </p:style>
+        <p:txBody>
+          <a:bodyPr rtlCol="0" anchor="ctr"/>
+          <a:lstStyle/>
+          <a:p>
+            <a:pPr algn="ctr"/>
+            <a:r>
+              <a:rPr lang="en-US" b="1" dirty="0">
+                <a:solidFill>
+                  <a:schemeClr val="bg1"/>
+                </a:solidFill>
+              </a:rPr>
+              <a:t>Instruction</a:t>
+            </a:r>
+          </a:p>
+          <a:p>
+            <a:pPr algn="ctr"/>
+            <a:r>
+              <a:rPr lang="en-US" b="1" dirty="0">
+                <a:solidFill>
+                  <a:schemeClr val="bg1"/>
+                </a:solidFill>
+              </a:rPr>
+              <a:t>Scheduling</a:t>
+            </a:r>
+          </a:p>
+        </p:txBody>
+      </p:sp>
+      <p:sp>
+        <p:nvSpPr>
+          <p:cNvPr id="246" name="Frame 245">
+            <a:extLst>
+              <a:ext uri="{FF2B5EF4-FFF2-40B4-BE49-F238E27FC236}">
+                <a16:creationId xmlns:a16="http://schemas.microsoft.com/office/drawing/2014/main" id="{C308BE4B-E16C-384D-897F-63214F0D5424}"/>
+              </a:ext>
+            </a:extLst>
+          </p:cNvPr>
+          <p:cNvSpPr/>
+          <p:nvPr/>
+        </p:nvSpPr>
+        <p:spPr>
+          <a:xfrm>
+            <a:off x="9185807" y="1532446"/>
+            <a:ext cx="2763801" cy="3728917"/>
+          </a:xfrm>
+          <a:prstGeom prst="frame">
+            <a:avLst>
+              <a:gd name="adj1" fmla="val 452"/>
+            </a:avLst>
+          </a:prstGeom>
+          <a:solidFill>
+            <a:srgbClr val="00B050"/>
+          </a:solidFill>
+          <a:ln>
+            <a:solidFill>
+              <a:srgbClr val="00B050"/>
+            </a:solidFill>
+          </a:ln>
+        </p:spPr>
+        <p:style>
+          <a:lnRef idx="2">
+            <a:schemeClr val="accent1">
+              <a:shade val="50000"/>
+            </a:schemeClr>
+          </a:lnRef>
+          <a:fillRef idx="1">
+            <a:schemeClr val="accent1"/>
+          </a:fillRef>
+          <a:effectRef idx="0">
+            <a:schemeClr val="accent1"/>
+          </a:effectRef>
+          <a:fontRef idx="minor">
+            <a:schemeClr val="lt1"/>
+          </a:fontRef>
+        </p:style>
+        <p:txBody>
+          <a:bodyPr rtlCol="0" anchor="ctr"/>
+          <a:lstStyle/>
+          <a:p>
+            <a:pPr algn="ctr"/>
+            <a:endParaRPr lang="en-US">
+              <a:solidFill>
+                <a:schemeClr val="tx1"/>
+              </a:solidFill>
+            </a:endParaRPr>
+          </a:p>
+        </p:txBody>
+      </p:sp>
+      <p:sp>
+        <p:nvSpPr>
+          <p:cNvPr id="247" name="Rectangle 246">
+            <a:extLst>
+              <a:ext uri="{FF2B5EF4-FFF2-40B4-BE49-F238E27FC236}">
+                <a16:creationId xmlns:a16="http://schemas.microsoft.com/office/drawing/2014/main" id="{DBDE2660-3DF3-BC41-8C84-457413DC6E65}"/>
+              </a:ext>
+            </a:extLst>
+          </p:cNvPr>
+          <p:cNvSpPr/>
+          <p:nvPr/>
+        </p:nvSpPr>
+        <p:spPr>
+          <a:xfrm>
+            <a:off x="10015067" y="1369536"/>
+            <a:ext cx="1105279" cy="325820"/>
+          </a:xfrm>
+          <a:prstGeom prst="rect">
+            <a:avLst/>
+          </a:prstGeom>
+          <a:solidFill>
+            <a:srgbClr val="00B050"/>
+          </a:solidFill>
+          <a:ln>
+            <a:solidFill>
+              <a:srgbClr val="00B050"/>
+            </a:solidFill>
+          </a:ln>
+        </p:spPr>
+        <p:style>
+          <a:lnRef idx="2">
+            <a:schemeClr val="accent1">
+              <a:shade val="50000"/>
+            </a:schemeClr>
+          </a:lnRef>
+          <a:fillRef idx="1">
+            <a:schemeClr val="accent1"/>
+          </a:fillRef>
+          <a:effectRef idx="0">
+            <a:schemeClr val="accent1"/>
+          </a:effectRef>
+          <a:fontRef idx="minor">
+            <a:schemeClr val="lt1"/>
+          </a:fontRef>
+        </p:style>
+        <p:txBody>
+          <a:bodyPr rtlCol="0" anchor="ctr"/>
+          <a:lstStyle/>
+          <a:p>
+            <a:pPr algn="ctr"/>
+            <a:r>
+              <a:rPr lang="en-US" dirty="0"/>
+              <a:t>Back end</a:t>
+            </a:r>
+          </a:p>
+        </p:txBody>
+      </p:sp>
+      <p:cxnSp>
+        <p:nvCxnSpPr>
+          <p:cNvPr id="249" name="Straight Arrow Connector 248">
+            <a:extLst>
+              <a:ext uri="{FF2B5EF4-FFF2-40B4-BE49-F238E27FC236}">
+                <a16:creationId xmlns:a16="http://schemas.microsoft.com/office/drawing/2014/main" id="{F14489FD-CFEC-DB40-9224-B7EB54A5988D}"/>
+              </a:ext>
+            </a:extLst>
+          </p:cNvPr>
+          <p:cNvCxnSpPr>
+            <a:stCxn id="233" idx="3"/>
+            <a:endCxn id="242" idx="1"/>
+          </p:cNvCxnSpPr>
+          <p:nvPr/>
+        </p:nvCxnSpPr>
+        <p:spPr>
+          <a:xfrm flipV="1">
+            <a:off x="8985562" y="2306599"/>
+            <a:ext cx="753086" cy="1123200"/>
+          </a:xfrm>
+          <a:prstGeom prst="straightConnector1">
+            <a:avLst/>
+          </a:prstGeom>
+          <a:ln>
+            <a:tailEnd type="triangle"/>
+          </a:ln>
+        </p:spPr>
+        <p:style>
+          <a:lnRef idx="2">
+            <a:schemeClr val="accent1"/>
+          </a:lnRef>
+          <a:fillRef idx="0">
+            <a:schemeClr val="accent1"/>
+          </a:fillRef>
+          <a:effectRef idx="1">
+            <a:schemeClr val="accent1"/>
+          </a:effectRef>
+          <a:fontRef idx="minor">
+            <a:schemeClr val="tx1"/>
+          </a:fontRef>
+        </p:style>
+      </p:cxnSp>
+      <p:cxnSp>
+        <p:nvCxnSpPr>
+          <p:cNvPr id="251" name="Straight Arrow Connector 250">
+            <a:extLst>
+              <a:ext uri="{FF2B5EF4-FFF2-40B4-BE49-F238E27FC236}">
+                <a16:creationId xmlns:a16="http://schemas.microsoft.com/office/drawing/2014/main" id="{135BD92F-A80C-1F46-9C32-BD8B73DBE0B7}"/>
+              </a:ext>
+            </a:extLst>
+          </p:cNvPr>
+          <p:cNvCxnSpPr>
+            <a:stCxn id="242" idx="2"/>
+            <a:endCxn id="244" idx="0"/>
+          </p:cNvCxnSpPr>
+          <p:nvPr/>
+        </p:nvCxnSpPr>
+        <p:spPr>
+          <a:xfrm>
+            <a:off x="10540180" y="2733862"/>
+            <a:ext cx="0" cy="223557"/>
+          </a:xfrm>
+          <a:prstGeom prst="straightConnector1">
+            <a:avLst/>
+          </a:prstGeom>
+          <a:ln>
+            <a:tailEnd type="triangle"/>
+          </a:ln>
+        </p:spPr>
+        <p:style>
+          <a:lnRef idx="2">
+            <a:schemeClr val="accent1"/>
+          </a:lnRef>
+          <a:fillRef idx="0">
+            <a:schemeClr val="accent1"/>
+          </a:fillRef>
+          <a:effectRef idx="1">
+            <a:schemeClr val="accent1"/>
+          </a:effectRef>
+          <a:fontRef idx="minor">
+            <a:schemeClr val="tx1"/>
+          </a:fontRef>
+        </p:style>
+      </p:cxnSp>
+      <p:cxnSp>
+        <p:nvCxnSpPr>
+          <p:cNvPr id="255" name="Straight Arrow Connector 254">
+            <a:extLst>
+              <a:ext uri="{FF2B5EF4-FFF2-40B4-BE49-F238E27FC236}">
+                <a16:creationId xmlns:a16="http://schemas.microsoft.com/office/drawing/2014/main" id="{AFB7AE68-650E-F74C-B5F9-A2740C1BBD21}"/>
+              </a:ext>
+            </a:extLst>
+          </p:cNvPr>
+          <p:cNvCxnSpPr>
+            <a:stCxn id="244" idx="2"/>
+            <a:endCxn id="245" idx="0"/>
+          </p:cNvCxnSpPr>
+          <p:nvPr/>
+        </p:nvCxnSpPr>
+        <p:spPr>
+          <a:xfrm>
+            <a:off x="10540180" y="3811945"/>
+            <a:ext cx="0" cy="223557"/>
+          </a:xfrm>
+          <a:prstGeom prst="straightConnector1">
+            <a:avLst/>
+          </a:prstGeom>
+          <a:ln>
+            <a:tailEnd type="triangle"/>
+          </a:ln>
+        </p:spPr>
+        <p:style>
+          <a:lnRef idx="2">
+            <a:schemeClr val="accent1"/>
+          </a:lnRef>
+          <a:fillRef idx="0">
+            <a:schemeClr val="accent1"/>
+          </a:fillRef>
+          <a:effectRef idx="1">
+            <a:schemeClr val="accent1"/>
+          </a:effectRef>
+          <a:fontRef idx="minor">
+            <a:schemeClr val="tx1"/>
+          </a:fontRef>
+        </p:style>
+      </p:cxnSp>
+      <p:sp>
+        <p:nvSpPr>
+          <p:cNvPr id="256" name="Oval 255">
+            <a:extLst>
+              <a:ext uri="{FF2B5EF4-FFF2-40B4-BE49-F238E27FC236}">
+                <a16:creationId xmlns:a16="http://schemas.microsoft.com/office/drawing/2014/main" id="{86EB42CC-8B97-3844-A4F2-CF39E215BC2C}"/>
+              </a:ext>
+            </a:extLst>
+          </p:cNvPr>
+          <p:cNvSpPr/>
+          <p:nvPr/>
+        </p:nvSpPr>
+        <p:spPr>
+          <a:xfrm>
+            <a:off x="8629095" y="5550174"/>
+            <a:ext cx="1147153" cy="1102596"/>
+          </a:xfrm>
+          <a:prstGeom prst="ellipse">
+            <a:avLst/>
+          </a:prstGeom>
+          <a:solidFill>
+            <a:schemeClr val="tx1"/>
+          </a:solidFill>
+          <a:ln>
+            <a:solidFill>
+              <a:srgbClr val="7030A0"/>
+            </a:solidFill>
+          </a:ln>
+        </p:spPr>
+        <p:style>
+          <a:lnRef idx="2">
+            <a:schemeClr val="accent1">
+              <a:shade val="50000"/>
+            </a:schemeClr>
+          </a:lnRef>
+          <a:fillRef idx="1">
+            <a:schemeClr val="accent1"/>
+          </a:fillRef>
+          <a:effectRef idx="0">
+            <a:schemeClr val="accent1"/>
+          </a:effectRef>
+          <a:fontRef idx="minor">
+            <a:schemeClr val="lt1"/>
+          </a:fontRef>
+        </p:style>
+        <p:txBody>
+          <a:bodyPr rtlCol="0" anchor="ctr"/>
+          <a:lstStyle/>
+          <a:p>
+            <a:pPr algn="ctr"/>
+            <a:r>
+              <a:rPr lang="en-US" b="1" dirty="0">
+                <a:solidFill>
+                  <a:srgbClr val="7030A0"/>
+                </a:solidFill>
+              </a:rPr>
+              <a:t>Java</a:t>
+            </a:r>
+          </a:p>
+          <a:p>
+            <a:pPr algn="ctr"/>
+            <a:r>
+              <a:rPr lang="en-US" sz="1200" b="1" dirty="0">
+                <a:solidFill>
+                  <a:srgbClr val="7030A0"/>
+                </a:solidFill>
+              </a:rPr>
+              <a:t>Bytecode</a:t>
+            </a:r>
+          </a:p>
+        </p:txBody>
+      </p:sp>
+      <p:sp>
+        <p:nvSpPr>
+          <p:cNvPr id="257" name="Oval 256">
+            <a:extLst>
+              <a:ext uri="{FF2B5EF4-FFF2-40B4-BE49-F238E27FC236}">
+                <a16:creationId xmlns:a16="http://schemas.microsoft.com/office/drawing/2014/main" id="{20BA0806-8F42-5342-B8AA-30150C9A1D38}"/>
+              </a:ext>
+            </a:extLst>
+          </p:cNvPr>
+          <p:cNvSpPr/>
+          <p:nvPr/>
+        </p:nvSpPr>
+        <p:spPr>
+          <a:xfrm>
+            <a:off x="9836971" y="5550174"/>
+            <a:ext cx="1147153" cy="1102596"/>
+          </a:xfrm>
+          <a:prstGeom prst="ellipse">
+            <a:avLst/>
+          </a:prstGeom>
+          <a:solidFill>
+            <a:schemeClr val="tx1"/>
+          </a:solidFill>
+          <a:ln>
+            <a:solidFill>
+              <a:srgbClr val="7030A0"/>
+            </a:solidFill>
+          </a:ln>
+        </p:spPr>
+        <p:style>
+          <a:lnRef idx="2">
+            <a:schemeClr val="accent1">
+              <a:shade val="50000"/>
+            </a:schemeClr>
+          </a:lnRef>
+          <a:fillRef idx="1">
+            <a:schemeClr val="accent1"/>
+          </a:fillRef>
+          <a:effectRef idx="0">
+            <a:schemeClr val="accent1"/>
+          </a:effectRef>
+          <a:fontRef idx="minor">
+            <a:schemeClr val="lt1"/>
+          </a:fontRef>
+        </p:style>
+        <p:txBody>
+          <a:bodyPr rtlCol="0" anchor="ctr"/>
+          <a:lstStyle/>
+          <a:p>
+            <a:pPr algn="ctr"/>
+            <a:r>
+              <a:rPr lang="en-US" sz="1400" b="1" dirty="0">
+                <a:solidFill>
+                  <a:srgbClr val="7030A0"/>
+                </a:solidFill>
+              </a:rPr>
+              <a:t>X86-64</a:t>
+            </a:r>
+          </a:p>
+        </p:txBody>
+      </p:sp>
+      <p:sp>
+        <p:nvSpPr>
+          <p:cNvPr id="258" name="Oval 257">
+            <a:extLst>
+              <a:ext uri="{FF2B5EF4-FFF2-40B4-BE49-F238E27FC236}">
+                <a16:creationId xmlns:a16="http://schemas.microsoft.com/office/drawing/2014/main" id="{E3365060-965E-DE4D-A58B-BBDD7A0B1EA9}"/>
+              </a:ext>
+            </a:extLst>
+          </p:cNvPr>
+          <p:cNvSpPr/>
+          <p:nvPr/>
+        </p:nvSpPr>
+        <p:spPr>
+          <a:xfrm>
+            <a:off x="11044847" y="5550174"/>
+            <a:ext cx="1147153" cy="1102596"/>
+          </a:xfrm>
+          <a:prstGeom prst="ellipse">
+            <a:avLst/>
+          </a:prstGeom>
+          <a:solidFill>
+            <a:schemeClr val="tx1"/>
+          </a:solidFill>
+          <a:ln>
+            <a:solidFill>
+              <a:srgbClr val="7030A0"/>
+            </a:solidFill>
+          </a:ln>
+        </p:spPr>
+        <p:style>
+          <a:lnRef idx="2">
+            <a:schemeClr val="accent1">
+              <a:shade val="50000"/>
+            </a:schemeClr>
+          </a:lnRef>
+          <a:fillRef idx="1">
+            <a:schemeClr val="accent1"/>
+          </a:fillRef>
+          <a:effectRef idx="0">
+            <a:schemeClr val="accent1"/>
+          </a:effectRef>
+          <a:fontRef idx="minor">
+            <a:schemeClr val="lt1"/>
+          </a:fontRef>
+        </p:style>
+        <p:txBody>
+          <a:bodyPr rtlCol="0" anchor="ctr"/>
+          <a:lstStyle/>
+          <a:p>
+            <a:pPr algn="ctr"/>
+            <a:r>
+              <a:rPr lang="en-US" sz="1400" b="1" dirty="0">
+                <a:solidFill>
+                  <a:srgbClr val="7030A0"/>
+                </a:solidFill>
+              </a:rPr>
+              <a:t>RISC-V</a:t>
+            </a:r>
+          </a:p>
+        </p:txBody>
+      </p:sp>
+      <p:cxnSp>
+        <p:nvCxnSpPr>
+          <p:cNvPr id="260" name="Straight Arrow Connector 259">
+            <a:extLst>
+              <a:ext uri="{FF2B5EF4-FFF2-40B4-BE49-F238E27FC236}">
+                <a16:creationId xmlns:a16="http://schemas.microsoft.com/office/drawing/2014/main" id="{5133726E-3AB7-7048-9168-871F017318C7}"/>
+              </a:ext>
+            </a:extLst>
+          </p:cNvPr>
+          <p:cNvCxnSpPr>
+            <a:endCxn id="256" idx="0"/>
+          </p:cNvCxnSpPr>
+          <p:nvPr/>
+        </p:nvCxnSpPr>
+        <p:spPr>
+          <a:xfrm flipH="1">
+            <a:off x="9202672" y="5261363"/>
+            <a:ext cx="1337508" cy="288811"/>
+          </a:xfrm>
+          <a:prstGeom prst="straightConnector1">
+            <a:avLst/>
+          </a:prstGeom>
+          <a:ln>
+            <a:tailEnd type="triangle"/>
+          </a:ln>
+        </p:spPr>
+        <p:style>
+          <a:lnRef idx="2">
+            <a:schemeClr val="accent1"/>
+          </a:lnRef>
+          <a:fillRef idx="0">
+            <a:schemeClr val="accent1"/>
+          </a:fillRef>
+          <a:effectRef idx="1">
+            <a:schemeClr val="accent1"/>
+          </a:effectRef>
+          <a:fontRef idx="minor">
+            <a:schemeClr val="tx1"/>
+          </a:fontRef>
+        </p:style>
+      </p:cxnSp>
+      <p:cxnSp>
+        <p:nvCxnSpPr>
+          <p:cNvPr id="262" name="Straight Arrow Connector 261">
+            <a:extLst>
+              <a:ext uri="{FF2B5EF4-FFF2-40B4-BE49-F238E27FC236}">
+                <a16:creationId xmlns:a16="http://schemas.microsoft.com/office/drawing/2014/main" id="{C6733525-3C95-9B4C-8C97-2B40F84A4A6E}"/>
+              </a:ext>
+            </a:extLst>
+          </p:cNvPr>
+          <p:cNvCxnSpPr>
+            <a:endCxn id="257" idx="0"/>
+          </p:cNvCxnSpPr>
+          <p:nvPr/>
+        </p:nvCxnSpPr>
+        <p:spPr>
+          <a:xfrm flipH="1">
+            <a:off x="10410548" y="5261363"/>
+            <a:ext cx="157158" cy="288811"/>
+          </a:xfrm>
+          <a:prstGeom prst="straightConnector1">
+            <a:avLst/>
+          </a:prstGeom>
+          <a:ln>
+            <a:tailEnd type="triangle"/>
+          </a:ln>
+        </p:spPr>
+        <p:style>
+          <a:lnRef idx="2">
+            <a:schemeClr val="accent1"/>
+          </a:lnRef>
+          <a:fillRef idx="0">
+            <a:schemeClr val="accent1"/>
+          </a:fillRef>
+          <a:effectRef idx="1">
+            <a:schemeClr val="accent1"/>
+          </a:effectRef>
+          <a:fontRef idx="minor">
+            <a:schemeClr val="tx1"/>
+          </a:fontRef>
+        </p:style>
+      </p:cxnSp>
+      <p:cxnSp>
+        <p:nvCxnSpPr>
+          <p:cNvPr id="264" name="Straight Arrow Connector 263">
+            <a:extLst>
+              <a:ext uri="{FF2B5EF4-FFF2-40B4-BE49-F238E27FC236}">
+                <a16:creationId xmlns:a16="http://schemas.microsoft.com/office/drawing/2014/main" id="{8AB7CE99-08C5-184E-A7AF-6973EECDC083}"/>
+              </a:ext>
+            </a:extLst>
+          </p:cNvPr>
+          <p:cNvCxnSpPr>
+            <a:endCxn id="258" idx="0"/>
+          </p:cNvCxnSpPr>
+          <p:nvPr/>
+        </p:nvCxnSpPr>
+        <p:spPr>
+          <a:xfrm>
+            <a:off x="10567706" y="5261363"/>
+            <a:ext cx="1050718" cy="288811"/>
+          </a:xfrm>
+          <a:prstGeom prst="straightConnector1">
+            <a:avLst/>
+          </a:prstGeom>
+          <a:ln>
+            <a:tailEnd type="triangle"/>
+          </a:ln>
+        </p:spPr>
+        <p:style>
+          <a:lnRef idx="2">
+            <a:schemeClr val="accent1"/>
+          </a:lnRef>
+          <a:fillRef idx="0">
+            <a:schemeClr val="accent1"/>
+          </a:fillRef>
+          <a:effectRef idx="1">
+            <a:schemeClr val="accent1"/>
+          </a:effectRef>
+          <a:fontRef idx="minor">
+            <a:schemeClr val="tx1"/>
+          </a:fontRef>
+        </p:style>
+      </p:cxnSp>
     </p:spTree>
     <p:extLst>
       <p:ext uri="{BB962C8B-B14F-4D97-AF65-F5344CB8AC3E}">
@@ -5036,6 +9314,79 @@
     <p:extLst>
       <p:ext uri="{BB962C8B-B14F-4D97-AF65-F5344CB8AC3E}">
         <p14:creationId xmlns:p14="http://schemas.microsoft.com/office/powerpoint/2010/main" val="3529913025"/>
+      </p:ext>
+    </p:extLst>
+  </p:cSld>
+  <p:clrMapOvr>
+    <a:masterClrMapping/>
+  </p:clrMapOvr>
+</p:sld>
+</file>
+
+<file path=ppt/slides/slide4.xml><?xml version="1.0" encoding="utf-8"?>
+<p:sld xmlns:a="http://schemas.openxmlformats.org/drawingml/2006/main" xmlns:r="http://schemas.openxmlformats.org/officeDocument/2006/relationships" xmlns:p="http://schemas.openxmlformats.org/presentationml/2006/main">
+  <p:cSld>
+    <p:spTree>
+      <p:nvGrpSpPr>
+        <p:cNvPr id="1" name=""/>
+        <p:cNvGrpSpPr/>
+        <p:nvPr/>
+      </p:nvGrpSpPr>
+      <p:grpSpPr>
+        <a:xfrm>
+          <a:off x="0" y="0"/>
+          <a:ext cx="0" cy="0"/>
+          <a:chOff x="0" y="0"/>
+          <a:chExt cx="0" cy="0"/>
+        </a:xfrm>
+      </p:grpSpPr>
+      <p:sp>
+        <p:nvSpPr>
+          <p:cNvPr id="2" name="TextBox 1">
+            <a:extLst>
+              <a:ext uri="{FF2B5EF4-FFF2-40B4-BE49-F238E27FC236}">
+                <a16:creationId xmlns:a16="http://schemas.microsoft.com/office/drawing/2014/main" id="{A99980E2-A3A9-FD4A-9011-9A37E88F5891}"/>
+              </a:ext>
+            </a:extLst>
+          </p:cNvPr>
+          <p:cNvSpPr txBox="1"/>
+          <p:nvPr/>
+        </p:nvSpPr>
+        <p:spPr>
+          <a:xfrm>
+            <a:off x="1872537" y="343020"/>
+            <a:ext cx="8446926" cy="707886"/>
+          </a:xfrm>
+          <a:prstGeom prst="rect">
+            <a:avLst/>
+          </a:prstGeom>
+          <a:noFill/>
+        </p:spPr>
+        <p:txBody>
+          <a:bodyPr wrap="square" rtlCol="0">
+            <a:spAutoFit/>
+          </a:bodyPr>
+          <a:lstStyle/>
+          <a:p>
+            <a:pPr algn="ctr"/>
+            <a:r>
+              <a:rPr lang="en-US" sz="4000" dirty="0">
+                <a:solidFill>
+                  <a:schemeClr val="accent1">
+                    <a:lumMod val="60000"/>
+                    <a:lumOff val="40000"/>
+                  </a:schemeClr>
+                </a:solidFill>
+              </a:rPr>
+              <a:t>Memory Address*</a:t>
+            </a:r>
+          </a:p>
+        </p:txBody>
+      </p:sp>
+    </p:spTree>
+    <p:extLst>
+      <p:ext uri="{BB962C8B-B14F-4D97-AF65-F5344CB8AC3E}">
+        <p14:creationId xmlns:p14="http://schemas.microsoft.com/office/powerpoint/2010/main" val="89409434"/>
       </p:ext>
     </p:extLst>
   </p:cSld>

--- a/docs/figures/figures.pptx
+++ b/docs/figures/figures.pptx
@@ -5008,49 +5008,6 @@
       </p:grpSpPr>
       <p:sp>
         <p:nvSpPr>
-          <p:cNvPr id="2" name="TextBox 1">
-            <a:extLst>
-              <a:ext uri="{FF2B5EF4-FFF2-40B4-BE49-F238E27FC236}">
-                <a16:creationId xmlns:a16="http://schemas.microsoft.com/office/drawing/2014/main" id="{A99980E2-A3A9-FD4A-9011-9A37E88F5891}"/>
-              </a:ext>
-            </a:extLst>
-          </p:cNvPr>
-          <p:cNvSpPr txBox="1"/>
-          <p:nvPr/>
-        </p:nvSpPr>
-        <p:spPr>
-          <a:xfrm>
-            <a:off x="2493917" y="351139"/>
-            <a:ext cx="8446926" cy="707886"/>
-          </a:xfrm>
-          <a:prstGeom prst="rect">
-            <a:avLst/>
-          </a:prstGeom>
-          <a:noFill/>
-        </p:spPr>
-        <p:txBody>
-          <a:bodyPr wrap="square" rtlCol="0">
-            <a:spAutoFit/>
-          </a:bodyPr>
-          <a:lstStyle/>
-          <a:p>
-            <a:pPr algn="ctr"/>
-            <a:r>
-              <a:rPr lang="en-US" sz="4000" dirty="0">
-                <a:solidFill>
-                  <a:schemeClr val="accent1">
-                    <a:lumMod val="60000"/>
-                    <a:lumOff val="40000"/>
-                  </a:schemeClr>
-                </a:solidFill>
-              </a:rPr>
-              <a:t>Typical Compiler Stages</a:t>
-            </a:r>
-          </a:p>
-        </p:txBody>
-      </p:sp>
-      <p:sp>
-        <p:nvSpPr>
           <p:cNvPr id="3" name="Rectangle 2">
             <a:extLst>
               <a:ext uri="{FF2B5EF4-FFF2-40B4-BE49-F238E27FC236}">
@@ -5573,7 +5530,7 @@
                   <a:srgbClr val="7030A0"/>
                 </a:solidFill>
               </a:rPr>
-              <a:t>C = A + 3 * 4;</a:t>
+              <a:t>C = A + 3 * 4</a:t>
             </a:r>
           </a:p>
         </p:txBody>
@@ -5744,17 +5701,6 @@
                 </a:solidFill>
               </a:rPr>
               <a:t>(int, 4)</a:t>
-            </a:r>
-          </a:p>
-          <a:p>
-            <a:pPr algn="ctr"/>
-            <a:r>
-              <a:rPr lang="en-US" sz="900" b="1" dirty="0">
-                <a:solidFill>
-                  <a:srgbClr val="7030A0"/>
-                </a:solidFill>
-              </a:rPr>
-              <a:t>(end, ;)</a:t>
             </a:r>
           </a:p>
           <a:p>
@@ -9237,6 +9183,49 @@
           </a:fontRef>
         </p:style>
       </p:cxnSp>
+      <p:sp>
+        <p:nvSpPr>
+          <p:cNvPr id="265" name="TextBox 264">
+            <a:extLst>
+              <a:ext uri="{FF2B5EF4-FFF2-40B4-BE49-F238E27FC236}">
+                <a16:creationId xmlns:a16="http://schemas.microsoft.com/office/drawing/2014/main" id="{67B4486B-977F-B046-A7CD-5D5C592C6BAE}"/>
+              </a:ext>
+            </a:extLst>
+          </p:cNvPr>
+          <p:cNvSpPr txBox="1"/>
+          <p:nvPr/>
+        </p:nvSpPr>
+        <p:spPr>
+          <a:xfrm>
+            <a:off x="1872537" y="343020"/>
+            <a:ext cx="8446926" cy="707886"/>
+          </a:xfrm>
+          <a:prstGeom prst="rect">
+            <a:avLst/>
+          </a:prstGeom>
+          <a:noFill/>
+        </p:spPr>
+        <p:txBody>
+          <a:bodyPr wrap="square" rtlCol="0">
+            <a:spAutoFit/>
+          </a:bodyPr>
+          <a:lstStyle/>
+          <a:p>
+            <a:pPr algn="ctr"/>
+            <a:r>
+              <a:rPr lang="en-US" sz="4000" dirty="0">
+                <a:solidFill>
+                  <a:schemeClr val="accent1">
+                    <a:lumMod val="60000"/>
+                    <a:lumOff val="40000"/>
+                  </a:schemeClr>
+                </a:solidFill>
+              </a:rPr>
+              <a:t>Typical Compiler Stages</a:t>
+            </a:r>
+          </a:p>
+        </p:txBody>
+      </p:sp>
     </p:spTree>
     <p:extLst>
       <p:ext uri="{BB962C8B-B14F-4D97-AF65-F5344CB8AC3E}">
@@ -9267,12 +9256,2322 @@
           <a:chExt cx="0" cy="0"/>
         </a:xfrm>
       </p:grpSpPr>
-      <p:sp>
-        <p:nvSpPr>
-          <p:cNvPr id="2" name="TextBox 1">
-            <a:extLst>
-              <a:ext uri="{FF2B5EF4-FFF2-40B4-BE49-F238E27FC236}">
-                <a16:creationId xmlns:a16="http://schemas.microsoft.com/office/drawing/2014/main" id="{A99980E2-A3A9-FD4A-9011-9A37E88F5891}"/>
+      <p:grpSp>
+        <p:nvGrpSpPr>
+          <p:cNvPr id="3" name="Group 2">
+            <a:extLst>
+              <a:ext uri="{FF2B5EF4-FFF2-40B4-BE49-F238E27FC236}">
+                <a16:creationId xmlns:a16="http://schemas.microsoft.com/office/drawing/2014/main" id="{670731D8-6148-2C41-BAD7-5A5467DB55F4}"/>
+              </a:ext>
+            </a:extLst>
+          </p:cNvPr>
+          <p:cNvGrpSpPr/>
+          <p:nvPr/>
+        </p:nvGrpSpPr>
+        <p:grpSpPr>
+          <a:xfrm>
+            <a:off x="5888421" y="2694103"/>
+            <a:ext cx="1382110" cy="1785104"/>
+            <a:chOff x="4204994" y="987141"/>
+            <a:chExt cx="1382110" cy="1785104"/>
+          </a:xfrm>
+        </p:grpSpPr>
+        <p:sp>
+          <p:nvSpPr>
+            <p:cNvPr id="4" name="Rectangle 3">
+              <a:extLst>
+                <a:ext uri="{FF2B5EF4-FFF2-40B4-BE49-F238E27FC236}">
+                  <a16:creationId xmlns:a16="http://schemas.microsoft.com/office/drawing/2014/main" id="{BA746DDE-3942-E14B-B215-7EB513D30A5E}"/>
+                </a:ext>
+              </a:extLst>
+            </p:cNvPr>
+            <p:cNvSpPr/>
+            <p:nvPr/>
+          </p:nvSpPr>
+          <p:spPr>
+            <a:xfrm>
+              <a:off x="4204994" y="987141"/>
+              <a:ext cx="1382110" cy="1785104"/>
+            </a:xfrm>
+            <a:prstGeom prst="rect">
+              <a:avLst/>
+            </a:prstGeom>
+          </p:spPr>
+          <p:txBody>
+            <a:bodyPr wrap="none">
+              <a:spAutoFit/>
+            </a:bodyPr>
+            <a:lstStyle/>
+            <a:p>
+              <a:pPr algn="ctr">
+                <a:spcBef>
+                  <a:spcPts val="1200"/>
+                </a:spcBef>
+              </a:pPr>
+              <a:r>
+                <a:rPr lang="en-US" sz="2000" dirty="0">
+                  <a:solidFill>
+                    <a:prstClr val="white"/>
+                  </a:solidFill>
+                </a:rPr>
+                <a:t>E</a:t>
+              </a:r>
+            </a:p>
+            <a:p>
+              <a:pPr algn="ctr">
+                <a:spcBef>
+                  <a:spcPts val="1200"/>
+                </a:spcBef>
+              </a:pPr>
+              <a:r>
+                <a:rPr lang="en-US" sz="2000" spc="700" dirty="0">
+                  <a:solidFill>
+                    <a:prstClr val="white"/>
+                  </a:solidFill>
+                </a:rPr>
+                <a:t> E  T</a:t>
+              </a:r>
+            </a:p>
+            <a:p>
+              <a:pPr algn="ctr">
+                <a:spcBef>
+                  <a:spcPts val="1200"/>
+                </a:spcBef>
+              </a:pPr>
+              <a:r>
+                <a:rPr lang="en-US" sz="2000" spc="700" dirty="0">
+                  <a:solidFill>
+                    <a:prstClr val="white"/>
+                  </a:solidFill>
+                </a:rPr>
+                <a:t>    T</a:t>
+              </a:r>
+              <a:r>
+                <a:rPr lang="en-US" sz="2000" spc="100" dirty="0"/>
+                <a:t>   F</a:t>
+              </a:r>
+              <a:endParaRPr lang="en-US" sz="2000" spc="100" dirty="0">
+                <a:solidFill>
+                  <a:prstClr val="white"/>
+                </a:solidFill>
+              </a:endParaRPr>
+            </a:p>
+            <a:p>
+              <a:pPr algn="ctr">
+                <a:spcBef>
+                  <a:spcPts val="1200"/>
+                </a:spcBef>
+              </a:pPr>
+              <a:r>
+                <a:rPr lang="en-US" sz="2000" dirty="0">
+                  <a:solidFill>
+                    <a:srgbClr val="00B0F0"/>
+                  </a:solidFill>
+                </a:rPr>
+                <a:t> A</a:t>
+              </a:r>
+              <a:r>
+                <a:rPr lang="en-US" sz="2000" dirty="0">
+                  <a:solidFill>
+                    <a:srgbClr val="00B0F0"/>
+                  </a:solidFill>
+                  <a:latin typeface="Calibri Light" panose="020F0302020204030204"/>
+                </a:rPr>
+                <a:t>  +  3  </a:t>
+              </a:r>
+              <a:r>
+                <a:rPr lang="en-US" sz="2000" spc="100" dirty="0">
+                  <a:solidFill>
+                    <a:srgbClr val="00B0F0"/>
+                  </a:solidFill>
+                </a:rPr>
+                <a:t>×</a:t>
+              </a:r>
+              <a:r>
+                <a:rPr lang="en-US" sz="2000" dirty="0">
+                  <a:solidFill>
+                    <a:srgbClr val="00B0F0"/>
+                  </a:solidFill>
+                  <a:latin typeface="Calibri Light" panose="020F0302020204030204"/>
+                </a:rPr>
+                <a:t>  4</a:t>
+              </a:r>
+              <a:endParaRPr lang="en-US" sz="2000" dirty="0">
+                <a:solidFill>
+                  <a:srgbClr val="00B0F0"/>
+                </a:solidFill>
+              </a:endParaRPr>
+            </a:p>
+          </p:txBody>
+        </p:sp>
+        <p:grpSp>
+          <p:nvGrpSpPr>
+            <p:cNvPr id="5" name="Group 4">
+              <a:extLst>
+                <a:ext uri="{FF2B5EF4-FFF2-40B4-BE49-F238E27FC236}">
+                  <a16:creationId xmlns:a16="http://schemas.microsoft.com/office/drawing/2014/main" id="{3FF738CB-D993-5241-936F-54BA3A9463B7}"/>
+                </a:ext>
+              </a:extLst>
+            </p:cNvPr>
+            <p:cNvGrpSpPr/>
+            <p:nvPr/>
+          </p:nvGrpSpPr>
+          <p:grpSpPr>
+            <a:xfrm>
+              <a:off x="4724400" y="1320974"/>
+              <a:ext cx="384175" cy="1114494"/>
+              <a:chOff x="9805360" y="4010025"/>
+              <a:chExt cx="384175" cy="1568137"/>
+            </a:xfrm>
+          </p:grpSpPr>
+          <p:cxnSp>
+            <p:nvCxnSpPr>
+              <p:cNvPr id="13" name="Straight Connector 12">
+                <a:extLst>
+                  <a:ext uri="{FF2B5EF4-FFF2-40B4-BE49-F238E27FC236}">
+                    <a16:creationId xmlns:a16="http://schemas.microsoft.com/office/drawing/2014/main" id="{5AD42B45-A322-3647-8ED6-74CE4CF4144A}"/>
+                  </a:ext>
+                </a:extLst>
+              </p:cNvPr>
+              <p:cNvCxnSpPr/>
+              <p:nvPr/>
+            </p:nvCxnSpPr>
+            <p:spPr>
+              <a:xfrm flipH="1">
+                <a:off x="9805360" y="4010025"/>
+                <a:ext cx="133979" cy="273050"/>
+              </a:xfrm>
+              <a:prstGeom prst="line">
+                <a:avLst/>
+              </a:prstGeom>
+              <a:ln w="9525">
+                <a:solidFill>
+                  <a:schemeClr val="tx1"/>
+                </a:solidFill>
+                <a:tailEnd type="none"/>
+              </a:ln>
+            </p:spPr>
+            <p:style>
+              <a:lnRef idx="1">
+                <a:schemeClr val="accent1"/>
+              </a:lnRef>
+              <a:fillRef idx="0">
+                <a:schemeClr val="accent1"/>
+              </a:fillRef>
+              <a:effectRef idx="0">
+                <a:schemeClr val="accent1"/>
+              </a:effectRef>
+              <a:fontRef idx="minor">
+                <a:schemeClr val="tx1"/>
+              </a:fontRef>
+            </p:style>
+          </p:cxnSp>
+          <p:cxnSp>
+            <p:nvCxnSpPr>
+              <p:cNvPr id="14" name="Straight Connector 13">
+                <a:extLst>
+                  <a:ext uri="{FF2B5EF4-FFF2-40B4-BE49-F238E27FC236}">
+                    <a16:creationId xmlns:a16="http://schemas.microsoft.com/office/drawing/2014/main" id="{968C43F9-C95E-9C45-BCC9-90D018C8E1E0}"/>
+                  </a:ext>
+                </a:extLst>
+              </p:cNvPr>
+              <p:cNvCxnSpPr/>
+              <p:nvPr/>
+            </p:nvCxnSpPr>
+            <p:spPr>
+              <a:xfrm flipH="1">
+                <a:off x="9855134" y="4010025"/>
+                <a:ext cx="127390" cy="1568137"/>
+              </a:xfrm>
+              <a:prstGeom prst="line">
+                <a:avLst/>
+              </a:prstGeom>
+              <a:ln w="9525">
+                <a:solidFill>
+                  <a:schemeClr val="tx1"/>
+                </a:solidFill>
+                <a:tailEnd type="none"/>
+              </a:ln>
+            </p:spPr>
+            <p:style>
+              <a:lnRef idx="1">
+                <a:schemeClr val="accent1"/>
+              </a:lnRef>
+              <a:fillRef idx="0">
+                <a:schemeClr val="accent1"/>
+              </a:fillRef>
+              <a:effectRef idx="0">
+                <a:schemeClr val="accent1"/>
+              </a:effectRef>
+              <a:fontRef idx="minor">
+                <a:schemeClr val="tx1"/>
+              </a:fontRef>
+            </p:style>
+          </p:cxnSp>
+          <p:cxnSp>
+            <p:nvCxnSpPr>
+              <p:cNvPr id="15" name="Straight Connector 14">
+                <a:extLst>
+                  <a:ext uri="{FF2B5EF4-FFF2-40B4-BE49-F238E27FC236}">
+                    <a16:creationId xmlns:a16="http://schemas.microsoft.com/office/drawing/2014/main" id="{773E309D-CEAE-5C4E-8870-707850913B03}"/>
+                  </a:ext>
+                </a:extLst>
+              </p:cNvPr>
+              <p:cNvCxnSpPr/>
+              <p:nvPr/>
+            </p:nvCxnSpPr>
+            <p:spPr>
+              <a:xfrm>
+                <a:off x="10035355" y="4010025"/>
+                <a:ext cx="154180" cy="273050"/>
+              </a:xfrm>
+              <a:prstGeom prst="line">
+                <a:avLst/>
+              </a:prstGeom>
+              <a:ln w="9525">
+                <a:solidFill>
+                  <a:schemeClr val="tx1"/>
+                </a:solidFill>
+                <a:tailEnd type="none"/>
+              </a:ln>
+            </p:spPr>
+            <p:style>
+              <a:lnRef idx="1">
+                <a:schemeClr val="accent1"/>
+              </a:lnRef>
+              <a:fillRef idx="0">
+                <a:schemeClr val="accent1"/>
+              </a:fillRef>
+              <a:effectRef idx="0">
+                <a:schemeClr val="accent1"/>
+              </a:effectRef>
+              <a:fontRef idx="minor">
+                <a:schemeClr val="tx1"/>
+              </a:fontRef>
+            </p:style>
+          </p:cxnSp>
+        </p:grpSp>
+        <p:grpSp>
+          <p:nvGrpSpPr>
+            <p:cNvPr id="6" name="Group 5">
+              <a:extLst>
+                <a:ext uri="{FF2B5EF4-FFF2-40B4-BE49-F238E27FC236}">
+                  <a16:creationId xmlns:a16="http://schemas.microsoft.com/office/drawing/2014/main" id="{12902DD6-A6AE-8242-B8DF-506D302802C9}"/>
+                </a:ext>
+              </a:extLst>
+            </p:cNvPr>
+            <p:cNvGrpSpPr/>
+            <p:nvPr/>
+          </p:nvGrpSpPr>
+          <p:grpSpPr>
+            <a:xfrm>
+              <a:off x="4972050" y="1768651"/>
+              <a:ext cx="384175" cy="651590"/>
+              <a:chOff x="9805360" y="4010025"/>
+              <a:chExt cx="384175" cy="916812"/>
+            </a:xfrm>
+          </p:grpSpPr>
+          <p:cxnSp>
+            <p:nvCxnSpPr>
+              <p:cNvPr id="10" name="Straight Connector 9">
+                <a:extLst>
+                  <a:ext uri="{FF2B5EF4-FFF2-40B4-BE49-F238E27FC236}">
+                    <a16:creationId xmlns:a16="http://schemas.microsoft.com/office/drawing/2014/main" id="{55B90B18-C2E1-FF48-A67B-0C595286795B}"/>
+                  </a:ext>
+                </a:extLst>
+              </p:cNvPr>
+              <p:cNvCxnSpPr/>
+              <p:nvPr/>
+            </p:nvCxnSpPr>
+            <p:spPr>
+              <a:xfrm flipH="1">
+                <a:off x="9805360" y="4010025"/>
+                <a:ext cx="133979" cy="273050"/>
+              </a:xfrm>
+              <a:prstGeom prst="line">
+                <a:avLst/>
+              </a:prstGeom>
+              <a:ln w="9525">
+                <a:solidFill>
+                  <a:schemeClr val="tx1"/>
+                </a:solidFill>
+                <a:tailEnd type="none"/>
+              </a:ln>
+            </p:spPr>
+            <p:style>
+              <a:lnRef idx="1">
+                <a:schemeClr val="accent1"/>
+              </a:lnRef>
+              <a:fillRef idx="0">
+                <a:schemeClr val="accent1"/>
+              </a:fillRef>
+              <a:effectRef idx="0">
+                <a:schemeClr val="accent1"/>
+              </a:effectRef>
+              <a:fontRef idx="minor">
+                <a:schemeClr val="tx1"/>
+              </a:fontRef>
+            </p:style>
+          </p:cxnSp>
+          <p:cxnSp>
+            <p:nvCxnSpPr>
+              <p:cNvPr id="11" name="Straight Connector 10">
+                <a:extLst>
+                  <a:ext uri="{FF2B5EF4-FFF2-40B4-BE49-F238E27FC236}">
+                    <a16:creationId xmlns:a16="http://schemas.microsoft.com/office/drawing/2014/main" id="{BCD94BF3-1EEE-5647-836D-91EC51C96270}"/>
+                  </a:ext>
+                </a:extLst>
+              </p:cNvPr>
+              <p:cNvCxnSpPr/>
+              <p:nvPr/>
+            </p:nvCxnSpPr>
+            <p:spPr>
+              <a:xfrm>
+                <a:off x="9982524" y="4010025"/>
+                <a:ext cx="52831" cy="916812"/>
+              </a:xfrm>
+              <a:prstGeom prst="line">
+                <a:avLst/>
+              </a:prstGeom>
+              <a:ln w="9525">
+                <a:solidFill>
+                  <a:schemeClr val="tx1"/>
+                </a:solidFill>
+                <a:tailEnd type="none"/>
+              </a:ln>
+            </p:spPr>
+            <p:style>
+              <a:lnRef idx="1">
+                <a:schemeClr val="accent1"/>
+              </a:lnRef>
+              <a:fillRef idx="0">
+                <a:schemeClr val="accent1"/>
+              </a:fillRef>
+              <a:effectRef idx="0">
+                <a:schemeClr val="accent1"/>
+              </a:effectRef>
+              <a:fontRef idx="minor">
+                <a:schemeClr val="tx1"/>
+              </a:fontRef>
+            </p:style>
+          </p:cxnSp>
+          <p:cxnSp>
+            <p:nvCxnSpPr>
+              <p:cNvPr id="12" name="Straight Connector 11">
+                <a:extLst>
+                  <a:ext uri="{FF2B5EF4-FFF2-40B4-BE49-F238E27FC236}">
+                    <a16:creationId xmlns:a16="http://schemas.microsoft.com/office/drawing/2014/main" id="{7DF764AB-95FF-2540-BCBD-3222174321EA}"/>
+                  </a:ext>
+                </a:extLst>
+              </p:cNvPr>
+              <p:cNvCxnSpPr/>
+              <p:nvPr/>
+            </p:nvCxnSpPr>
+            <p:spPr>
+              <a:xfrm>
+                <a:off x="10035355" y="4010025"/>
+                <a:ext cx="154180" cy="273050"/>
+              </a:xfrm>
+              <a:prstGeom prst="line">
+                <a:avLst/>
+              </a:prstGeom>
+              <a:ln w="9525">
+                <a:solidFill>
+                  <a:schemeClr val="tx1"/>
+                </a:solidFill>
+                <a:tailEnd type="none"/>
+              </a:ln>
+            </p:spPr>
+            <p:style>
+              <a:lnRef idx="1">
+                <a:schemeClr val="accent1"/>
+              </a:lnRef>
+              <a:fillRef idx="0">
+                <a:schemeClr val="accent1"/>
+              </a:fillRef>
+              <a:effectRef idx="0">
+                <a:schemeClr val="accent1"/>
+              </a:effectRef>
+              <a:fontRef idx="minor">
+                <a:schemeClr val="tx1"/>
+              </a:fontRef>
+            </p:style>
+          </p:cxnSp>
+        </p:grpSp>
+        <p:cxnSp>
+          <p:nvCxnSpPr>
+            <p:cNvPr id="7" name="Straight Connector 6">
+              <a:extLst>
+                <a:ext uri="{FF2B5EF4-FFF2-40B4-BE49-F238E27FC236}">
+                  <a16:creationId xmlns:a16="http://schemas.microsoft.com/office/drawing/2014/main" id="{DB2EBFD3-9B86-AD48-AEA0-7F11F9F4D8A8}"/>
+                </a:ext>
+              </a:extLst>
+            </p:cNvPr>
+            <p:cNvCxnSpPr/>
+            <p:nvPr/>
+          </p:nvCxnSpPr>
+          <p:spPr>
+            <a:xfrm flipH="1">
+              <a:off x="4505277" y="1758080"/>
+              <a:ext cx="109505" cy="666816"/>
+            </a:xfrm>
+            <a:prstGeom prst="line">
+              <a:avLst/>
+            </a:prstGeom>
+            <a:ln w="9525">
+              <a:solidFill>
+                <a:schemeClr val="tx1"/>
+              </a:solidFill>
+              <a:tailEnd type="none"/>
+            </a:ln>
+          </p:spPr>
+          <p:style>
+            <a:lnRef idx="1">
+              <a:schemeClr val="accent1"/>
+            </a:lnRef>
+            <a:fillRef idx="0">
+              <a:schemeClr val="accent1"/>
+            </a:fillRef>
+            <a:effectRef idx="0">
+              <a:schemeClr val="accent1"/>
+            </a:effectRef>
+            <a:fontRef idx="minor">
+              <a:schemeClr val="tx1"/>
+            </a:fontRef>
+          </p:style>
+        </p:cxnSp>
+        <p:cxnSp>
+          <p:nvCxnSpPr>
+            <p:cNvPr id="8" name="Straight Connector 7">
+              <a:extLst>
+                <a:ext uri="{FF2B5EF4-FFF2-40B4-BE49-F238E27FC236}">
+                  <a16:creationId xmlns:a16="http://schemas.microsoft.com/office/drawing/2014/main" id="{CB8E2013-D215-184E-B56B-EB38C8B556C5}"/>
+                </a:ext>
+              </a:extLst>
+            </p:cNvPr>
+            <p:cNvCxnSpPr/>
+            <p:nvPr/>
+          </p:nvCxnSpPr>
+          <p:spPr>
+            <a:xfrm>
+              <a:off x="4961889" y="2226182"/>
+              <a:ext cx="10161" cy="194060"/>
+            </a:xfrm>
+            <a:prstGeom prst="line">
+              <a:avLst/>
+            </a:prstGeom>
+            <a:ln w="9525">
+              <a:solidFill>
+                <a:schemeClr val="tx1"/>
+              </a:solidFill>
+              <a:tailEnd type="none"/>
+            </a:ln>
+          </p:spPr>
+          <p:style>
+            <a:lnRef idx="1">
+              <a:schemeClr val="accent1"/>
+            </a:lnRef>
+            <a:fillRef idx="0">
+              <a:schemeClr val="accent1"/>
+            </a:fillRef>
+            <a:effectRef idx="0">
+              <a:schemeClr val="accent1"/>
+            </a:effectRef>
+            <a:fontRef idx="minor">
+              <a:schemeClr val="tx1"/>
+            </a:fontRef>
+          </p:style>
+        </p:cxnSp>
+        <p:cxnSp>
+          <p:nvCxnSpPr>
+            <p:cNvPr id="9" name="Straight Connector 8">
+              <a:extLst>
+                <a:ext uri="{FF2B5EF4-FFF2-40B4-BE49-F238E27FC236}">
+                  <a16:creationId xmlns:a16="http://schemas.microsoft.com/office/drawing/2014/main" id="{A66DECD9-FCD4-3942-895D-3244514BC34F}"/>
+                </a:ext>
+              </a:extLst>
+            </p:cNvPr>
+            <p:cNvCxnSpPr/>
+            <p:nvPr/>
+          </p:nvCxnSpPr>
+          <p:spPr>
+            <a:xfrm>
+              <a:off x="5361305" y="2210954"/>
+              <a:ext cx="10254" cy="224515"/>
+            </a:xfrm>
+            <a:prstGeom prst="line">
+              <a:avLst/>
+            </a:prstGeom>
+            <a:ln w="9525">
+              <a:solidFill>
+                <a:schemeClr val="tx1"/>
+              </a:solidFill>
+              <a:tailEnd type="none"/>
+            </a:ln>
+          </p:spPr>
+          <p:style>
+            <a:lnRef idx="1">
+              <a:schemeClr val="accent1"/>
+            </a:lnRef>
+            <a:fillRef idx="0">
+              <a:schemeClr val="accent1"/>
+            </a:fillRef>
+            <a:effectRef idx="0">
+              <a:schemeClr val="accent1"/>
+            </a:effectRef>
+            <a:fontRef idx="minor">
+              <a:schemeClr val="tx1"/>
+            </a:fontRef>
+          </p:style>
+        </p:cxnSp>
+      </p:grpSp>
+      <p:sp>
+        <p:nvSpPr>
+          <p:cNvPr id="16" name="TextBox 15">
+            <a:extLst>
+              <a:ext uri="{FF2B5EF4-FFF2-40B4-BE49-F238E27FC236}">
+                <a16:creationId xmlns:a16="http://schemas.microsoft.com/office/drawing/2014/main" id="{4FEF9D30-EA3F-5D40-99CF-DC6A7A29D0CF}"/>
+              </a:ext>
+            </a:extLst>
+          </p:cNvPr>
+          <p:cNvSpPr txBox="1"/>
+          <p:nvPr/>
+        </p:nvSpPr>
+        <p:spPr>
+          <a:xfrm>
+            <a:off x="6148168" y="2297628"/>
+            <a:ext cx="300082" cy="369332"/>
+          </a:xfrm>
+          <a:prstGeom prst="rect">
+            <a:avLst/>
+          </a:prstGeom>
+          <a:noFill/>
+        </p:spPr>
+        <p:txBody>
+          <a:bodyPr wrap="square" rtlCol="0">
+            <a:spAutoFit/>
+          </a:bodyPr>
+          <a:lstStyle/>
+          <a:p>
+            <a:r>
+              <a:rPr lang="en-US" dirty="0"/>
+              <a:t>A</a:t>
+            </a:r>
+          </a:p>
+        </p:txBody>
+      </p:sp>
+      <p:sp>
+        <p:nvSpPr>
+          <p:cNvPr id="17" name="TextBox 16">
+            <a:extLst>
+              <a:ext uri="{FF2B5EF4-FFF2-40B4-BE49-F238E27FC236}">
+                <a16:creationId xmlns:a16="http://schemas.microsoft.com/office/drawing/2014/main" id="{DA48B90F-D1A7-194B-BAE0-A0AD70E631CF}"/>
+              </a:ext>
+            </a:extLst>
+          </p:cNvPr>
+          <p:cNvSpPr txBox="1"/>
+          <p:nvPr/>
+        </p:nvSpPr>
+        <p:spPr>
+          <a:xfrm>
+            <a:off x="6110951" y="1874850"/>
+            <a:ext cx="290464" cy="369332"/>
+          </a:xfrm>
+          <a:prstGeom prst="rect">
+            <a:avLst/>
+          </a:prstGeom>
+          <a:noFill/>
+        </p:spPr>
+        <p:txBody>
+          <a:bodyPr wrap="none" rtlCol="0">
+            <a:spAutoFit/>
+          </a:bodyPr>
+          <a:lstStyle/>
+          <a:p>
+            <a:r>
+              <a:rPr lang="en-US" dirty="0"/>
+              <a:t>S</a:t>
+            </a:r>
+          </a:p>
+        </p:txBody>
+      </p:sp>
+      <p:cxnSp>
+        <p:nvCxnSpPr>
+          <p:cNvPr id="26" name="Straight Connector 25">
+            <a:extLst>
+              <a:ext uri="{FF2B5EF4-FFF2-40B4-BE49-F238E27FC236}">
+                <a16:creationId xmlns:a16="http://schemas.microsoft.com/office/drawing/2014/main" id="{71B9DE42-7663-D743-B801-A488DCBD7820}"/>
+              </a:ext>
+            </a:extLst>
+          </p:cNvPr>
+          <p:cNvCxnSpPr/>
+          <p:nvPr/>
+        </p:nvCxnSpPr>
+        <p:spPr>
+          <a:xfrm>
+            <a:off x="6367116" y="2569930"/>
+            <a:ext cx="154180" cy="194060"/>
+          </a:xfrm>
+          <a:prstGeom prst="line">
+            <a:avLst/>
+          </a:prstGeom>
+          <a:ln w="9525">
+            <a:solidFill>
+              <a:schemeClr val="tx1"/>
+            </a:solidFill>
+            <a:tailEnd type="none"/>
+          </a:ln>
+        </p:spPr>
+        <p:style>
+          <a:lnRef idx="1">
+            <a:schemeClr val="accent1"/>
+          </a:lnRef>
+          <a:fillRef idx="0">
+            <a:schemeClr val="accent1"/>
+          </a:fillRef>
+          <a:effectRef idx="0">
+            <a:schemeClr val="accent1"/>
+          </a:effectRef>
+          <a:fontRef idx="minor">
+            <a:schemeClr val="tx1"/>
+          </a:fontRef>
+        </p:style>
+      </p:cxnSp>
+      <p:cxnSp>
+        <p:nvCxnSpPr>
+          <p:cNvPr id="28" name="Straight Connector 27">
+            <a:extLst>
+              <a:ext uri="{FF2B5EF4-FFF2-40B4-BE49-F238E27FC236}">
+                <a16:creationId xmlns:a16="http://schemas.microsoft.com/office/drawing/2014/main" id="{BD35ED0B-6FE7-1D41-9D30-245DE919821C}"/>
+              </a:ext>
+            </a:extLst>
+          </p:cNvPr>
+          <p:cNvCxnSpPr/>
+          <p:nvPr/>
+        </p:nvCxnSpPr>
+        <p:spPr>
+          <a:xfrm flipH="1">
+            <a:off x="6110951" y="2569930"/>
+            <a:ext cx="133979" cy="194060"/>
+          </a:xfrm>
+          <a:prstGeom prst="line">
+            <a:avLst/>
+          </a:prstGeom>
+          <a:ln w="9525">
+            <a:solidFill>
+              <a:schemeClr val="tx1"/>
+            </a:solidFill>
+            <a:tailEnd type="none"/>
+          </a:ln>
+        </p:spPr>
+        <p:style>
+          <a:lnRef idx="1">
+            <a:schemeClr val="accent1"/>
+          </a:lnRef>
+          <a:fillRef idx="0">
+            <a:schemeClr val="accent1"/>
+          </a:fillRef>
+          <a:effectRef idx="0">
+            <a:schemeClr val="accent1"/>
+          </a:effectRef>
+          <a:fontRef idx="minor">
+            <a:schemeClr val="tx1"/>
+          </a:fontRef>
+        </p:style>
+      </p:cxnSp>
+      <p:sp>
+        <p:nvSpPr>
+          <p:cNvPr id="29" name="TextBox 28">
+            <a:extLst>
+              <a:ext uri="{FF2B5EF4-FFF2-40B4-BE49-F238E27FC236}">
+                <a16:creationId xmlns:a16="http://schemas.microsoft.com/office/drawing/2014/main" id="{AA446EF1-A108-9C47-A140-E37C39920F81}"/>
+              </a:ext>
+            </a:extLst>
+          </p:cNvPr>
+          <p:cNvSpPr txBox="1"/>
+          <p:nvPr/>
+        </p:nvSpPr>
+        <p:spPr>
+          <a:xfrm>
+            <a:off x="5704880" y="3097465"/>
+            <a:ext cx="308098" cy="369332"/>
+          </a:xfrm>
+          <a:prstGeom prst="rect">
+            <a:avLst/>
+          </a:prstGeom>
+          <a:noFill/>
+        </p:spPr>
+        <p:txBody>
+          <a:bodyPr wrap="none" rtlCol="0">
+            <a:spAutoFit/>
+          </a:bodyPr>
+          <a:lstStyle/>
+          <a:p>
+            <a:r>
+              <a:rPr lang="en-US" dirty="0">
+                <a:solidFill>
+                  <a:srgbClr val="00B0F0"/>
+                </a:solidFill>
+              </a:rPr>
+              <a:t>C</a:t>
+            </a:r>
+          </a:p>
+        </p:txBody>
+      </p:sp>
+      <p:sp>
+        <p:nvSpPr>
+          <p:cNvPr id="30" name="TextBox 29">
+            <a:extLst>
+              <a:ext uri="{FF2B5EF4-FFF2-40B4-BE49-F238E27FC236}">
+                <a16:creationId xmlns:a16="http://schemas.microsoft.com/office/drawing/2014/main" id="{6286370E-79CC-ED40-B569-D1464B8DC14A}"/>
+              </a:ext>
+            </a:extLst>
+          </p:cNvPr>
+          <p:cNvSpPr txBox="1"/>
+          <p:nvPr/>
+        </p:nvSpPr>
+        <p:spPr>
+          <a:xfrm>
+            <a:off x="5917371" y="2711118"/>
+            <a:ext cx="296876" cy="369332"/>
+          </a:xfrm>
+          <a:prstGeom prst="rect">
+            <a:avLst/>
+          </a:prstGeom>
+          <a:noFill/>
+        </p:spPr>
+        <p:txBody>
+          <a:bodyPr wrap="none" rtlCol="0">
+            <a:spAutoFit/>
+          </a:bodyPr>
+          <a:lstStyle/>
+          <a:p>
+            <a:r>
+              <a:rPr lang="en-US" dirty="0"/>
+              <a:t>E</a:t>
+            </a:r>
+          </a:p>
+        </p:txBody>
+      </p:sp>
+      <p:cxnSp>
+        <p:nvCxnSpPr>
+          <p:cNvPr id="31" name="Straight Connector 30">
+            <a:extLst>
+              <a:ext uri="{FF2B5EF4-FFF2-40B4-BE49-F238E27FC236}">
+                <a16:creationId xmlns:a16="http://schemas.microsoft.com/office/drawing/2014/main" id="{0BAE9E85-82A6-6E46-89DE-CA0C4FB51C00}"/>
+              </a:ext>
+            </a:extLst>
+          </p:cNvPr>
+          <p:cNvCxnSpPr/>
+          <p:nvPr/>
+        </p:nvCxnSpPr>
+        <p:spPr>
+          <a:xfrm flipH="1">
+            <a:off x="5911760" y="2983420"/>
+            <a:ext cx="133979" cy="194060"/>
+          </a:xfrm>
+          <a:prstGeom prst="line">
+            <a:avLst/>
+          </a:prstGeom>
+          <a:ln w="9525">
+            <a:solidFill>
+              <a:schemeClr val="tx1"/>
+            </a:solidFill>
+            <a:tailEnd type="none"/>
+          </a:ln>
+        </p:spPr>
+        <p:style>
+          <a:lnRef idx="1">
+            <a:schemeClr val="accent1"/>
+          </a:lnRef>
+          <a:fillRef idx="0">
+            <a:schemeClr val="accent1"/>
+          </a:fillRef>
+          <a:effectRef idx="0">
+            <a:schemeClr val="accent1"/>
+          </a:effectRef>
+          <a:fontRef idx="minor">
+            <a:schemeClr val="tx1"/>
+          </a:fontRef>
+        </p:style>
+      </p:cxnSp>
+      <p:cxnSp>
+        <p:nvCxnSpPr>
+          <p:cNvPr id="32" name="Straight Connector 31">
+            <a:extLst>
+              <a:ext uri="{FF2B5EF4-FFF2-40B4-BE49-F238E27FC236}">
+                <a16:creationId xmlns:a16="http://schemas.microsoft.com/office/drawing/2014/main" id="{D0B31E09-4B18-F949-B26D-A6B4C461E216}"/>
+              </a:ext>
+            </a:extLst>
+          </p:cNvPr>
+          <p:cNvCxnSpPr>
+            <a:cxnSpLocks/>
+          </p:cNvCxnSpPr>
+          <p:nvPr/>
+        </p:nvCxnSpPr>
+        <p:spPr>
+          <a:xfrm>
+            <a:off x="6299415" y="2568778"/>
+            <a:ext cx="37018" cy="239410"/>
+          </a:xfrm>
+          <a:prstGeom prst="line">
+            <a:avLst/>
+          </a:prstGeom>
+          <a:ln w="9525">
+            <a:solidFill>
+              <a:schemeClr val="tx1"/>
+            </a:solidFill>
+            <a:tailEnd type="none"/>
+          </a:ln>
+        </p:spPr>
+        <p:style>
+          <a:lnRef idx="1">
+            <a:schemeClr val="accent1"/>
+          </a:lnRef>
+          <a:fillRef idx="0">
+            <a:schemeClr val="accent1"/>
+          </a:fillRef>
+          <a:effectRef idx="0">
+            <a:schemeClr val="accent1"/>
+          </a:effectRef>
+          <a:fontRef idx="minor">
+            <a:schemeClr val="tx1"/>
+          </a:fontRef>
+        </p:style>
+      </p:cxnSp>
+      <p:sp>
+        <p:nvSpPr>
+          <p:cNvPr id="34" name="TextBox 33">
+            <a:extLst>
+              <a:ext uri="{FF2B5EF4-FFF2-40B4-BE49-F238E27FC236}">
+                <a16:creationId xmlns:a16="http://schemas.microsoft.com/office/drawing/2014/main" id="{A979F5A4-D64A-9B46-9EB9-4EFD2869D52A}"/>
+              </a:ext>
+            </a:extLst>
+          </p:cNvPr>
+          <p:cNvSpPr txBox="1"/>
+          <p:nvPr/>
+        </p:nvSpPr>
+        <p:spPr>
+          <a:xfrm>
+            <a:off x="6190280" y="2701546"/>
+            <a:ext cx="300082" cy="369332"/>
+          </a:xfrm>
+          <a:prstGeom prst="rect">
+            <a:avLst/>
+          </a:prstGeom>
+          <a:noFill/>
+        </p:spPr>
+        <p:txBody>
+          <a:bodyPr wrap="none" rtlCol="0">
+            <a:spAutoFit/>
+          </a:bodyPr>
+          <a:lstStyle/>
+          <a:p>
+            <a:r>
+              <a:rPr lang="en-US" dirty="0">
+                <a:solidFill>
+                  <a:srgbClr val="00B0F0"/>
+                </a:solidFill>
+              </a:rPr>
+              <a:t>=</a:t>
+            </a:r>
+          </a:p>
+        </p:txBody>
+      </p:sp>
+      <p:sp>
+        <p:nvSpPr>
+          <p:cNvPr id="39" name="Rectangle 38">
+            <a:extLst>
+              <a:ext uri="{FF2B5EF4-FFF2-40B4-BE49-F238E27FC236}">
+                <a16:creationId xmlns:a16="http://schemas.microsoft.com/office/drawing/2014/main" id="{1383DBF7-F05F-CC4B-9361-C3E6036DF05B}"/>
+              </a:ext>
+            </a:extLst>
+          </p:cNvPr>
+          <p:cNvSpPr/>
+          <p:nvPr/>
+        </p:nvSpPr>
+        <p:spPr>
+          <a:xfrm>
+            <a:off x="7278138" y="551867"/>
+            <a:ext cx="1502979" cy="369332"/>
+          </a:xfrm>
+          <a:prstGeom prst="rect">
+            <a:avLst/>
+          </a:prstGeom>
+          <a:solidFill>
+            <a:schemeClr val="tx1"/>
+          </a:solidFill>
+          <a:ln>
+            <a:solidFill>
+              <a:srgbClr val="7030A0"/>
+            </a:solidFill>
+          </a:ln>
+        </p:spPr>
+        <p:style>
+          <a:lnRef idx="2">
+            <a:schemeClr val="accent1">
+              <a:shade val="50000"/>
+            </a:schemeClr>
+          </a:lnRef>
+          <a:fillRef idx="1">
+            <a:schemeClr val="accent1"/>
+          </a:fillRef>
+          <a:effectRef idx="0">
+            <a:schemeClr val="accent1"/>
+          </a:effectRef>
+          <a:fontRef idx="minor">
+            <a:schemeClr val="lt1"/>
+          </a:fontRef>
+        </p:style>
+        <p:txBody>
+          <a:bodyPr rtlCol="0" anchor="ctr"/>
+          <a:lstStyle/>
+          <a:p>
+            <a:pPr algn="ctr"/>
+            <a:r>
+              <a:rPr lang="en-US" sz="1600" b="1" dirty="0">
+                <a:solidFill>
+                  <a:srgbClr val="7030A0"/>
+                </a:solidFill>
+              </a:rPr>
+              <a:t>C = A + 3 * 4</a:t>
+            </a:r>
+          </a:p>
+        </p:txBody>
+      </p:sp>
+      <p:cxnSp>
+        <p:nvCxnSpPr>
+          <p:cNvPr id="43" name="Straight Connector 42">
+            <a:extLst>
+              <a:ext uri="{FF2B5EF4-FFF2-40B4-BE49-F238E27FC236}">
+                <a16:creationId xmlns:a16="http://schemas.microsoft.com/office/drawing/2014/main" id="{39EB06D3-9375-D34C-96FA-12A72DD125AE}"/>
+              </a:ext>
+            </a:extLst>
+          </p:cNvPr>
+          <p:cNvCxnSpPr>
+            <a:cxnSpLocks/>
+          </p:cNvCxnSpPr>
+          <p:nvPr/>
+        </p:nvCxnSpPr>
+        <p:spPr>
+          <a:xfrm>
+            <a:off x="6253052" y="2163834"/>
+            <a:ext cx="37018" cy="239410"/>
+          </a:xfrm>
+          <a:prstGeom prst="line">
+            <a:avLst/>
+          </a:prstGeom>
+          <a:ln w="9525">
+            <a:solidFill>
+              <a:schemeClr val="tx1"/>
+            </a:solidFill>
+            <a:tailEnd type="none"/>
+          </a:ln>
+        </p:spPr>
+        <p:style>
+          <a:lnRef idx="1">
+            <a:schemeClr val="accent1"/>
+          </a:lnRef>
+          <a:fillRef idx="0">
+            <a:schemeClr val="accent1"/>
+          </a:fillRef>
+          <a:effectRef idx="0">
+            <a:schemeClr val="accent1"/>
+          </a:effectRef>
+          <a:fontRef idx="minor">
+            <a:schemeClr val="tx1"/>
+          </a:fontRef>
+        </p:style>
+      </p:cxnSp>
+      <p:sp>
+        <p:nvSpPr>
+          <p:cNvPr id="44" name="TextBox 43">
+            <a:extLst>
+              <a:ext uri="{FF2B5EF4-FFF2-40B4-BE49-F238E27FC236}">
+                <a16:creationId xmlns:a16="http://schemas.microsoft.com/office/drawing/2014/main" id="{D28BF09A-8714-9744-97F7-9C95261232BA}"/>
+              </a:ext>
+            </a:extLst>
+          </p:cNvPr>
+          <p:cNvSpPr txBox="1"/>
+          <p:nvPr/>
+        </p:nvSpPr>
+        <p:spPr>
+          <a:xfrm>
+            <a:off x="4172608" y="1874850"/>
+            <a:ext cx="290464" cy="369332"/>
+          </a:xfrm>
+          <a:prstGeom prst="rect">
+            <a:avLst/>
+          </a:prstGeom>
+          <a:noFill/>
+        </p:spPr>
+        <p:txBody>
+          <a:bodyPr wrap="none" rtlCol="0">
+            <a:spAutoFit/>
+          </a:bodyPr>
+          <a:lstStyle/>
+          <a:p>
+            <a:r>
+              <a:rPr lang="en-US" dirty="0"/>
+              <a:t>S</a:t>
+            </a:r>
+          </a:p>
+        </p:txBody>
+      </p:sp>
+      <p:sp>
+        <p:nvSpPr>
+          <p:cNvPr id="45" name="TextBox 44">
+            <a:extLst>
+              <a:ext uri="{FF2B5EF4-FFF2-40B4-BE49-F238E27FC236}">
+                <a16:creationId xmlns:a16="http://schemas.microsoft.com/office/drawing/2014/main" id="{25365FC6-8974-F540-9837-37F9BC615E91}"/>
+              </a:ext>
+            </a:extLst>
+          </p:cNvPr>
+          <p:cNvSpPr txBox="1"/>
+          <p:nvPr/>
+        </p:nvSpPr>
+        <p:spPr>
+          <a:xfrm>
+            <a:off x="4152042" y="2297628"/>
+            <a:ext cx="317716" cy="369332"/>
+          </a:xfrm>
+          <a:prstGeom prst="rect">
+            <a:avLst/>
+          </a:prstGeom>
+          <a:noFill/>
+        </p:spPr>
+        <p:txBody>
+          <a:bodyPr wrap="none" rtlCol="0">
+            <a:spAutoFit/>
+          </a:bodyPr>
+          <a:lstStyle/>
+          <a:p>
+            <a:r>
+              <a:rPr lang="en-US" dirty="0"/>
+              <a:t>A</a:t>
+            </a:r>
+          </a:p>
+        </p:txBody>
+      </p:sp>
+      <p:sp>
+        <p:nvSpPr>
+          <p:cNvPr id="46" name="TextBox 45">
+            <a:extLst>
+              <a:ext uri="{FF2B5EF4-FFF2-40B4-BE49-F238E27FC236}">
+                <a16:creationId xmlns:a16="http://schemas.microsoft.com/office/drawing/2014/main" id="{16E632A7-7497-294C-83D5-43DA5B0C686E}"/>
+              </a:ext>
+            </a:extLst>
+          </p:cNvPr>
+          <p:cNvSpPr txBox="1"/>
+          <p:nvPr/>
+        </p:nvSpPr>
+        <p:spPr>
+          <a:xfrm>
+            <a:off x="3995747" y="2700726"/>
+            <a:ext cx="630301" cy="369332"/>
+          </a:xfrm>
+          <a:prstGeom prst="rect">
+            <a:avLst/>
+          </a:prstGeom>
+          <a:noFill/>
+        </p:spPr>
+        <p:txBody>
+          <a:bodyPr wrap="none" rtlCol="0">
+            <a:spAutoFit/>
+          </a:bodyPr>
+          <a:lstStyle/>
+          <a:p>
+            <a:r>
+              <a:rPr lang="en-US" dirty="0"/>
+              <a:t>E = E</a:t>
+            </a:r>
+          </a:p>
+        </p:txBody>
+      </p:sp>
+      <p:sp>
+        <p:nvSpPr>
+          <p:cNvPr id="47" name="TextBox 46">
+            <a:extLst>
+              <a:ext uri="{FF2B5EF4-FFF2-40B4-BE49-F238E27FC236}">
+                <a16:creationId xmlns:a16="http://schemas.microsoft.com/office/drawing/2014/main" id="{823A151E-290F-BD43-850C-DC09A2D0AFAA}"/>
+              </a:ext>
+            </a:extLst>
+          </p:cNvPr>
+          <p:cNvSpPr txBox="1"/>
+          <p:nvPr/>
+        </p:nvSpPr>
+        <p:spPr>
+          <a:xfrm>
+            <a:off x="3784953" y="3109539"/>
+            <a:ext cx="1051891" cy="369332"/>
+          </a:xfrm>
+          <a:prstGeom prst="rect">
+            <a:avLst/>
+          </a:prstGeom>
+          <a:noFill/>
+        </p:spPr>
+        <p:txBody>
+          <a:bodyPr wrap="none" rtlCol="0">
+            <a:spAutoFit/>
+          </a:bodyPr>
+          <a:lstStyle/>
+          <a:p>
+            <a:r>
+              <a:rPr lang="en-US" dirty="0"/>
+              <a:t>ID = E + T</a:t>
+            </a:r>
+          </a:p>
+        </p:txBody>
+      </p:sp>
+      <p:sp>
+        <p:nvSpPr>
+          <p:cNvPr id="48" name="TextBox 47">
+            <a:extLst>
+              <a:ext uri="{FF2B5EF4-FFF2-40B4-BE49-F238E27FC236}">
+                <a16:creationId xmlns:a16="http://schemas.microsoft.com/office/drawing/2014/main" id="{8224F640-BFD4-E04C-865C-3691E813EA7B}"/>
+              </a:ext>
+            </a:extLst>
+          </p:cNvPr>
+          <p:cNvSpPr txBox="1"/>
+          <p:nvPr/>
+        </p:nvSpPr>
+        <p:spPr>
+          <a:xfrm>
+            <a:off x="3642721" y="3613784"/>
+            <a:ext cx="1362874" cy="369332"/>
+          </a:xfrm>
+          <a:prstGeom prst="rect">
+            <a:avLst/>
+          </a:prstGeom>
+          <a:noFill/>
+        </p:spPr>
+        <p:txBody>
+          <a:bodyPr wrap="none" rtlCol="0">
+            <a:spAutoFit/>
+          </a:bodyPr>
+          <a:lstStyle/>
+          <a:p>
+            <a:r>
+              <a:rPr lang="en-US" dirty="0"/>
+              <a:t>ID = E + T x F</a:t>
+            </a:r>
+          </a:p>
+        </p:txBody>
+      </p:sp>
+      <p:sp>
+        <p:nvSpPr>
+          <p:cNvPr id="49" name="TextBox 48">
+            <a:extLst>
+              <a:ext uri="{FF2B5EF4-FFF2-40B4-BE49-F238E27FC236}">
+                <a16:creationId xmlns:a16="http://schemas.microsoft.com/office/drawing/2014/main" id="{AF103477-F421-8E43-BBDB-51ACB536BEA8}"/>
+              </a:ext>
+            </a:extLst>
+          </p:cNvPr>
+          <p:cNvSpPr txBox="1"/>
+          <p:nvPr/>
+        </p:nvSpPr>
+        <p:spPr>
+          <a:xfrm>
+            <a:off x="3475577" y="4100768"/>
+            <a:ext cx="1871025" cy="369332"/>
+          </a:xfrm>
+          <a:prstGeom prst="rect">
+            <a:avLst/>
+          </a:prstGeom>
+          <a:noFill/>
+        </p:spPr>
+        <p:txBody>
+          <a:bodyPr wrap="none" rtlCol="0">
+            <a:spAutoFit/>
+          </a:bodyPr>
+          <a:lstStyle/>
+          <a:p>
+            <a:r>
+              <a:rPr lang="en-US" dirty="0"/>
+              <a:t>ID = ID + INT x INT</a:t>
+            </a:r>
+          </a:p>
+        </p:txBody>
+      </p:sp>
+      <p:sp>
+        <p:nvSpPr>
+          <p:cNvPr id="50" name="Up Arrow 49">
+            <a:extLst>
+              <a:ext uri="{FF2B5EF4-FFF2-40B4-BE49-F238E27FC236}">
+                <a16:creationId xmlns:a16="http://schemas.microsoft.com/office/drawing/2014/main" id="{C0684EA1-FC31-3A43-9019-E07C4D9B9FF9}"/>
+              </a:ext>
+            </a:extLst>
+          </p:cNvPr>
+          <p:cNvSpPr/>
+          <p:nvPr/>
+        </p:nvSpPr>
+        <p:spPr>
+          <a:xfrm>
+            <a:off x="7281348" y="1799840"/>
+            <a:ext cx="300082" cy="2595250"/>
+          </a:xfrm>
+          <a:prstGeom prst="upArrow">
+            <a:avLst>
+              <a:gd name="adj1" fmla="val 50000"/>
+              <a:gd name="adj2" fmla="val 130557"/>
+            </a:avLst>
+          </a:prstGeom>
+        </p:spPr>
+        <p:style>
+          <a:lnRef idx="2">
+            <a:schemeClr val="accent1">
+              <a:shade val="50000"/>
+            </a:schemeClr>
+          </a:lnRef>
+          <a:fillRef idx="1">
+            <a:schemeClr val="accent1"/>
+          </a:fillRef>
+          <a:effectRef idx="0">
+            <a:schemeClr val="accent1"/>
+          </a:effectRef>
+          <a:fontRef idx="minor">
+            <a:schemeClr val="lt1"/>
+          </a:fontRef>
+        </p:style>
+        <p:txBody>
+          <a:bodyPr rtlCol="0" anchor="ctr"/>
+          <a:lstStyle/>
+          <a:p>
+            <a:pPr algn="ctr"/>
+            <a:endParaRPr lang="en-US"/>
+          </a:p>
+        </p:txBody>
+      </p:sp>
+      <p:grpSp>
+        <p:nvGrpSpPr>
+          <p:cNvPr id="51" name="Group 50">
+            <a:extLst>
+              <a:ext uri="{FF2B5EF4-FFF2-40B4-BE49-F238E27FC236}">
+                <a16:creationId xmlns:a16="http://schemas.microsoft.com/office/drawing/2014/main" id="{857CAEB3-CD2F-1A48-9854-D4869BBF5DC7}"/>
+              </a:ext>
+            </a:extLst>
+          </p:cNvPr>
+          <p:cNvGrpSpPr/>
+          <p:nvPr/>
+        </p:nvGrpSpPr>
+        <p:grpSpPr>
+          <a:xfrm>
+            <a:off x="679076" y="3195029"/>
+            <a:ext cx="2494740" cy="1200329"/>
+            <a:chOff x="8814008" y="1588522"/>
+            <a:chExt cx="2494740" cy="1200329"/>
+          </a:xfrm>
+        </p:grpSpPr>
+        <mc:AlternateContent xmlns:mc="http://schemas.openxmlformats.org/markup-compatibility/2006">
+          <mc:Choice xmlns:a14="http://schemas.microsoft.com/office/drawing/2010/main" Requires="a14">
+            <p:sp>
+              <p:nvSpPr>
+                <p:cNvPr id="52" name="TextBox 51">
+                  <a:extLst>
+                    <a:ext uri="{FF2B5EF4-FFF2-40B4-BE49-F238E27FC236}">
+                      <a16:creationId xmlns:a16="http://schemas.microsoft.com/office/drawing/2014/main" id="{91008318-B91D-9746-A9BA-3E0E4BB9AC9E}"/>
+                    </a:ext>
+                  </a:extLst>
+                </p:cNvPr>
+                <p:cNvSpPr txBox="1"/>
+                <p:nvPr/>
+              </p:nvSpPr>
+              <p:spPr>
+                <a:xfrm>
+                  <a:off x="9513241" y="1588522"/>
+                  <a:ext cx="1795507" cy="1200329"/>
+                </a:xfrm>
+                <a:prstGeom prst="rect">
+                  <a:avLst/>
+                </a:prstGeom>
+                <a:noFill/>
+              </p:spPr>
+              <p:txBody>
+                <a:bodyPr wrap="square" rtlCol="0">
+                  <a:spAutoFit/>
+                </a:bodyPr>
+                <a:lstStyle/>
+                <a:p>
+                  <a:r>
+                    <a:rPr lang="en-US" sz="2000" dirty="0"/>
+                    <a:t>E</a:t>
+                  </a:r>
+                  <a:r>
+                    <a:rPr lang="en-US" sz="2400" dirty="0">
+                      <a:solidFill>
+                        <a:schemeClr val="tx1"/>
+                      </a:solidFill>
+                      <a:latin typeface="+mj-lt"/>
+                    </a:rPr>
+                    <a:t> </a:t>
+                  </a:r>
+                  <a14:m>
+                    <m:oMath xmlns:m="http://schemas.openxmlformats.org/officeDocument/2006/math">
+                      <m:r>
+                        <a:rPr lang="en-US" sz="2400" i="1">
+                          <a:solidFill>
+                            <a:schemeClr val="tx1"/>
+                          </a:solidFill>
+                          <a:latin typeface="Cambria Math" panose="02040503050406030204" pitchFamily="18" charset="0"/>
+                        </a:rPr>
+                        <m:t>→</m:t>
+                      </m:r>
+                    </m:oMath>
+                  </a14:m>
+                  <a:r>
+                    <a:rPr lang="en-US" sz="2400" dirty="0">
+                      <a:solidFill>
+                        <a:schemeClr val="tx1"/>
+                      </a:solidFill>
+                      <a:latin typeface="+mj-lt"/>
+                    </a:rPr>
+                    <a:t> </a:t>
+                  </a:r>
+                  <a:r>
+                    <a:rPr lang="en-US" sz="2000" spc="100" dirty="0">
+                      <a:solidFill>
+                        <a:schemeClr val="tx1"/>
+                      </a:solidFill>
+                    </a:rPr>
+                    <a:t>E+T</a:t>
+                  </a:r>
+                  <a:r>
+                    <a:rPr lang="en-US" sz="2000" dirty="0">
+                      <a:solidFill>
+                        <a:schemeClr val="tx1"/>
+                      </a:solidFill>
+                    </a:rPr>
+                    <a:t> | </a:t>
+                  </a:r>
+                  <a:r>
+                    <a:rPr lang="en-US" sz="2000" dirty="0"/>
+                    <a:t>T</a:t>
+                  </a:r>
+                </a:p>
+                <a:p>
+                  <a:r>
+                    <a:rPr lang="en-US" sz="2000" dirty="0"/>
+                    <a:t>T</a:t>
+                  </a:r>
+                  <a:r>
+                    <a:rPr lang="en-US" sz="2400" dirty="0">
+                      <a:solidFill>
+                        <a:schemeClr val="tx1"/>
+                      </a:solidFill>
+                      <a:latin typeface="+mj-lt"/>
+                    </a:rPr>
+                    <a:t> </a:t>
+                  </a:r>
+                  <a14:m>
+                    <m:oMath xmlns:m="http://schemas.openxmlformats.org/officeDocument/2006/math">
+                      <m:r>
+                        <a:rPr lang="en-US" sz="2400" i="1">
+                          <a:solidFill>
+                            <a:schemeClr val="tx1"/>
+                          </a:solidFill>
+                          <a:latin typeface="Cambria Math" panose="02040503050406030204" pitchFamily="18" charset="0"/>
+                        </a:rPr>
+                        <m:t>→</m:t>
+                      </m:r>
+                    </m:oMath>
+                  </a14:m>
+                  <a:r>
+                    <a:rPr lang="en-US" sz="2400" dirty="0">
+                      <a:solidFill>
+                        <a:schemeClr val="tx1"/>
+                      </a:solidFill>
+                      <a:latin typeface="+mj-lt"/>
+                    </a:rPr>
+                    <a:t> </a:t>
+                  </a:r>
+                  <a:r>
+                    <a:rPr lang="en-US" sz="2000" spc="100" dirty="0"/>
+                    <a:t>T×F</a:t>
+                  </a:r>
+                  <a:r>
+                    <a:rPr lang="en-US" sz="2400" dirty="0">
+                      <a:solidFill>
+                        <a:schemeClr val="tx1"/>
+                      </a:solidFill>
+                      <a:latin typeface="+mj-lt"/>
+                    </a:rPr>
+                    <a:t> | </a:t>
+                  </a:r>
+                  <a:r>
+                    <a:rPr lang="en-US" sz="2000" dirty="0"/>
+                    <a:t>F</a:t>
+                  </a:r>
+                </a:p>
+                <a:p>
+                  <a:r>
+                    <a:rPr lang="en-US" sz="2000" dirty="0"/>
+                    <a:t>F</a:t>
+                  </a:r>
+                  <a:r>
+                    <a:rPr lang="en-US" sz="2400" dirty="0">
+                      <a:solidFill>
+                        <a:schemeClr val="tx1"/>
+                      </a:solidFill>
+                      <a:latin typeface="+mj-lt"/>
+                    </a:rPr>
+                    <a:t> </a:t>
+                  </a:r>
+                  <a14:m>
+                    <m:oMath xmlns:m="http://schemas.openxmlformats.org/officeDocument/2006/math">
+                      <m:r>
+                        <a:rPr lang="en-US" sz="2400" i="1">
+                          <a:solidFill>
+                            <a:schemeClr val="tx1"/>
+                          </a:solidFill>
+                          <a:latin typeface="Cambria Math" panose="02040503050406030204" pitchFamily="18" charset="0"/>
+                        </a:rPr>
+                        <m:t>→</m:t>
+                      </m:r>
+                    </m:oMath>
+                  </a14:m>
+                  <a:r>
+                    <a:rPr lang="en-US" sz="2400" i="0" dirty="0">
+                      <a:solidFill>
+                        <a:schemeClr val="tx1"/>
+                      </a:solidFill>
+                      <a:latin typeface="+mj-lt"/>
+                    </a:rPr>
+                    <a:t> </a:t>
+                  </a:r>
+                  <a:r>
+                    <a:rPr lang="en-US" sz="2000" dirty="0"/>
+                    <a:t>( E ) </a:t>
+                  </a:r>
+                  <a:r>
+                    <a:rPr lang="en-US" sz="2400" i="0" dirty="0">
+                      <a:solidFill>
+                        <a:schemeClr val="tx1"/>
+                      </a:solidFill>
+                      <a:latin typeface="+mj-lt"/>
+                    </a:rPr>
+                    <a:t>| </a:t>
+                  </a:r>
+                  <a:r>
+                    <a:rPr lang="en-US" sz="2000" dirty="0"/>
+                    <a:t>a </a:t>
+                  </a:r>
+                </a:p>
+              </p:txBody>
+            </p:sp>
+          </mc:Choice>
+          <mc:Fallback>
+            <p:sp>
+              <p:nvSpPr>
+                <p:cNvPr id="52" name="TextBox 51">
+                  <a:extLst>
+                    <a:ext uri="{FF2B5EF4-FFF2-40B4-BE49-F238E27FC236}">
+                      <a16:creationId xmlns:a16="http://schemas.microsoft.com/office/drawing/2014/main" id="{91008318-B91D-9746-A9BA-3E0E4BB9AC9E}"/>
+                    </a:ext>
+                  </a:extLst>
+                </p:cNvPr>
+                <p:cNvSpPr txBox="1">
+                  <a:spLocks noRot="1" noChangeAspect="1" noMove="1" noResize="1" noEditPoints="1" noAdjustHandles="1" noChangeArrowheads="1" noChangeShapeType="1" noTextEdit="1"/>
+                </p:cNvSpPr>
+                <p:nvPr/>
+              </p:nvSpPr>
+              <p:spPr>
+                <a:xfrm>
+                  <a:off x="9513241" y="1588522"/>
+                  <a:ext cx="1795507" cy="1200329"/>
+                </a:xfrm>
+                <a:prstGeom prst="rect">
+                  <a:avLst/>
+                </a:prstGeom>
+                <a:blipFill>
+                  <a:blip r:embed="rId3"/>
+                  <a:stretch>
+                    <a:fillRect l="-3497" b="-9375"/>
+                  </a:stretch>
+                </a:blipFill>
+              </p:spPr>
+              <p:txBody>
+                <a:bodyPr/>
+                <a:lstStyle/>
+                <a:p>
+                  <a:r>
+                    <a:rPr lang="en-US">
+                      <a:noFill/>
+                    </a:rPr>
+                    <a:t> </a:t>
+                  </a:r>
+                </a:p>
+              </p:txBody>
+            </p:sp>
+          </mc:Fallback>
+        </mc:AlternateContent>
+        <mc:AlternateContent xmlns:mc="http://schemas.openxmlformats.org/markup-compatibility/2006">
+          <mc:Choice xmlns:a14="http://schemas.microsoft.com/office/drawing/2010/main" Requires="a14">
+            <p:sp>
+              <p:nvSpPr>
+                <p:cNvPr id="53" name="Rectangle 52">
+                  <a:extLst>
+                    <a:ext uri="{FF2B5EF4-FFF2-40B4-BE49-F238E27FC236}">
+                      <a16:creationId xmlns:a16="http://schemas.microsoft.com/office/drawing/2014/main" id="{02B00318-AF27-F24C-A53E-386D56FE2F67}"/>
+                    </a:ext>
+                  </a:extLst>
+                </p:cNvPr>
+                <p:cNvSpPr/>
+                <p:nvPr/>
+              </p:nvSpPr>
+              <p:spPr>
+                <a:xfrm>
+                  <a:off x="8814008" y="1625199"/>
+                  <a:ext cx="510461" cy="400110"/>
+                </a:xfrm>
+                <a:prstGeom prst="rect">
+                  <a:avLst/>
+                </a:prstGeom>
+              </p:spPr>
+              <p:txBody>
+                <a:bodyPr wrap="none">
+                  <a:spAutoFit/>
+                </a:bodyPr>
+                <a:lstStyle/>
+                <a:p>
+                  <a:pPr/>
+                  <a14:m>
+                    <m:oMathPara xmlns:m="http://schemas.openxmlformats.org/officeDocument/2006/math">
+                      <m:oMathParaPr>
+                        <m:jc m:val="centerGroup"/>
+                      </m:oMathParaPr>
+                      <m:oMath xmlns:m="http://schemas.openxmlformats.org/officeDocument/2006/math">
+                        <m:sSub>
+                          <m:sSubPr>
+                            <m:ctrlPr>
+                              <a:rPr lang="en-US" sz="2000" b="0" i="1" smtClean="0">
+                                <a:latin typeface="Cambria Math" panose="02040503050406030204" pitchFamily="18" charset="0"/>
+                              </a:rPr>
+                            </m:ctrlPr>
+                          </m:sSubPr>
+                          <m:e>
+                            <m:r>
+                              <a:rPr lang="en-US" sz="2000" b="0" i="1" smtClean="0">
+                                <a:latin typeface="Cambria Math" panose="02040503050406030204" pitchFamily="18" charset="0"/>
+                              </a:rPr>
+                              <m:t>𝐺</m:t>
+                            </m:r>
+                          </m:e>
+                          <m:sub>
+                            <m:r>
+                              <a:rPr lang="en-US" sz="2000" b="0" i="1" smtClean="0">
+                                <a:latin typeface="Cambria Math" panose="02040503050406030204" pitchFamily="18" charset="0"/>
+                              </a:rPr>
+                              <m:t>1</m:t>
+                            </m:r>
+                          </m:sub>
+                        </m:sSub>
+                      </m:oMath>
+                    </m:oMathPara>
+                  </a14:m>
+                  <a:endParaRPr lang="en-US" dirty="0"/>
+                </a:p>
+              </p:txBody>
+            </p:sp>
+          </mc:Choice>
+          <mc:Fallback>
+            <p:sp>
+              <p:nvSpPr>
+                <p:cNvPr id="53" name="Rectangle 52">
+                  <a:extLst>
+                    <a:ext uri="{FF2B5EF4-FFF2-40B4-BE49-F238E27FC236}">
+                      <a16:creationId xmlns:a16="http://schemas.microsoft.com/office/drawing/2014/main" id="{02B00318-AF27-F24C-A53E-386D56FE2F67}"/>
+                    </a:ext>
+                  </a:extLst>
+                </p:cNvPr>
+                <p:cNvSpPr>
+                  <a:spLocks noRot="1" noChangeAspect="1" noMove="1" noResize="1" noEditPoints="1" noAdjustHandles="1" noChangeArrowheads="1" noChangeShapeType="1" noTextEdit="1"/>
+                </p:cNvSpPr>
+                <p:nvPr/>
+              </p:nvSpPr>
+              <p:spPr>
+                <a:xfrm>
+                  <a:off x="8814008" y="1625199"/>
+                  <a:ext cx="510461" cy="400110"/>
+                </a:xfrm>
+                <a:prstGeom prst="rect">
+                  <a:avLst/>
+                </a:prstGeom>
+                <a:blipFill>
+                  <a:blip r:embed="rId4"/>
+                  <a:stretch>
+                    <a:fillRect/>
+                  </a:stretch>
+                </a:blipFill>
+              </p:spPr>
+              <p:txBody>
+                <a:bodyPr/>
+                <a:lstStyle/>
+                <a:p>
+                  <a:r>
+                    <a:rPr lang="en-US">
+                      <a:noFill/>
+                    </a:rPr>
+                    <a:t> </a:t>
+                  </a:r>
+                </a:p>
+              </p:txBody>
+            </p:sp>
+          </mc:Fallback>
+        </mc:AlternateContent>
+      </p:grpSp>
+      <mc:AlternateContent xmlns:mc="http://schemas.openxmlformats.org/markup-compatibility/2006">
+        <mc:Choice xmlns:a14="http://schemas.microsoft.com/office/drawing/2010/main" Requires="a14">
+          <p:sp>
+            <p:nvSpPr>
+              <p:cNvPr id="55" name="TextBox 54">
+                <a:extLst>
+                  <a:ext uri="{FF2B5EF4-FFF2-40B4-BE49-F238E27FC236}">
+                    <a16:creationId xmlns:a16="http://schemas.microsoft.com/office/drawing/2014/main" id="{4D458DD2-0174-3345-B474-CEA778A617EE}"/>
+                  </a:ext>
+                </a:extLst>
+              </p:cNvPr>
+              <p:cNvSpPr txBox="1"/>
+              <p:nvPr/>
+            </p:nvSpPr>
+            <p:spPr>
+              <a:xfrm>
+                <a:off x="1399230" y="2563935"/>
+                <a:ext cx="1438037" cy="400110"/>
+              </a:xfrm>
+              <a:prstGeom prst="rect">
+                <a:avLst/>
+              </a:prstGeom>
+              <a:noFill/>
+            </p:spPr>
+            <p:txBody>
+              <a:bodyPr wrap="square">
+                <a:spAutoFit/>
+              </a:bodyPr>
+              <a:lstStyle/>
+              <a:p>
+                <a:r>
+                  <a:rPr lang="en-US" dirty="0"/>
+                  <a:t>S</a:t>
+                </a:r>
+                <a:r>
+                  <a:rPr lang="en-US" sz="2000" dirty="0">
+                    <a:solidFill>
+                      <a:schemeClr val="tx1"/>
+                    </a:solidFill>
+                    <a:latin typeface="+mj-lt"/>
+                  </a:rPr>
+                  <a:t> </a:t>
+                </a:r>
+                <a14:m>
+                  <m:oMath xmlns:m="http://schemas.openxmlformats.org/officeDocument/2006/math">
+                    <m:r>
+                      <a:rPr lang="en-US" sz="2000" i="1">
+                        <a:solidFill>
+                          <a:schemeClr val="tx1"/>
+                        </a:solidFill>
+                        <a:latin typeface="Cambria Math" panose="02040503050406030204" pitchFamily="18" charset="0"/>
+                      </a:rPr>
+                      <m:t>→</m:t>
+                    </m:r>
+                  </m:oMath>
+                </a14:m>
+                <a:r>
+                  <a:rPr lang="en-US" sz="2000" dirty="0">
+                    <a:solidFill>
+                      <a:schemeClr val="tx1"/>
+                    </a:solidFill>
+                    <a:latin typeface="+mj-lt"/>
+                  </a:rPr>
+                  <a:t> </a:t>
+                </a:r>
+                <a:r>
+                  <a:rPr lang="en-US" sz="1800" spc="100" dirty="0">
+                    <a:solidFill>
+                      <a:schemeClr val="tx1"/>
+                    </a:solidFill>
+                  </a:rPr>
+                  <a:t>A</a:t>
+                </a:r>
+                <a:endParaRPr lang="en-US" sz="1800" dirty="0"/>
+              </a:p>
+            </p:txBody>
+          </p:sp>
+        </mc:Choice>
+        <mc:Fallback>
+          <p:sp>
+            <p:nvSpPr>
+              <p:cNvPr id="55" name="TextBox 54">
+                <a:extLst>
+                  <a:ext uri="{FF2B5EF4-FFF2-40B4-BE49-F238E27FC236}">
+                    <a16:creationId xmlns:a16="http://schemas.microsoft.com/office/drawing/2014/main" id="{4D458DD2-0174-3345-B474-CEA778A617EE}"/>
+                  </a:ext>
+                </a:extLst>
+              </p:cNvPr>
+              <p:cNvSpPr txBox="1">
+                <a:spLocks noRot="1" noChangeAspect="1" noMove="1" noResize="1" noEditPoints="1" noAdjustHandles="1" noChangeArrowheads="1" noChangeShapeType="1" noTextEdit="1"/>
+              </p:cNvSpPr>
+              <p:nvPr/>
+            </p:nvSpPr>
+            <p:spPr>
+              <a:xfrm>
+                <a:off x="1399230" y="2563935"/>
+                <a:ext cx="1438037" cy="400110"/>
+              </a:xfrm>
+              <a:prstGeom prst="rect">
+                <a:avLst/>
+              </a:prstGeom>
+              <a:blipFill>
+                <a:blip r:embed="rId5"/>
+                <a:stretch>
+                  <a:fillRect l="-3509" t="-3125" b="-21875"/>
+                </a:stretch>
+              </a:blipFill>
+            </p:spPr>
+            <p:txBody>
+              <a:bodyPr/>
+              <a:lstStyle/>
+              <a:p>
+                <a:r>
+                  <a:rPr lang="en-US">
+                    <a:noFill/>
+                  </a:rPr>
+                  <a:t> </a:t>
+                </a:r>
+              </a:p>
+            </p:txBody>
+          </p:sp>
+        </mc:Fallback>
+      </mc:AlternateContent>
+      <mc:AlternateContent xmlns:mc="http://schemas.openxmlformats.org/markup-compatibility/2006">
+        <mc:Choice xmlns:a14="http://schemas.microsoft.com/office/drawing/2010/main" Requires="a14">
+          <p:sp>
+            <p:nvSpPr>
+              <p:cNvPr id="56" name="TextBox 55">
+                <a:extLst>
+                  <a:ext uri="{FF2B5EF4-FFF2-40B4-BE49-F238E27FC236}">
+                    <a16:creationId xmlns:a16="http://schemas.microsoft.com/office/drawing/2014/main" id="{F36075F7-871D-EA4D-8F6F-04A786CA1DD4}"/>
+                  </a:ext>
+                </a:extLst>
+              </p:cNvPr>
+              <p:cNvSpPr txBox="1"/>
+              <p:nvPr/>
+            </p:nvSpPr>
+            <p:spPr>
+              <a:xfrm>
+                <a:off x="1383889" y="2903063"/>
+                <a:ext cx="1438037" cy="400110"/>
+              </a:xfrm>
+              <a:prstGeom prst="rect">
+                <a:avLst/>
+              </a:prstGeom>
+              <a:noFill/>
+            </p:spPr>
+            <p:txBody>
+              <a:bodyPr wrap="square">
+                <a:spAutoFit/>
+              </a:bodyPr>
+              <a:lstStyle/>
+              <a:p>
+                <a:r>
+                  <a:rPr lang="en-US" dirty="0"/>
+                  <a:t>A</a:t>
+                </a:r>
+                <a:r>
+                  <a:rPr lang="en-US" sz="2000" dirty="0">
+                    <a:solidFill>
+                      <a:schemeClr val="tx1"/>
+                    </a:solidFill>
+                    <a:latin typeface="+mj-lt"/>
+                  </a:rPr>
+                  <a:t> </a:t>
+                </a:r>
+                <a14:m>
+                  <m:oMath xmlns:m="http://schemas.openxmlformats.org/officeDocument/2006/math">
+                    <m:r>
+                      <a:rPr lang="en-US" sz="2000" i="1">
+                        <a:solidFill>
+                          <a:schemeClr val="tx1"/>
+                        </a:solidFill>
+                        <a:latin typeface="Cambria Math" panose="02040503050406030204" pitchFamily="18" charset="0"/>
+                      </a:rPr>
+                      <m:t>→</m:t>
+                    </m:r>
+                  </m:oMath>
+                </a14:m>
+                <a:r>
+                  <a:rPr lang="en-US" sz="2000" dirty="0">
+                    <a:solidFill>
+                      <a:schemeClr val="tx1"/>
+                    </a:solidFill>
+                    <a:latin typeface="+mj-lt"/>
+                  </a:rPr>
+                  <a:t> </a:t>
+                </a:r>
+                <a:r>
+                  <a:rPr lang="en-US" spc="100" dirty="0"/>
+                  <a:t>E=E</a:t>
+                </a:r>
+                <a:endParaRPr lang="en-US" sz="1800" dirty="0"/>
+              </a:p>
+            </p:txBody>
+          </p:sp>
+        </mc:Choice>
+        <mc:Fallback>
+          <p:sp>
+            <p:nvSpPr>
+              <p:cNvPr id="56" name="TextBox 55">
+                <a:extLst>
+                  <a:ext uri="{FF2B5EF4-FFF2-40B4-BE49-F238E27FC236}">
+                    <a16:creationId xmlns:a16="http://schemas.microsoft.com/office/drawing/2014/main" id="{F36075F7-871D-EA4D-8F6F-04A786CA1DD4}"/>
+                  </a:ext>
+                </a:extLst>
+              </p:cNvPr>
+              <p:cNvSpPr txBox="1">
+                <a:spLocks noRot="1" noChangeAspect="1" noMove="1" noResize="1" noEditPoints="1" noAdjustHandles="1" noChangeArrowheads="1" noChangeShapeType="1" noTextEdit="1"/>
+              </p:cNvSpPr>
+              <p:nvPr/>
+            </p:nvSpPr>
+            <p:spPr>
+              <a:xfrm>
+                <a:off x="1383889" y="2903063"/>
+                <a:ext cx="1438037" cy="400110"/>
+              </a:xfrm>
+              <a:prstGeom prst="rect">
+                <a:avLst/>
+              </a:prstGeom>
+              <a:blipFill>
+                <a:blip r:embed="rId6"/>
+                <a:stretch>
+                  <a:fillRect l="-2609" b="-21212"/>
+                </a:stretch>
+              </a:blipFill>
+            </p:spPr>
+            <p:txBody>
+              <a:bodyPr/>
+              <a:lstStyle/>
+              <a:p>
+                <a:r>
+                  <a:rPr lang="en-US">
+                    <a:noFill/>
+                  </a:rPr>
+                  <a:t> </a:t>
+                </a:r>
+              </a:p>
+            </p:txBody>
+          </p:sp>
+        </mc:Fallback>
+      </mc:AlternateContent>
+      <p:sp>
+        <p:nvSpPr>
+          <p:cNvPr id="57" name="Down Arrow 56">
+            <a:extLst>
+              <a:ext uri="{FF2B5EF4-FFF2-40B4-BE49-F238E27FC236}">
+                <a16:creationId xmlns:a16="http://schemas.microsoft.com/office/drawing/2014/main" id="{FB18E6A2-02E5-8648-A67A-522957CC7455}"/>
+              </a:ext>
+            </a:extLst>
+          </p:cNvPr>
+          <p:cNvSpPr/>
+          <p:nvPr/>
+        </p:nvSpPr>
+        <p:spPr>
+          <a:xfrm>
+            <a:off x="5350649" y="1873327"/>
+            <a:ext cx="300082" cy="2595250"/>
+          </a:xfrm>
+          <a:prstGeom prst="downArrow">
+            <a:avLst>
+              <a:gd name="adj1" fmla="val 50000"/>
+              <a:gd name="adj2" fmla="val 109542"/>
+            </a:avLst>
+          </a:prstGeom>
+        </p:spPr>
+        <p:style>
+          <a:lnRef idx="2">
+            <a:schemeClr val="accent1">
+              <a:shade val="50000"/>
+            </a:schemeClr>
+          </a:lnRef>
+          <a:fillRef idx="1">
+            <a:schemeClr val="accent1"/>
+          </a:fillRef>
+          <a:effectRef idx="0">
+            <a:schemeClr val="accent1"/>
+          </a:effectRef>
+          <a:fontRef idx="minor">
+            <a:schemeClr val="lt1"/>
+          </a:fontRef>
+        </p:style>
+        <p:txBody>
+          <a:bodyPr rtlCol="0" anchor="ctr"/>
+          <a:lstStyle/>
+          <a:p>
+            <a:pPr algn="ctr"/>
+            <a:endParaRPr lang="en-US"/>
+          </a:p>
+        </p:txBody>
+      </p:sp>
+      <p:sp>
+        <p:nvSpPr>
+          <p:cNvPr id="58" name="TextBox 57">
+            <a:extLst>
+              <a:ext uri="{FF2B5EF4-FFF2-40B4-BE49-F238E27FC236}">
+                <a16:creationId xmlns:a16="http://schemas.microsoft.com/office/drawing/2014/main" id="{99933826-595D-FF4E-B14A-101D75815702}"/>
+              </a:ext>
+            </a:extLst>
+          </p:cNvPr>
+          <p:cNvSpPr txBox="1"/>
+          <p:nvPr/>
+        </p:nvSpPr>
+        <p:spPr>
+          <a:xfrm>
+            <a:off x="8012381" y="4073196"/>
+            <a:ext cx="782587" cy="369332"/>
+          </a:xfrm>
+          <a:prstGeom prst="rect">
+            <a:avLst/>
+          </a:prstGeom>
+          <a:noFill/>
+        </p:spPr>
+        <p:txBody>
+          <a:bodyPr wrap="none" rtlCol="0">
+            <a:spAutoFit/>
+          </a:bodyPr>
+          <a:lstStyle/>
+          <a:p>
+            <a:r>
+              <a:rPr lang="en-US" dirty="0"/>
+              <a:t>3  x  4 </a:t>
+            </a:r>
+          </a:p>
+        </p:txBody>
+      </p:sp>
+      <p:sp>
+        <p:nvSpPr>
+          <p:cNvPr id="59" name="TextBox 58">
+            <a:extLst>
+              <a:ext uri="{FF2B5EF4-FFF2-40B4-BE49-F238E27FC236}">
+                <a16:creationId xmlns:a16="http://schemas.microsoft.com/office/drawing/2014/main" id="{45BFED91-1A26-D24C-9849-0868BDA0DFD9}"/>
+              </a:ext>
+            </a:extLst>
+          </p:cNvPr>
+          <p:cNvSpPr txBox="1"/>
+          <p:nvPr/>
+        </p:nvSpPr>
+        <p:spPr>
+          <a:xfrm>
+            <a:off x="7803600" y="3127397"/>
+            <a:ext cx="1330814" cy="369332"/>
+          </a:xfrm>
+          <a:prstGeom prst="rect">
+            <a:avLst/>
+          </a:prstGeom>
+          <a:noFill/>
+        </p:spPr>
+        <p:txBody>
+          <a:bodyPr wrap="none" rtlCol="0">
+            <a:spAutoFit/>
+          </a:bodyPr>
+          <a:lstStyle/>
+          <a:p>
+            <a:r>
+              <a:rPr lang="en-US" dirty="0"/>
+              <a:t>A  +  (3  x  4)</a:t>
+            </a:r>
+          </a:p>
+        </p:txBody>
+      </p:sp>
+      <p:sp>
+        <p:nvSpPr>
+          <p:cNvPr id="60" name="TextBox 59">
+            <a:extLst>
+              <a:ext uri="{FF2B5EF4-FFF2-40B4-BE49-F238E27FC236}">
+                <a16:creationId xmlns:a16="http://schemas.microsoft.com/office/drawing/2014/main" id="{E34C0682-1D02-A64C-91A5-7884F19E65C3}"/>
+              </a:ext>
+            </a:extLst>
+          </p:cNvPr>
+          <p:cNvSpPr txBox="1"/>
+          <p:nvPr/>
+        </p:nvSpPr>
+        <p:spPr>
+          <a:xfrm>
+            <a:off x="7636473" y="2438856"/>
+            <a:ext cx="1843774" cy="369332"/>
+          </a:xfrm>
+          <a:prstGeom prst="rect">
+            <a:avLst/>
+          </a:prstGeom>
+          <a:noFill/>
+        </p:spPr>
+        <p:txBody>
+          <a:bodyPr wrap="none" rtlCol="0">
+            <a:spAutoFit/>
+          </a:bodyPr>
+          <a:lstStyle/>
+          <a:p>
+            <a:r>
+              <a:rPr lang="en-US" dirty="0"/>
+              <a:t>C  &lt;=  A + (3  x  4) </a:t>
+            </a:r>
+          </a:p>
+        </p:txBody>
+      </p:sp>
+      <p:sp>
+        <p:nvSpPr>
+          <p:cNvPr id="63" name="TextBox 62">
+            <a:extLst>
+              <a:ext uri="{FF2B5EF4-FFF2-40B4-BE49-F238E27FC236}">
+                <a16:creationId xmlns:a16="http://schemas.microsoft.com/office/drawing/2014/main" id="{D59D22B6-A6F9-BD41-94AD-A16EB360856F}"/>
+              </a:ext>
+            </a:extLst>
+          </p:cNvPr>
+          <p:cNvSpPr txBox="1"/>
+          <p:nvPr/>
+        </p:nvSpPr>
+        <p:spPr>
+          <a:xfrm>
+            <a:off x="10066425" y="4354506"/>
+            <a:ext cx="822661" cy="646331"/>
+          </a:xfrm>
+          <a:prstGeom prst="rect">
+            <a:avLst/>
+          </a:prstGeom>
+          <a:noFill/>
+        </p:spPr>
+        <p:txBody>
+          <a:bodyPr wrap="none" rtlCol="0">
+            <a:spAutoFit/>
+          </a:bodyPr>
+          <a:lstStyle/>
+          <a:p>
+            <a:r>
+              <a:rPr lang="en-US" dirty="0"/>
+              <a:t>t0  =  3</a:t>
+            </a:r>
+          </a:p>
+          <a:p>
+            <a:r>
+              <a:rPr lang="en-US" dirty="0"/>
+              <a:t>t1  =  4</a:t>
+            </a:r>
+          </a:p>
+        </p:txBody>
+      </p:sp>
+      <p:sp>
+        <p:nvSpPr>
+          <p:cNvPr id="65" name="TextBox 64">
+            <a:extLst>
+              <a:ext uri="{FF2B5EF4-FFF2-40B4-BE49-F238E27FC236}">
+                <a16:creationId xmlns:a16="http://schemas.microsoft.com/office/drawing/2014/main" id="{E315026F-3A28-4641-82F3-0E5D2429BC5E}"/>
+              </a:ext>
+            </a:extLst>
+          </p:cNvPr>
+          <p:cNvSpPr txBox="1"/>
+          <p:nvPr/>
+        </p:nvSpPr>
+        <p:spPr>
+          <a:xfrm>
+            <a:off x="9873262" y="4099245"/>
+            <a:ext cx="1192955" cy="369332"/>
+          </a:xfrm>
+          <a:prstGeom prst="rect">
+            <a:avLst/>
+          </a:prstGeom>
+          <a:noFill/>
+        </p:spPr>
+        <p:txBody>
+          <a:bodyPr wrap="none" rtlCol="0">
+            <a:spAutoFit/>
+          </a:bodyPr>
+          <a:lstStyle/>
+          <a:p>
+            <a:r>
+              <a:rPr lang="en-US" dirty="0"/>
+              <a:t>t2 = t0 x t1</a:t>
+            </a:r>
+          </a:p>
+        </p:txBody>
+      </p:sp>
+      <p:sp>
+        <p:nvSpPr>
+          <p:cNvPr id="66" name="TextBox 65">
+            <a:extLst>
+              <a:ext uri="{FF2B5EF4-FFF2-40B4-BE49-F238E27FC236}">
+                <a16:creationId xmlns:a16="http://schemas.microsoft.com/office/drawing/2014/main" id="{0BCAB95F-DC6E-C54B-B57A-C56DB75CA295}"/>
+              </a:ext>
+            </a:extLst>
+          </p:cNvPr>
+          <p:cNvSpPr txBox="1"/>
+          <p:nvPr/>
+        </p:nvSpPr>
+        <p:spPr>
+          <a:xfrm>
+            <a:off x="10038068" y="3475440"/>
+            <a:ext cx="732893" cy="369332"/>
+          </a:xfrm>
+          <a:prstGeom prst="rect">
+            <a:avLst/>
+          </a:prstGeom>
+          <a:noFill/>
+        </p:spPr>
+        <p:txBody>
+          <a:bodyPr wrap="none" rtlCol="0">
+            <a:spAutoFit/>
+          </a:bodyPr>
+          <a:lstStyle/>
+          <a:p>
+            <a:r>
+              <a:rPr lang="en-US" dirty="0"/>
+              <a:t>t3 = A</a:t>
+            </a:r>
+          </a:p>
+        </p:txBody>
+      </p:sp>
+      <p:sp>
+        <p:nvSpPr>
+          <p:cNvPr id="67" name="TextBox 66">
+            <a:extLst>
+              <a:ext uri="{FF2B5EF4-FFF2-40B4-BE49-F238E27FC236}">
+                <a16:creationId xmlns:a16="http://schemas.microsoft.com/office/drawing/2014/main" id="{C332BBF0-1DA6-4F43-BD40-6F848E93A1E9}"/>
+              </a:ext>
+            </a:extLst>
+          </p:cNvPr>
+          <p:cNvSpPr txBox="1"/>
+          <p:nvPr/>
+        </p:nvSpPr>
+        <p:spPr>
+          <a:xfrm>
+            <a:off x="9851761" y="3175754"/>
+            <a:ext cx="1208985" cy="369332"/>
+          </a:xfrm>
+          <a:prstGeom prst="rect">
+            <a:avLst/>
+          </a:prstGeom>
+          <a:noFill/>
+        </p:spPr>
+        <p:txBody>
+          <a:bodyPr wrap="none" rtlCol="0">
+            <a:spAutoFit/>
+          </a:bodyPr>
+          <a:lstStyle/>
+          <a:p>
+            <a:r>
+              <a:rPr lang="en-US" dirty="0"/>
+              <a:t>t4 = t3 + t2</a:t>
+            </a:r>
+          </a:p>
+        </p:txBody>
+      </p:sp>
+      <p:sp>
+        <p:nvSpPr>
+          <p:cNvPr id="68" name="TextBox 67">
+            <a:extLst>
+              <a:ext uri="{FF2B5EF4-FFF2-40B4-BE49-F238E27FC236}">
+                <a16:creationId xmlns:a16="http://schemas.microsoft.com/office/drawing/2014/main" id="{933EF34A-4B5E-3B41-983D-C5BACFF9A507}"/>
+              </a:ext>
+            </a:extLst>
+          </p:cNvPr>
+          <p:cNvSpPr txBox="1"/>
+          <p:nvPr/>
+        </p:nvSpPr>
+        <p:spPr>
+          <a:xfrm>
+            <a:off x="10036528" y="2906808"/>
+            <a:ext cx="723275" cy="369332"/>
+          </a:xfrm>
+          <a:prstGeom prst="rect">
+            <a:avLst/>
+          </a:prstGeom>
+          <a:noFill/>
+        </p:spPr>
+        <p:txBody>
+          <a:bodyPr wrap="none" rtlCol="0">
+            <a:spAutoFit/>
+          </a:bodyPr>
+          <a:lstStyle/>
+          <a:p>
+            <a:r>
+              <a:rPr lang="en-US" dirty="0"/>
+              <a:t>t5 = C</a:t>
+            </a:r>
+          </a:p>
+        </p:txBody>
+      </p:sp>
+      <p:sp>
+        <p:nvSpPr>
+          <p:cNvPr id="69" name="TextBox 68">
+            <a:extLst>
+              <a:ext uri="{FF2B5EF4-FFF2-40B4-BE49-F238E27FC236}">
+                <a16:creationId xmlns:a16="http://schemas.microsoft.com/office/drawing/2014/main" id="{9724CF6D-6473-164C-89EC-2C672B34FD1B}"/>
+              </a:ext>
+            </a:extLst>
+          </p:cNvPr>
+          <p:cNvSpPr txBox="1"/>
+          <p:nvPr/>
+        </p:nvSpPr>
+        <p:spPr>
+          <a:xfrm>
+            <a:off x="10001261" y="2453196"/>
+            <a:ext cx="793807" cy="369332"/>
+          </a:xfrm>
+          <a:prstGeom prst="rect">
+            <a:avLst/>
+          </a:prstGeom>
+          <a:noFill/>
+        </p:spPr>
+        <p:txBody>
+          <a:bodyPr wrap="none" rtlCol="0">
+            <a:spAutoFit/>
+          </a:bodyPr>
+          <a:lstStyle/>
+          <a:p>
+            <a:r>
+              <a:rPr lang="en-US" dirty="0"/>
+              <a:t>t5 = t4</a:t>
+            </a:r>
+          </a:p>
+        </p:txBody>
+      </p:sp>
+      <p:sp>
+        <p:nvSpPr>
+          <p:cNvPr id="70" name="TextBox 69">
+            <a:extLst>
+              <a:ext uri="{FF2B5EF4-FFF2-40B4-BE49-F238E27FC236}">
+                <a16:creationId xmlns:a16="http://schemas.microsoft.com/office/drawing/2014/main" id="{5AB77EB3-8459-A442-9D08-91491F5A33DA}"/>
+              </a:ext>
+            </a:extLst>
+          </p:cNvPr>
+          <p:cNvSpPr txBox="1"/>
+          <p:nvPr/>
+        </p:nvSpPr>
+        <p:spPr>
+          <a:xfrm>
+            <a:off x="5041699" y="2848548"/>
+            <a:ext cx="854273" cy="276999"/>
+          </a:xfrm>
+          <a:prstGeom prst="rect">
+            <a:avLst/>
+          </a:prstGeom>
+          <a:noFill/>
+        </p:spPr>
+        <p:txBody>
+          <a:bodyPr wrap="none" rtlCol="0">
+            <a:spAutoFit/>
+          </a:bodyPr>
+          <a:lstStyle/>
+          <a:p>
+            <a:r>
+              <a:rPr lang="en-US" sz="1200" b="1" dirty="0"/>
+              <a:t>Derivation</a:t>
+            </a:r>
+          </a:p>
+        </p:txBody>
+      </p:sp>
+      <p:sp>
+        <p:nvSpPr>
+          <p:cNvPr id="72" name="TextBox 71">
+            <a:extLst>
+              <a:ext uri="{FF2B5EF4-FFF2-40B4-BE49-F238E27FC236}">
+                <a16:creationId xmlns:a16="http://schemas.microsoft.com/office/drawing/2014/main" id="{3F9EABB1-326B-A54E-AFF0-A2DBB87E4ED3}"/>
               </a:ext>
             </a:extLst>
           </p:cNvPr>
@@ -9305,7 +11604,297 @@
                   </a:schemeClr>
                 </a:solidFill>
               </a:rPr>
-              <a:t>Memory Address*</a:t>
+              <a:t>Parse Tree</a:t>
+            </a:r>
+          </a:p>
+        </p:txBody>
+      </p:sp>
+      <p:sp>
+        <p:nvSpPr>
+          <p:cNvPr id="73" name="Rectangle 72">
+            <a:extLst>
+              <a:ext uri="{FF2B5EF4-FFF2-40B4-BE49-F238E27FC236}">
+                <a16:creationId xmlns:a16="http://schemas.microsoft.com/office/drawing/2014/main" id="{55B56C39-86D2-7048-808D-A1E6142E6C3D}"/>
+              </a:ext>
+            </a:extLst>
+          </p:cNvPr>
+          <p:cNvSpPr/>
+          <p:nvPr/>
+        </p:nvSpPr>
+        <p:spPr>
+          <a:xfrm>
+            <a:off x="1189537" y="2175765"/>
+            <a:ext cx="1502979" cy="369332"/>
+          </a:xfrm>
+          <a:prstGeom prst="rect">
+            <a:avLst/>
+          </a:prstGeom>
+          <a:solidFill>
+            <a:schemeClr val="tx1"/>
+          </a:solidFill>
+          <a:ln>
+            <a:solidFill>
+              <a:srgbClr val="7030A0"/>
+            </a:solidFill>
+          </a:ln>
+        </p:spPr>
+        <p:style>
+          <a:lnRef idx="2">
+            <a:schemeClr val="accent1">
+              <a:shade val="50000"/>
+            </a:schemeClr>
+          </a:lnRef>
+          <a:fillRef idx="1">
+            <a:schemeClr val="accent1"/>
+          </a:fillRef>
+          <a:effectRef idx="0">
+            <a:schemeClr val="accent1"/>
+          </a:effectRef>
+          <a:fontRef idx="minor">
+            <a:schemeClr val="lt1"/>
+          </a:fontRef>
+        </p:style>
+        <p:txBody>
+          <a:bodyPr rtlCol="0" anchor="ctr"/>
+          <a:lstStyle/>
+          <a:p>
+            <a:pPr algn="ctr"/>
+            <a:r>
+              <a:rPr lang="en-US" sz="1200" b="1" dirty="0">
+                <a:solidFill>
+                  <a:srgbClr val="7030A0"/>
+                </a:solidFill>
+              </a:rPr>
+              <a:t>Context-free</a:t>
+            </a:r>
+          </a:p>
+          <a:p>
+            <a:pPr algn="ctr"/>
+            <a:r>
+              <a:rPr lang="en-US" sz="1200" b="1" dirty="0">
+                <a:solidFill>
+                  <a:srgbClr val="7030A0"/>
+                </a:solidFill>
+              </a:rPr>
+              <a:t>Grammar</a:t>
+            </a:r>
+          </a:p>
+        </p:txBody>
+      </p:sp>
+      <p:sp>
+        <p:nvSpPr>
+          <p:cNvPr id="74" name="Rectangle 73">
+            <a:extLst>
+              <a:ext uri="{FF2B5EF4-FFF2-40B4-BE49-F238E27FC236}">
+                <a16:creationId xmlns:a16="http://schemas.microsoft.com/office/drawing/2014/main" id="{EC6CD045-3163-7E44-A378-A55B48B61696}"/>
+              </a:ext>
+            </a:extLst>
+          </p:cNvPr>
+          <p:cNvSpPr/>
+          <p:nvPr/>
+        </p:nvSpPr>
+        <p:spPr>
+          <a:xfrm>
+            <a:off x="3566350" y="1446692"/>
+            <a:ext cx="1502979" cy="369332"/>
+          </a:xfrm>
+          <a:prstGeom prst="rect">
+            <a:avLst/>
+          </a:prstGeom>
+          <a:solidFill>
+            <a:schemeClr val="tx1"/>
+          </a:solidFill>
+          <a:ln>
+            <a:solidFill>
+              <a:srgbClr val="7030A0"/>
+            </a:solidFill>
+          </a:ln>
+        </p:spPr>
+        <p:style>
+          <a:lnRef idx="2">
+            <a:schemeClr val="accent1">
+              <a:shade val="50000"/>
+            </a:schemeClr>
+          </a:lnRef>
+          <a:fillRef idx="1">
+            <a:schemeClr val="accent1"/>
+          </a:fillRef>
+          <a:effectRef idx="0">
+            <a:schemeClr val="accent1"/>
+          </a:effectRef>
+          <a:fontRef idx="minor">
+            <a:schemeClr val="lt1"/>
+          </a:fontRef>
+        </p:style>
+        <p:txBody>
+          <a:bodyPr rtlCol="0" anchor="ctr"/>
+          <a:lstStyle/>
+          <a:p>
+            <a:pPr algn="ctr"/>
+            <a:r>
+              <a:rPr lang="en-US" sz="1200" b="1" dirty="0">
+                <a:solidFill>
+                  <a:srgbClr val="7030A0"/>
+                </a:solidFill>
+              </a:rPr>
+              <a:t>Top-down Parsing</a:t>
+            </a:r>
+          </a:p>
+        </p:txBody>
+      </p:sp>
+      <p:sp>
+        <p:nvSpPr>
+          <p:cNvPr id="75" name="Rectangle 74">
+            <a:extLst>
+              <a:ext uri="{FF2B5EF4-FFF2-40B4-BE49-F238E27FC236}">
+                <a16:creationId xmlns:a16="http://schemas.microsoft.com/office/drawing/2014/main" id="{8C78CFB7-AD60-4344-A3A7-C88251CD5B67}"/>
+              </a:ext>
+            </a:extLst>
+          </p:cNvPr>
+          <p:cNvSpPr/>
+          <p:nvPr/>
+        </p:nvSpPr>
+        <p:spPr>
+          <a:xfrm>
+            <a:off x="5738872" y="1473021"/>
+            <a:ext cx="1502979" cy="369332"/>
+          </a:xfrm>
+          <a:prstGeom prst="rect">
+            <a:avLst/>
+          </a:prstGeom>
+          <a:solidFill>
+            <a:schemeClr val="tx1"/>
+          </a:solidFill>
+          <a:ln>
+            <a:solidFill>
+              <a:srgbClr val="7030A0"/>
+            </a:solidFill>
+          </a:ln>
+        </p:spPr>
+        <p:style>
+          <a:lnRef idx="2">
+            <a:schemeClr val="accent1">
+              <a:shade val="50000"/>
+            </a:schemeClr>
+          </a:lnRef>
+          <a:fillRef idx="1">
+            <a:schemeClr val="accent1"/>
+          </a:fillRef>
+          <a:effectRef idx="0">
+            <a:schemeClr val="accent1"/>
+          </a:effectRef>
+          <a:fontRef idx="minor">
+            <a:schemeClr val="lt1"/>
+          </a:fontRef>
+        </p:style>
+        <p:txBody>
+          <a:bodyPr rtlCol="0" anchor="ctr"/>
+          <a:lstStyle/>
+          <a:p>
+            <a:pPr algn="ctr"/>
+            <a:r>
+              <a:rPr lang="en-US" sz="1400" b="1" dirty="0">
+                <a:solidFill>
+                  <a:srgbClr val="7030A0"/>
+                </a:solidFill>
+              </a:rPr>
+              <a:t>Parse Tree</a:t>
+            </a:r>
+          </a:p>
+        </p:txBody>
+      </p:sp>
+      <p:sp>
+        <p:nvSpPr>
+          <p:cNvPr id="76" name="Rectangle 75">
+            <a:extLst>
+              <a:ext uri="{FF2B5EF4-FFF2-40B4-BE49-F238E27FC236}">
+                <a16:creationId xmlns:a16="http://schemas.microsoft.com/office/drawing/2014/main" id="{DED3816E-3F04-9744-A598-8BB13956386A}"/>
+              </a:ext>
+            </a:extLst>
+          </p:cNvPr>
+          <p:cNvSpPr/>
+          <p:nvPr/>
+        </p:nvSpPr>
+        <p:spPr>
+          <a:xfrm>
+            <a:off x="8794968" y="2068248"/>
+            <a:ext cx="1502979" cy="369332"/>
+          </a:xfrm>
+          <a:prstGeom prst="rect">
+            <a:avLst/>
+          </a:prstGeom>
+          <a:solidFill>
+            <a:schemeClr val="tx1"/>
+          </a:solidFill>
+          <a:ln>
+            <a:solidFill>
+              <a:srgbClr val="7030A0"/>
+            </a:solidFill>
+          </a:ln>
+        </p:spPr>
+        <p:style>
+          <a:lnRef idx="2">
+            <a:schemeClr val="accent1">
+              <a:shade val="50000"/>
+            </a:schemeClr>
+          </a:lnRef>
+          <a:fillRef idx="1">
+            <a:schemeClr val="accent1"/>
+          </a:fillRef>
+          <a:effectRef idx="0">
+            <a:schemeClr val="accent1"/>
+          </a:effectRef>
+          <a:fontRef idx="minor">
+            <a:schemeClr val="lt1"/>
+          </a:fontRef>
+        </p:style>
+        <p:txBody>
+          <a:bodyPr rtlCol="0" anchor="ctr"/>
+          <a:lstStyle/>
+          <a:p>
+            <a:pPr algn="ctr"/>
+            <a:r>
+              <a:rPr lang="en-US" sz="1200" b="1" dirty="0">
+                <a:solidFill>
+                  <a:srgbClr val="7030A0"/>
+                </a:solidFill>
+              </a:rPr>
+              <a:t>IR Generation</a:t>
+            </a:r>
+          </a:p>
+        </p:txBody>
+      </p:sp>
+      <p:sp>
+        <p:nvSpPr>
+          <p:cNvPr id="78" name="TextBox 77">
+            <a:extLst>
+              <a:ext uri="{FF2B5EF4-FFF2-40B4-BE49-F238E27FC236}">
+                <a16:creationId xmlns:a16="http://schemas.microsoft.com/office/drawing/2014/main" id="{5D212D9C-9B4A-8C4B-B7CC-0F92C882EC32}"/>
+              </a:ext>
+            </a:extLst>
+          </p:cNvPr>
+          <p:cNvSpPr txBox="1"/>
+          <p:nvPr/>
+        </p:nvSpPr>
+        <p:spPr>
+          <a:xfrm>
+            <a:off x="7036974" y="2849543"/>
+            <a:ext cx="902811" cy="276999"/>
+          </a:xfrm>
+          <a:prstGeom prst="rect">
+            <a:avLst/>
+          </a:prstGeom>
+          <a:noFill/>
+        </p:spPr>
+        <p:txBody>
+          <a:bodyPr wrap="none" rtlCol="0">
+            <a:spAutoFit/>
+          </a:bodyPr>
+          <a:lstStyle/>
+          <a:p>
+            <a:r>
+              <a:rPr lang="en-US" sz="1200" b="1" dirty="0"/>
+              <a:t>Generation</a:t>
             </a:r>
           </a:p>
         </p:txBody>
@@ -9320,6 +11909,89 @@
   <p:clrMapOvr>
     <a:masterClrMapping/>
   </p:clrMapOvr>
+  <p:timing>
+    <p:tnLst>
+      <p:par>
+        <p:cTn id="1" dur="indefinite" restart="never" nodeType="tmRoot">
+          <p:childTnLst>
+            <p:seq concurrent="1" nextAc="seek">
+              <p:cTn id="2" dur="indefinite" nodeType="mainSeq">
+                <p:childTnLst>
+                  <p:par>
+                    <p:cTn id="3" fill="hold">
+                      <p:stCondLst>
+                        <p:cond delay="indefinite"/>
+                      </p:stCondLst>
+                      <p:childTnLst>
+                        <p:par>
+                          <p:cTn id="4" fill="hold">
+                            <p:stCondLst>
+                              <p:cond delay="0"/>
+                            </p:stCondLst>
+                            <p:childTnLst>
+                              <p:par>
+                                <p:cTn id="5" presetID="10" presetClass="entr" presetSubtype="0" fill="hold" nodeType="clickEffect">
+                                  <p:stCondLst>
+                                    <p:cond delay="0"/>
+                                  </p:stCondLst>
+                                  <p:childTnLst>
+                                    <p:set>
+                                      <p:cBhvr>
+                                        <p:cTn id="6" dur="1" fill="hold">
+                                          <p:stCondLst>
+                                            <p:cond delay="0"/>
+                                          </p:stCondLst>
+                                        </p:cTn>
+                                        <p:tgtEl>
+                                          <p:spTgt spid="3"/>
+                                        </p:tgtEl>
+                                        <p:attrNameLst>
+                                          <p:attrName>style.visibility</p:attrName>
+                                        </p:attrNameLst>
+                                      </p:cBhvr>
+                                      <p:to>
+                                        <p:strVal val="visible"/>
+                                      </p:to>
+                                    </p:set>
+                                    <p:animEffect transition="in" filter="fade">
+                                      <p:cBhvr>
+                                        <p:cTn id="7" dur="500"/>
+                                        <p:tgtEl>
+                                          <p:spTgt spid="3"/>
+                                        </p:tgtEl>
+                                      </p:cBhvr>
+                                    </p:animEffect>
+                                  </p:childTnLst>
+                                </p:cTn>
+                              </p:par>
+                            </p:childTnLst>
+                          </p:cTn>
+                        </p:par>
+                      </p:childTnLst>
+                    </p:cTn>
+                  </p:par>
+                </p:childTnLst>
+              </p:cTn>
+              <p:prevCondLst>
+                <p:cond evt="onPrev" delay="0">
+                  <p:tgtEl>
+                    <p:sldTgt/>
+                  </p:tgtEl>
+                </p:cond>
+              </p:prevCondLst>
+              <p:nextCondLst>
+                <p:cond evt="onNext" delay="0">
+                  <p:tgtEl>
+                    <p:sldTgt/>
+                  </p:tgtEl>
+                </p:cond>
+              </p:nextCondLst>
+            </p:seq>
+          </p:childTnLst>
+        </p:cTn>
+      </p:par>
+    </p:tnLst>
+  </p:timing>
 </p:sld>
 </file>
 

--- a/docs/figures/figures.pptx
+++ b/docs/figures/figures.pptx
@@ -5,13 +5,14 @@
     <p:sldMasterId id="2147483648" r:id="rId1"/>
   </p:sldMasterIdLst>
   <p:notesMasterIdLst>
-    <p:notesMasterId r:id="rId6"/>
+    <p:notesMasterId r:id="rId7"/>
   </p:notesMasterIdLst>
   <p:sldIdLst>
     <p:sldId id="330" r:id="rId2"/>
     <p:sldId id="331" r:id="rId3"/>
     <p:sldId id="332" r:id="rId4"/>
     <p:sldId id="333" r:id="rId5"/>
+    <p:sldId id="334" r:id="rId6"/>
   </p:sldIdLst>
   <p:sldSz cx="12192000" cy="6858000"/>
   <p:notesSz cx="6858000" cy="9144000"/>
@@ -200,7 +201,7 @@
           <a:p>
             <a:fld id="{B545521C-F840-6148-BCF9-B167DFC75B00}" type="datetimeFigureOut">
               <a:rPr lang="en-US" smtClean="0"/>
-              <a:t>3/21/22</a:t>
+              <a:t>4/17/22</a:t>
             </a:fld>
             <a:endParaRPr lang="en-US"/>
           </a:p>
@@ -804,6 +805,90 @@
 </p:notes>
 </file>
 
+<file path=ppt/notesSlides/notesSlide5.xml><?xml version="1.0" encoding="utf-8"?>
+<p:notes xmlns:a="http://schemas.openxmlformats.org/drawingml/2006/main" xmlns:r="http://schemas.openxmlformats.org/officeDocument/2006/relationships" xmlns:p="http://schemas.openxmlformats.org/presentationml/2006/main">
+  <p:cSld>
+    <p:spTree>
+      <p:nvGrpSpPr>
+        <p:cNvPr id="1" name=""/>
+        <p:cNvGrpSpPr/>
+        <p:nvPr/>
+      </p:nvGrpSpPr>
+      <p:grpSpPr>
+        <a:xfrm>
+          <a:off x="0" y="0"/>
+          <a:ext cx="0" cy="0"/>
+          <a:chOff x="0" y="0"/>
+          <a:chExt cx="0" cy="0"/>
+        </a:xfrm>
+      </p:grpSpPr>
+      <p:sp>
+        <p:nvSpPr>
+          <p:cNvPr id="2" name="Slide Image Placeholder 1"/>
+          <p:cNvSpPr>
+            <a:spLocks noGrp="1" noRot="1" noChangeAspect="1"/>
+          </p:cNvSpPr>
+          <p:nvPr>
+            <p:ph type="sldImg"/>
+          </p:nvPr>
+        </p:nvSpPr>
+        <p:spPr/>
+      </p:sp>
+      <p:sp>
+        <p:nvSpPr>
+          <p:cNvPr id="3" name="Notes Placeholder 2"/>
+          <p:cNvSpPr>
+            <a:spLocks noGrp="1"/>
+          </p:cNvSpPr>
+          <p:nvPr>
+            <p:ph type="body" idx="1"/>
+          </p:nvPr>
+        </p:nvSpPr>
+        <p:spPr/>
+        <p:txBody>
+          <a:bodyPr/>
+          <a:lstStyle/>
+          <a:p>
+            <a:endParaRPr lang="en-US" dirty="0"/>
+          </a:p>
+        </p:txBody>
+      </p:sp>
+      <p:sp>
+        <p:nvSpPr>
+          <p:cNvPr id="4" name="Slide Number Placeholder 3"/>
+          <p:cNvSpPr>
+            <a:spLocks noGrp="1"/>
+          </p:cNvSpPr>
+          <p:nvPr>
+            <p:ph type="sldNum" sz="quarter" idx="5"/>
+          </p:nvPr>
+        </p:nvSpPr>
+        <p:spPr/>
+        <p:txBody>
+          <a:bodyPr/>
+          <a:lstStyle/>
+          <a:p>
+            <a:fld id="{997274CE-51E2-314F-8544-5E91EE33A09F}" type="slidenum">
+              <a:rPr lang="en-US" smtClean="0"/>
+              <a:t>5</a:t>
+            </a:fld>
+            <a:endParaRPr lang="en-US"/>
+          </a:p>
+        </p:txBody>
+      </p:sp>
+    </p:spTree>
+    <p:extLst>
+      <p:ext uri="{BB962C8B-B14F-4D97-AF65-F5344CB8AC3E}">
+        <p14:creationId xmlns:p14="http://schemas.microsoft.com/office/powerpoint/2010/main" val="3102971434"/>
+      </p:ext>
+    </p:extLst>
+  </p:cSld>
+  <p:clrMapOvr>
+    <a:masterClrMapping/>
+  </p:clrMapOvr>
+</p:notes>
+</file>
+
 <file path=ppt/slideLayouts/slideLayout1.xml><?xml version="1.0" encoding="utf-8"?>
 <p:sldLayout xmlns:a="http://schemas.openxmlformats.org/drawingml/2006/main" xmlns:r="http://schemas.openxmlformats.org/officeDocument/2006/relationships" xmlns:p="http://schemas.openxmlformats.org/presentationml/2006/main" type="title" preserve="1">
   <p:cSld name="Title Slide">
@@ -953,7 +1038,7 @@
           <a:p>
             <a:fld id="{656A6AFC-C896-E044-A6C6-3210656CBC62}" type="datetimeFigureOut">
               <a:rPr lang="en-US" smtClean="0"/>
-              <a:t>3/21/22</a:t>
+              <a:t>4/17/22</a:t>
             </a:fld>
             <a:endParaRPr lang="en-US"/>
           </a:p>
@@ -1153,7 +1238,7 @@
           <a:p>
             <a:fld id="{656A6AFC-C896-E044-A6C6-3210656CBC62}" type="datetimeFigureOut">
               <a:rPr lang="en-US" smtClean="0"/>
-              <a:t>3/21/22</a:t>
+              <a:t>4/17/22</a:t>
             </a:fld>
             <a:endParaRPr lang="en-US"/>
           </a:p>
@@ -1363,7 +1448,7 @@
           <a:p>
             <a:fld id="{656A6AFC-C896-E044-A6C6-3210656CBC62}" type="datetimeFigureOut">
               <a:rPr lang="en-US" smtClean="0"/>
-              <a:t>3/21/22</a:t>
+              <a:t>4/17/22</a:t>
             </a:fld>
             <a:endParaRPr lang="en-US"/>
           </a:p>
@@ -1598,7 +1683,7 @@
           <a:p>
             <a:fld id="{656A6AFC-C896-E044-A6C6-3210656CBC62}" type="datetimeFigureOut">
               <a:rPr lang="en-US" smtClean="0"/>
-              <a:t>3/21/22</a:t>
+              <a:t>4/17/22</a:t>
             </a:fld>
             <a:endParaRPr lang="en-US"/>
           </a:p>
@@ -1874,7 +1959,7 @@
           <a:p>
             <a:fld id="{656A6AFC-C896-E044-A6C6-3210656CBC62}" type="datetimeFigureOut">
               <a:rPr lang="en-US" smtClean="0"/>
-              <a:t>3/21/22</a:t>
+              <a:t>4/17/22</a:t>
             </a:fld>
             <a:endParaRPr lang="en-US"/>
           </a:p>
@@ -2142,7 +2227,7 @@
           <a:p>
             <a:fld id="{656A6AFC-C896-E044-A6C6-3210656CBC62}" type="datetimeFigureOut">
               <a:rPr lang="en-US" smtClean="0"/>
-              <a:t>3/21/22</a:t>
+              <a:t>4/17/22</a:t>
             </a:fld>
             <a:endParaRPr lang="en-US"/>
           </a:p>
@@ -2557,7 +2642,7 @@
           <a:p>
             <a:fld id="{656A6AFC-C896-E044-A6C6-3210656CBC62}" type="datetimeFigureOut">
               <a:rPr lang="en-US" smtClean="0"/>
-              <a:t>3/21/22</a:t>
+              <a:t>4/17/22</a:t>
             </a:fld>
             <a:endParaRPr lang="en-US"/>
           </a:p>
@@ -2699,7 +2784,7 @@
           <a:p>
             <a:fld id="{656A6AFC-C896-E044-A6C6-3210656CBC62}" type="datetimeFigureOut">
               <a:rPr lang="en-US" smtClean="0"/>
-              <a:t>3/21/22</a:t>
+              <a:t>4/17/22</a:t>
             </a:fld>
             <a:endParaRPr lang="en-US"/>
           </a:p>
@@ -2812,7 +2897,7 @@
           <a:p>
             <a:fld id="{656A6AFC-C896-E044-A6C6-3210656CBC62}" type="datetimeFigureOut">
               <a:rPr lang="en-US" smtClean="0"/>
-              <a:t>3/21/22</a:t>
+              <a:t>4/17/22</a:t>
             </a:fld>
             <a:endParaRPr lang="en-US"/>
           </a:p>
@@ -3125,7 +3210,7 @@
           <a:p>
             <a:fld id="{656A6AFC-C896-E044-A6C6-3210656CBC62}" type="datetimeFigureOut">
               <a:rPr lang="en-US" smtClean="0"/>
-              <a:t>3/21/22</a:t>
+              <a:t>4/17/22</a:t>
             </a:fld>
             <a:endParaRPr lang="en-US"/>
           </a:p>
@@ -3414,7 +3499,7 @@
           <a:p>
             <a:fld id="{656A6AFC-C896-E044-A6C6-3210656CBC62}" type="datetimeFigureOut">
               <a:rPr lang="en-US" smtClean="0"/>
-              <a:t>3/21/22</a:t>
+              <a:t>4/17/22</a:t>
             </a:fld>
             <a:endParaRPr lang="en-US"/>
           </a:p>
@@ -3657,7 +3742,7 @@
           <a:p>
             <a:fld id="{656A6AFC-C896-E044-A6C6-3210656CBC62}" type="datetimeFigureOut">
               <a:rPr lang="en-US" smtClean="0"/>
-              <a:t>3/21/22</a:t>
+              <a:t>4/17/22</a:t>
             </a:fld>
             <a:endParaRPr lang="en-US"/>
           </a:p>
@@ -10562,8 +10647,8 @@
             <a:chExt cx="2494740" cy="1200329"/>
           </a:xfrm>
         </p:grpSpPr>
-        <mc:AlternateContent xmlns:mc="http://schemas.openxmlformats.org/markup-compatibility/2006">
-          <mc:Choice xmlns:a14="http://schemas.microsoft.com/office/drawing/2010/main" Requires="a14">
+        <mc:AlternateContent xmlns:mc="http://schemas.openxmlformats.org/markup-compatibility/2006" xmlns:a14="http://schemas.microsoft.com/office/drawing/2010/main">
+          <mc:Choice Requires="a14">
             <p:sp>
               <p:nvSpPr>
                 <p:cNvPr id="52" name="TextBox 51">
@@ -10759,7 +10844,7 @@
               </p:txBody>
             </p:sp>
           </mc:Choice>
-          <mc:Fallback>
+          <mc:Fallback xmlns="">
             <p:sp>
               <p:nvSpPr>
                 <p:cNvPr id="52" name="TextBox 51">
@@ -10804,8 +10889,8 @@
             </p:sp>
           </mc:Fallback>
         </mc:AlternateContent>
-        <mc:AlternateContent xmlns:mc="http://schemas.openxmlformats.org/markup-compatibility/2006">
-          <mc:Choice xmlns:a14="http://schemas.microsoft.com/office/drawing/2010/main" Requires="a14">
+        <mc:AlternateContent xmlns:mc="http://schemas.openxmlformats.org/markup-compatibility/2006" xmlns:a14="http://schemas.microsoft.com/office/drawing/2010/main">
+          <mc:Choice Requires="a14">
             <p:sp>
               <p:nvSpPr>
                 <p:cNvPr id="53" name="Rectangle 52">
@@ -10873,7 +10958,7 @@
               </p:txBody>
             </p:sp>
           </mc:Choice>
-          <mc:Fallback>
+          <mc:Fallback xmlns="">
             <p:sp>
               <p:nvSpPr>
                 <p:cNvPr id="53" name="Rectangle 52">
@@ -10919,8 +11004,8 @@
           </mc:Fallback>
         </mc:AlternateContent>
       </p:grpSp>
-      <mc:AlternateContent xmlns:mc="http://schemas.openxmlformats.org/markup-compatibility/2006">
-        <mc:Choice xmlns:a14="http://schemas.microsoft.com/office/drawing/2010/main" Requires="a14">
+      <mc:AlternateContent xmlns:mc="http://schemas.openxmlformats.org/markup-compatibility/2006" xmlns:a14="http://schemas.microsoft.com/office/drawing/2010/main">
+        <mc:Choice Requires="a14">
           <p:sp>
             <p:nvSpPr>
               <p:cNvPr id="55" name="TextBox 54">
@@ -10997,7 +11082,7 @@
             </p:txBody>
           </p:sp>
         </mc:Choice>
-        <mc:Fallback>
+        <mc:Fallback xmlns="">
           <p:sp>
             <p:nvSpPr>
               <p:cNvPr id="55" name="TextBox 54">
@@ -11042,8 +11127,8 @@
           </p:sp>
         </mc:Fallback>
       </mc:AlternateContent>
-      <mc:AlternateContent xmlns:mc="http://schemas.openxmlformats.org/markup-compatibility/2006">
-        <mc:Choice xmlns:a14="http://schemas.microsoft.com/office/drawing/2010/main" Requires="a14">
+      <mc:AlternateContent xmlns:mc="http://schemas.openxmlformats.org/markup-compatibility/2006" xmlns:a14="http://schemas.microsoft.com/office/drawing/2010/main">
+        <mc:Choice Requires="a14">
           <p:sp>
             <p:nvSpPr>
               <p:cNvPr id="56" name="TextBox 55">
@@ -11116,7 +11201,7 @@
             </p:txBody>
           </p:sp>
         </mc:Choice>
-        <mc:Fallback>
+        <mc:Fallback xmlns="">
           <p:sp>
             <p:nvSpPr>
               <p:cNvPr id="56" name="TextBox 55">
@@ -12050,15 +12135,1515 @@
                   </a:schemeClr>
                 </a:solidFill>
               </a:rPr>
-              <a:t>Memory Address*</a:t>
-            </a:r>
-          </a:p>
-        </p:txBody>
-      </p:sp>
+              <a:t>Bootstrapping</a:t>
+            </a:r>
+          </a:p>
+        </p:txBody>
+      </p:sp>
+      <p:sp>
+        <p:nvSpPr>
+          <p:cNvPr id="5" name="Rectangle 4">
+            <a:extLst>
+              <a:ext uri="{FF2B5EF4-FFF2-40B4-BE49-F238E27FC236}">
+                <a16:creationId xmlns:a16="http://schemas.microsoft.com/office/drawing/2014/main" id="{B1111358-B874-C167-D129-6D213E9005EE}"/>
+              </a:ext>
+            </a:extLst>
+          </p:cNvPr>
+          <p:cNvSpPr/>
+          <p:nvPr/>
+        </p:nvSpPr>
+        <p:spPr>
+          <a:xfrm rot="5400000">
+            <a:off x="2269303" y="2215055"/>
+            <a:ext cx="1413642" cy="599090"/>
+          </a:xfrm>
+          <a:prstGeom prst="rect">
+            <a:avLst/>
+          </a:prstGeom>
+        </p:spPr>
+        <p:style>
+          <a:lnRef idx="2">
+            <a:schemeClr val="accent1">
+              <a:shade val="50000"/>
+            </a:schemeClr>
+          </a:lnRef>
+          <a:fillRef idx="1">
+            <a:schemeClr val="accent1"/>
+          </a:fillRef>
+          <a:effectRef idx="0">
+            <a:schemeClr val="accent1"/>
+          </a:effectRef>
+          <a:fontRef idx="minor">
+            <a:schemeClr val="lt1"/>
+          </a:fontRef>
+        </p:style>
+        <p:txBody>
+          <a:bodyPr rtlCol="0" anchor="ctr"/>
+          <a:lstStyle/>
+          <a:p>
+            <a:pPr algn="ctr"/>
+            <a:endParaRPr lang="en-US"/>
+          </a:p>
+        </p:txBody>
+      </p:sp>
+      <p:sp>
+        <p:nvSpPr>
+          <p:cNvPr id="4" name="Rectangle 3">
+            <a:extLst>
+              <a:ext uri="{FF2B5EF4-FFF2-40B4-BE49-F238E27FC236}">
+                <a16:creationId xmlns:a16="http://schemas.microsoft.com/office/drawing/2014/main" id="{6CC54A78-611F-A7B3-E4C5-545CE88428F3}"/>
+              </a:ext>
+            </a:extLst>
+          </p:cNvPr>
+          <p:cNvSpPr/>
+          <p:nvPr/>
+        </p:nvSpPr>
+        <p:spPr>
+          <a:xfrm>
+            <a:off x="1872537" y="1807779"/>
+            <a:ext cx="2249215" cy="599090"/>
+          </a:xfrm>
+          <a:prstGeom prst="rect">
+            <a:avLst/>
+          </a:prstGeom>
+        </p:spPr>
+        <p:style>
+          <a:lnRef idx="2">
+            <a:schemeClr val="accent1">
+              <a:shade val="50000"/>
+            </a:schemeClr>
+          </a:lnRef>
+          <a:fillRef idx="1">
+            <a:schemeClr val="accent1"/>
+          </a:fillRef>
+          <a:effectRef idx="0">
+            <a:schemeClr val="accent1"/>
+          </a:effectRef>
+          <a:fontRef idx="minor">
+            <a:schemeClr val="lt1"/>
+          </a:fontRef>
+        </p:style>
+        <p:txBody>
+          <a:bodyPr rtlCol="0" anchor="ctr"/>
+          <a:lstStyle/>
+          <a:p>
+            <a:pPr algn="ctr"/>
+            <a:endParaRPr lang="en-US"/>
+          </a:p>
+        </p:txBody>
+      </p:sp>
+      <p:cxnSp>
+        <p:nvCxnSpPr>
+          <p:cNvPr id="9" name="Straight Connector 8">
+            <a:extLst>
+              <a:ext uri="{FF2B5EF4-FFF2-40B4-BE49-F238E27FC236}">
+                <a16:creationId xmlns:a16="http://schemas.microsoft.com/office/drawing/2014/main" id="{D57EAF39-AC8E-FAC4-D266-C8779C994A24}"/>
+              </a:ext>
+            </a:extLst>
+          </p:cNvPr>
+          <p:cNvCxnSpPr>
+            <a:cxnSpLocks/>
+          </p:cNvCxnSpPr>
+          <p:nvPr/>
+        </p:nvCxnSpPr>
+        <p:spPr>
+          <a:xfrm>
+            <a:off x="2676579" y="2406869"/>
+            <a:ext cx="599090" cy="0"/>
+          </a:xfrm>
+          <a:prstGeom prst="line">
+            <a:avLst/>
+          </a:prstGeom>
+        </p:spPr>
+        <p:style>
+          <a:lnRef idx="2">
+            <a:schemeClr val="accent1"/>
+          </a:lnRef>
+          <a:fillRef idx="0">
+            <a:schemeClr val="accent1"/>
+          </a:fillRef>
+          <a:effectRef idx="1">
+            <a:schemeClr val="accent1"/>
+          </a:effectRef>
+          <a:fontRef idx="minor">
+            <a:schemeClr val="tx1"/>
+          </a:fontRef>
+        </p:style>
+      </p:cxnSp>
+      <p:sp>
+        <p:nvSpPr>
+          <p:cNvPr id="11" name="TextBox 10">
+            <a:extLst>
+              <a:ext uri="{FF2B5EF4-FFF2-40B4-BE49-F238E27FC236}">
+                <a16:creationId xmlns:a16="http://schemas.microsoft.com/office/drawing/2014/main" id="{E9D4AD7A-9DA8-0F86-2ED7-43B9D37D7C3F}"/>
+              </a:ext>
+            </a:extLst>
+          </p:cNvPr>
+          <p:cNvSpPr txBox="1"/>
+          <p:nvPr/>
+        </p:nvSpPr>
+        <p:spPr>
+          <a:xfrm>
+            <a:off x="1969666" y="1922658"/>
+            <a:ext cx="311304" cy="369332"/>
+          </a:xfrm>
+          <a:prstGeom prst="rect">
+            <a:avLst/>
+          </a:prstGeom>
+          <a:noFill/>
+        </p:spPr>
+        <p:txBody>
+          <a:bodyPr wrap="none" rtlCol="0">
+            <a:spAutoFit/>
+          </a:bodyPr>
+          <a:lstStyle/>
+          <a:p>
+            <a:r>
+              <a:rPr lang="en-US" b="1" dirty="0">
+                <a:solidFill>
+                  <a:srgbClr val="FFFF00"/>
+                </a:solidFill>
+              </a:rPr>
+              <a:t>X</a:t>
+            </a:r>
+          </a:p>
+        </p:txBody>
+      </p:sp>
+      <p:sp>
+        <p:nvSpPr>
+          <p:cNvPr id="12" name="TextBox 11">
+            <a:extLst>
+              <a:ext uri="{FF2B5EF4-FFF2-40B4-BE49-F238E27FC236}">
+                <a16:creationId xmlns:a16="http://schemas.microsoft.com/office/drawing/2014/main" id="{DC4FFE4D-9FAD-A67A-3294-9B895306102F}"/>
+              </a:ext>
+            </a:extLst>
+          </p:cNvPr>
+          <p:cNvSpPr txBox="1"/>
+          <p:nvPr/>
+        </p:nvSpPr>
+        <p:spPr>
+          <a:xfrm>
+            <a:off x="3501069" y="1922658"/>
+            <a:ext cx="635110" cy="369332"/>
+          </a:xfrm>
+          <a:prstGeom prst="rect">
+            <a:avLst/>
+          </a:prstGeom>
+          <a:noFill/>
+        </p:spPr>
+        <p:txBody>
+          <a:bodyPr wrap="none" rtlCol="0">
+            <a:spAutoFit/>
+          </a:bodyPr>
+          <a:lstStyle/>
+          <a:p>
+            <a:r>
+              <a:rPr lang="en-US" b="1" dirty="0">
+                <a:solidFill>
+                  <a:schemeClr val="bg1"/>
+                </a:solidFill>
+              </a:rPr>
+              <a:t>ASM</a:t>
+            </a:r>
+          </a:p>
+        </p:txBody>
+      </p:sp>
+      <p:sp>
+        <p:nvSpPr>
+          <p:cNvPr id="13" name="TextBox 12">
+            <a:extLst>
+              <a:ext uri="{FF2B5EF4-FFF2-40B4-BE49-F238E27FC236}">
+                <a16:creationId xmlns:a16="http://schemas.microsoft.com/office/drawing/2014/main" id="{CBE6BA76-E531-73D6-4898-43A6C51B3B38}"/>
+              </a:ext>
+            </a:extLst>
+          </p:cNvPr>
+          <p:cNvSpPr txBox="1"/>
+          <p:nvPr/>
+        </p:nvSpPr>
+        <p:spPr>
+          <a:xfrm>
+            <a:off x="2822075" y="2737210"/>
+            <a:ext cx="311304" cy="369332"/>
+          </a:xfrm>
+          <a:prstGeom prst="rect">
+            <a:avLst/>
+          </a:prstGeom>
+          <a:noFill/>
+        </p:spPr>
+        <p:txBody>
+          <a:bodyPr wrap="none" rtlCol="0">
+            <a:spAutoFit/>
+          </a:bodyPr>
+          <a:lstStyle/>
+          <a:p>
+            <a:r>
+              <a:rPr lang="en-US" b="1" dirty="0">
+                <a:solidFill>
+                  <a:srgbClr val="FFFF00"/>
+                </a:solidFill>
+              </a:rPr>
+              <a:t>X</a:t>
+            </a:r>
+          </a:p>
+        </p:txBody>
+      </p:sp>
+      <p:sp>
+        <p:nvSpPr>
+          <p:cNvPr id="19" name="Rectangle 18">
+            <a:extLst>
+              <a:ext uri="{FF2B5EF4-FFF2-40B4-BE49-F238E27FC236}">
+                <a16:creationId xmlns:a16="http://schemas.microsoft.com/office/drawing/2014/main" id="{0E70BD99-A705-2262-ADA8-3D29FF89F065}"/>
+              </a:ext>
+            </a:extLst>
+          </p:cNvPr>
+          <p:cNvSpPr/>
+          <p:nvPr/>
+        </p:nvSpPr>
+        <p:spPr>
+          <a:xfrm rot="5400000">
+            <a:off x="3798510" y="3029607"/>
+            <a:ext cx="1413642" cy="599090"/>
+          </a:xfrm>
+          <a:prstGeom prst="rect">
+            <a:avLst/>
+          </a:prstGeom>
+        </p:spPr>
+        <p:style>
+          <a:lnRef idx="2">
+            <a:schemeClr val="accent1">
+              <a:shade val="50000"/>
+            </a:schemeClr>
+          </a:lnRef>
+          <a:fillRef idx="1">
+            <a:schemeClr val="accent1"/>
+          </a:fillRef>
+          <a:effectRef idx="0">
+            <a:schemeClr val="accent1"/>
+          </a:effectRef>
+          <a:fontRef idx="minor">
+            <a:schemeClr val="lt1"/>
+          </a:fontRef>
+        </p:style>
+        <p:txBody>
+          <a:bodyPr rtlCol="0" anchor="ctr"/>
+          <a:lstStyle/>
+          <a:p>
+            <a:pPr algn="ctr"/>
+            <a:endParaRPr lang="en-US"/>
+          </a:p>
+        </p:txBody>
+      </p:sp>
+      <p:sp>
+        <p:nvSpPr>
+          <p:cNvPr id="20" name="Rectangle 19">
+            <a:extLst>
+              <a:ext uri="{FF2B5EF4-FFF2-40B4-BE49-F238E27FC236}">
+                <a16:creationId xmlns:a16="http://schemas.microsoft.com/office/drawing/2014/main" id="{620688BD-F071-B75F-2481-07F194E99B1B}"/>
+              </a:ext>
+            </a:extLst>
+          </p:cNvPr>
+          <p:cNvSpPr/>
+          <p:nvPr/>
+        </p:nvSpPr>
+        <p:spPr>
+          <a:xfrm>
+            <a:off x="3401744" y="2622331"/>
+            <a:ext cx="2249215" cy="599090"/>
+          </a:xfrm>
+          <a:prstGeom prst="rect">
+            <a:avLst/>
+          </a:prstGeom>
+        </p:spPr>
+        <p:style>
+          <a:lnRef idx="2">
+            <a:schemeClr val="accent1">
+              <a:shade val="50000"/>
+            </a:schemeClr>
+          </a:lnRef>
+          <a:fillRef idx="1">
+            <a:schemeClr val="accent1"/>
+          </a:fillRef>
+          <a:effectRef idx="0">
+            <a:schemeClr val="accent1"/>
+          </a:effectRef>
+          <a:fontRef idx="minor">
+            <a:schemeClr val="lt1"/>
+          </a:fontRef>
+        </p:style>
+        <p:txBody>
+          <a:bodyPr rtlCol="0" anchor="ctr"/>
+          <a:lstStyle/>
+          <a:p>
+            <a:pPr algn="ctr"/>
+            <a:endParaRPr lang="en-US"/>
+          </a:p>
+        </p:txBody>
+      </p:sp>
+      <p:cxnSp>
+        <p:nvCxnSpPr>
+          <p:cNvPr id="21" name="Straight Connector 20">
+            <a:extLst>
+              <a:ext uri="{FF2B5EF4-FFF2-40B4-BE49-F238E27FC236}">
+                <a16:creationId xmlns:a16="http://schemas.microsoft.com/office/drawing/2014/main" id="{0AB3CF3C-7036-1F67-3887-174A1530E433}"/>
+              </a:ext>
+            </a:extLst>
+          </p:cNvPr>
+          <p:cNvCxnSpPr>
+            <a:cxnSpLocks/>
+          </p:cNvCxnSpPr>
+          <p:nvPr/>
+        </p:nvCxnSpPr>
+        <p:spPr>
+          <a:xfrm>
+            <a:off x="4205786" y="3221421"/>
+            <a:ext cx="599090" cy="0"/>
+          </a:xfrm>
+          <a:prstGeom prst="line">
+            <a:avLst/>
+          </a:prstGeom>
+        </p:spPr>
+        <p:style>
+          <a:lnRef idx="2">
+            <a:schemeClr val="accent1"/>
+          </a:lnRef>
+          <a:fillRef idx="0">
+            <a:schemeClr val="accent1"/>
+          </a:fillRef>
+          <a:effectRef idx="1">
+            <a:schemeClr val="accent1"/>
+          </a:effectRef>
+          <a:fontRef idx="minor">
+            <a:schemeClr val="tx1"/>
+          </a:fontRef>
+        </p:style>
+      </p:cxnSp>
+      <p:sp>
+        <p:nvSpPr>
+          <p:cNvPr id="24" name="TextBox 23">
+            <a:extLst>
+              <a:ext uri="{FF2B5EF4-FFF2-40B4-BE49-F238E27FC236}">
+                <a16:creationId xmlns:a16="http://schemas.microsoft.com/office/drawing/2014/main" id="{54E77B43-0357-BB05-0101-AFF3C71EAC3D}"/>
+              </a:ext>
+            </a:extLst>
+          </p:cNvPr>
+          <p:cNvSpPr txBox="1"/>
+          <p:nvPr/>
+        </p:nvSpPr>
+        <p:spPr>
+          <a:xfrm>
+            <a:off x="4325755" y="3543879"/>
+            <a:ext cx="308098" cy="369332"/>
+          </a:xfrm>
+          <a:prstGeom prst="rect">
+            <a:avLst/>
+          </a:prstGeom>
+          <a:noFill/>
+        </p:spPr>
+        <p:txBody>
+          <a:bodyPr wrap="none" rtlCol="0">
+            <a:spAutoFit/>
+          </a:bodyPr>
+          <a:lstStyle/>
+          <a:p>
+            <a:r>
+              <a:rPr lang="en-US" b="1" dirty="0"/>
+              <a:t>C</a:t>
+            </a:r>
+          </a:p>
+        </p:txBody>
+      </p:sp>
+      <p:sp>
+        <p:nvSpPr>
+          <p:cNvPr id="25" name="Rectangle 24">
+            <a:extLst>
+              <a:ext uri="{FF2B5EF4-FFF2-40B4-BE49-F238E27FC236}">
+                <a16:creationId xmlns:a16="http://schemas.microsoft.com/office/drawing/2014/main" id="{21AFED1E-DF64-4EA8-361E-36D0B8C404B1}"/>
+              </a:ext>
+            </a:extLst>
+          </p:cNvPr>
+          <p:cNvSpPr/>
+          <p:nvPr/>
+        </p:nvSpPr>
+        <p:spPr>
+          <a:xfrm rot="5400000">
+            <a:off x="5429434" y="3836276"/>
+            <a:ext cx="1413642" cy="599090"/>
+          </a:xfrm>
+          <a:prstGeom prst="rect">
+            <a:avLst/>
+          </a:prstGeom>
+        </p:spPr>
+        <p:style>
+          <a:lnRef idx="2">
+            <a:schemeClr val="accent1">
+              <a:shade val="50000"/>
+            </a:schemeClr>
+          </a:lnRef>
+          <a:fillRef idx="1">
+            <a:schemeClr val="accent1"/>
+          </a:fillRef>
+          <a:effectRef idx="0">
+            <a:schemeClr val="accent1"/>
+          </a:effectRef>
+          <a:fontRef idx="minor">
+            <a:schemeClr val="lt1"/>
+          </a:fontRef>
+        </p:style>
+        <p:txBody>
+          <a:bodyPr rtlCol="0" anchor="ctr"/>
+          <a:lstStyle/>
+          <a:p>
+            <a:pPr algn="ctr"/>
+            <a:endParaRPr lang="en-US"/>
+          </a:p>
+        </p:txBody>
+      </p:sp>
+      <p:sp>
+        <p:nvSpPr>
+          <p:cNvPr id="26" name="Rectangle 25">
+            <a:extLst>
+              <a:ext uri="{FF2B5EF4-FFF2-40B4-BE49-F238E27FC236}">
+                <a16:creationId xmlns:a16="http://schemas.microsoft.com/office/drawing/2014/main" id="{94A7D5BF-C237-3D5A-D5CA-3E33AB15F5BC}"/>
+              </a:ext>
+            </a:extLst>
+          </p:cNvPr>
+          <p:cNvSpPr/>
+          <p:nvPr/>
+        </p:nvSpPr>
+        <p:spPr>
+          <a:xfrm>
+            <a:off x="5032668" y="3429000"/>
+            <a:ext cx="2249215" cy="599090"/>
+          </a:xfrm>
+          <a:prstGeom prst="rect">
+            <a:avLst/>
+          </a:prstGeom>
+        </p:spPr>
+        <p:style>
+          <a:lnRef idx="2">
+            <a:schemeClr val="accent1">
+              <a:shade val="50000"/>
+            </a:schemeClr>
+          </a:lnRef>
+          <a:fillRef idx="1">
+            <a:schemeClr val="accent1"/>
+          </a:fillRef>
+          <a:effectRef idx="0">
+            <a:schemeClr val="accent1"/>
+          </a:effectRef>
+          <a:fontRef idx="minor">
+            <a:schemeClr val="lt1"/>
+          </a:fontRef>
+        </p:style>
+        <p:txBody>
+          <a:bodyPr rtlCol="0" anchor="ctr"/>
+          <a:lstStyle/>
+          <a:p>
+            <a:pPr algn="ctr"/>
+            <a:endParaRPr lang="en-US"/>
+          </a:p>
+        </p:txBody>
+      </p:sp>
+      <p:cxnSp>
+        <p:nvCxnSpPr>
+          <p:cNvPr id="27" name="Straight Connector 26">
+            <a:extLst>
+              <a:ext uri="{FF2B5EF4-FFF2-40B4-BE49-F238E27FC236}">
+                <a16:creationId xmlns:a16="http://schemas.microsoft.com/office/drawing/2014/main" id="{602EC02F-9ABA-1893-F6AD-7D44CF9D3D38}"/>
+              </a:ext>
+            </a:extLst>
+          </p:cNvPr>
+          <p:cNvCxnSpPr>
+            <a:cxnSpLocks/>
+          </p:cNvCxnSpPr>
+          <p:nvPr/>
+        </p:nvCxnSpPr>
+        <p:spPr>
+          <a:xfrm>
+            <a:off x="5836710" y="4028090"/>
+            <a:ext cx="599090" cy="0"/>
+          </a:xfrm>
+          <a:prstGeom prst="line">
+            <a:avLst/>
+          </a:prstGeom>
+        </p:spPr>
+        <p:style>
+          <a:lnRef idx="2">
+            <a:schemeClr val="accent1"/>
+          </a:lnRef>
+          <a:fillRef idx="0">
+            <a:schemeClr val="accent1"/>
+          </a:fillRef>
+          <a:effectRef idx="1">
+            <a:schemeClr val="accent1"/>
+          </a:effectRef>
+          <a:fontRef idx="minor">
+            <a:schemeClr val="tx1"/>
+          </a:fontRef>
+        </p:style>
+      </p:cxnSp>
+      <p:sp>
+        <p:nvSpPr>
+          <p:cNvPr id="28" name="TextBox 27">
+            <a:extLst>
+              <a:ext uri="{FF2B5EF4-FFF2-40B4-BE49-F238E27FC236}">
+                <a16:creationId xmlns:a16="http://schemas.microsoft.com/office/drawing/2014/main" id="{60AD5A0C-C600-6FA1-112A-7EF4E58E7E87}"/>
+              </a:ext>
+            </a:extLst>
+          </p:cNvPr>
+          <p:cNvSpPr txBox="1"/>
+          <p:nvPr/>
+        </p:nvSpPr>
+        <p:spPr>
+          <a:xfrm>
+            <a:off x="5129797" y="3543879"/>
+            <a:ext cx="308098" cy="369332"/>
+          </a:xfrm>
+          <a:prstGeom prst="rect">
+            <a:avLst/>
+          </a:prstGeom>
+          <a:noFill/>
+        </p:spPr>
+        <p:txBody>
+          <a:bodyPr wrap="none" rtlCol="0">
+            <a:spAutoFit/>
+          </a:bodyPr>
+          <a:lstStyle/>
+          <a:p>
+            <a:r>
+              <a:rPr lang="en-US" b="1" dirty="0"/>
+              <a:t>C</a:t>
+            </a:r>
+          </a:p>
+        </p:txBody>
+      </p:sp>
+      <p:sp>
+        <p:nvSpPr>
+          <p:cNvPr id="29" name="TextBox 28">
+            <a:extLst>
+              <a:ext uri="{FF2B5EF4-FFF2-40B4-BE49-F238E27FC236}">
+                <a16:creationId xmlns:a16="http://schemas.microsoft.com/office/drawing/2014/main" id="{3B8429A5-7E44-A144-6C5B-C866D605E9BD}"/>
+              </a:ext>
+            </a:extLst>
+          </p:cNvPr>
+          <p:cNvSpPr txBox="1"/>
+          <p:nvPr/>
+        </p:nvSpPr>
+        <p:spPr>
+          <a:xfrm>
+            <a:off x="6661200" y="3543879"/>
+            <a:ext cx="635110" cy="369332"/>
+          </a:xfrm>
+          <a:prstGeom prst="rect">
+            <a:avLst/>
+          </a:prstGeom>
+          <a:noFill/>
+        </p:spPr>
+        <p:txBody>
+          <a:bodyPr wrap="none" rtlCol="0">
+            <a:spAutoFit/>
+          </a:bodyPr>
+          <a:lstStyle/>
+          <a:p>
+            <a:r>
+              <a:rPr lang="en-US" b="1" dirty="0">
+                <a:solidFill>
+                  <a:schemeClr val="bg1"/>
+                </a:solidFill>
+              </a:rPr>
+              <a:t>ASM</a:t>
+            </a:r>
+          </a:p>
+        </p:txBody>
+      </p:sp>
+      <p:sp>
+        <p:nvSpPr>
+          <p:cNvPr id="32" name="Rectangle 31">
+            <a:extLst>
+              <a:ext uri="{FF2B5EF4-FFF2-40B4-BE49-F238E27FC236}">
+                <a16:creationId xmlns:a16="http://schemas.microsoft.com/office/drawing/2014/main" id="{E0055D59-5AC2-6698-AF65-F377F901C373}"/>
+              </a:ext>
+            </a:extLst>
+          </p:cNvPr>
+          <p:cNvSpPr/>
+          <p:nvPr/>
+        </p:nvSpPr>
+        <p:spPr>
+          <a:xfrm rot="5400000">
+            <a:off x="8472950" y="5479931"/>
+            <a:ext cx="1413642" cy="599090"/>
+          </a:xfrm>
+          <a:prstGeom prst="rect">
+            <a:avLst/>
+          </a:prstGeom>
+          <a:solidFill>
+            <a:schemeClr val="bg2"/>
+          </a:solidFill>
+        </p:spPr>
+        <p:style>
+          <a:lnRef idx="2">
+            <a:schemeClr val="accent1">
+              <a:shade val="50000"/>
+            </a:schemeClr>
+          </a:lnRef>
+          <a:fillRef idx="1">
+            <a:schemeClr val="accent1"/>
+          </a:fillRef>
+          <a:effectRef idx="0">
+            <a:schemeClr val="accent1"/>
+          </a:effectRef>
+          <a:fontRef idx="minor">
+            <a:schemeClr val="lt1"/>
+          </a:fontRef>
+        </p:style>
+        <p:txBody>
+          <a:bodyPr rtlCol="0" anchor="ctr"/>
+          <a:lstStyle/>
+          <a:p>
+            <a:pPr algn="ctr"/>
+            <a:endParaRPr lang="en-US"/>
+          </a:p>
+        </p:txBody>
+      </p:sp>
+      <p:sp>
+        <p:nvSpPr>
+          <p:cNvPr id="33" name="Rectangle 32">
+            <a:extLst>
+              <a:ext uri="{FF2B5EF4-FFF2-40B4-BE49-F238E27FC236}">
+                <a16:creationId xmlns:a16="http://schemas.microsoft.com/office/drawing/2014/main" id="{EF619C3A-FA79-CBB7-C102-663A122C5FBB}"/>
+              </a:ext>
+            </a:extLst>
+          </p:cNvPr>
+          <p:cNvSpPr/>
+          <p:nvPr/>
+        </p:nvSpPr>
+        <p:spPr>
+          <a:xfrm>
+            <a:off x="8076184" y="5072655"/>
+            <a:ext cx="2249215" cy="599090"/>
+          </a:xfrm>
+          <a:prstGeom prst="rect">
+            <a:avLst/>
+          </a:prstGeom>
+          <a:solidFill>
+            <a:schemeClr val="bg2"/>
+          </a:solidFill>
+        </p:spPr>
+        <p:style>
+          <a:lnRef idx="2">
+            <a:schemeClr val="accent1">
+              <a:shade val="50000"/>
+            </a:schemeClr>
+          </a:lnRef>
+          <a:fillRef idx="1">
+            <a:schemeClr val="accent1"/>
+          </a:fillRef>
+          <a:effectRef idx="0">
+            <a:schemeClr val="accent1"/>
+          </a:effectRef>
+          <a:fontRef idx="minor">
+            <a:schemeClr val="lt1"/>
+          </a:fontRef>
+        </p:style>
+        <p:txBody>
+          <a:bodyPr rtlCol="0" anchor="ctr"/>
+          <a:lstStyle/>
+          <a:p>
+            <a:pPr algn="ctr"/>
+            <a:endParaRPr lang="en-US"/>
+          </a:p>
+        </p:txBody>
+      </p:sp>
+      <p:sp>
+        <p:nvSpPr>
+          <p:cNvPr id="35" name="TextBox 34">
+            <a:extLst>
+              <a:ext uri="{FF2B5EF4-FFF2-40B4-BE49-F238E27FC236}">
+                <a16:creationId xmlns:a16="http://schemas.microsoft.com/office/drawing/2014/main" id="{486A0B99-58DC-D5EC-563D-0C27B805507D}"/>
+              </a:ext>
+            </a:extLst>
+          </p:cNvPr>
+          <p:cNvSpPr txBox="1"/>
+          <p:nvPr/>
+        </p:nvSpPr>
+        <p:spPr>
+          <a:xfrm>
+            <a:off x="8009365" y="5229759"/>
+            <a:ext cx="876865" cy="276999"/>
+          </a:xfrm>
+          <a:prstGeom prst="rect">
+            <a:avLst/>
+          </a:prstGeom>
+          <a:noFill/>
+        </p:spPr>
+        <p:txBody>
+          <a:bodyPr wrap="square" rtlCol="0">
+            <a:spAutoFit/>
+          </a:bodyPr>
+          <a:lstStyle/>
+          <a:p>
+            <a:r>
+              <a:rPr lang="en-US" sz="1200" b="1" dirty="0">
+                <a:solidFill>
+                  <a:schemeClr val="bg1"/>
+                </a:solidFill>
+              </a:rPr>
+              <a:t>Source</a:t>
+            </a:r>
+          </a:p>
+        </p:txBody>
+      </p:sp>
+      <p:sp>
+        <p:nvSpPr>
+          <p:cNvPr id="36" name="TextBox 35">
+            <a:extLst>
+              <a:ext uri="{FF2B5EF4-FFF2-40B4-BE49-F238E27FC236}">
+                <a16:creationId xmlns:a16="http://schemas.microsoft.com/office/drawing/2014/main" id="{BF5A7922-1BCF-F98D-382C-19E1B34D5F22}"/>
+              </a:ext>
+            </a:extLst>
+          </p:cNvPr>
+          <p:cNvSpPr txBox="1"/>
+          <p:nvPr/>
+        </p:nvSpPr>
+        <p:spPr>
+          <a:xfrm>
+            <a:off x="9787418" y="5233700"/>
+            <a:ext cx="635110" cy="276999"/>
+          </a:xfrm>
+          <a:prstGeom prst="rect">
+            <a:avLst/>
+          </a:prstGeom>
+          <a:noFill/>
+        </p:spPr>
+        <p:txBody>
+          <a:bodyPr wrap="square" rtlCol="0">
+            <a:spAutoFit/>
+          </a:bodyPr>
+          <a:lstStyle/>
+          <a:p>
+            <a:r>
+              <a:rPr lang="en-US" sz="1200" b="1" dirty="0">
+                <a:solidFill>
+                  <a:schemeClr val="bg1"/>
+                </a:solidFill>
+              </a:rPr>
+              <a:t>Target</a:t>
+            </a:r>
+          </a:p>
+        </p:txBody>
+      </p:sp>
+      <p:sp>
+        <p:nvSpPr>
+          <p:cNvPr id="37" name="TextBox 36">
+            <a:extLst>
+              <a:ext uri="{FF2B5EF4-FFF2-40B4-BE49-F238E27FC236}">
+                <a16:creationId xmlns:a16="http://schemas.microsoft.com/office/drawing/2014/main" id="{A7C53B41-C441-6BAD-55C8-018264D9ED06}"/>
+              </a:ext>
+            </a:extLst>
+          </p:cNvPr>
+          <p:cNvSpPr txBox="1"/>
+          <p:nvPr/>
+        </p:nvSpPr>
+        <p:spPr>
+          <a:xfrm>
+            <a:off x="8862674" y="6278718"/>
+            <a:ext cx="676234" cy="230832"/>
+          </a:xfrm>
+          <a:prstGeom prst="rect">
+            <a:avLst/>
+          </a:prstGeom>
+          <a:noFill/>
+        </p:spPr>
+        <p:txBody>
+          <a:bodyPr wrap="square" rtlCol="0">
+            <a:spAutoFit/>
+          </a:bodyPr>
+          <a:lstStyle/>
+          <a:p>
+            <a:r>
+              <a:rPr lang="en-US" sz="900" b="1" dirty="0">
+                <a:solidFill>
+                  <a:schemeClr val="bg1"/>
+                </a:solidFill>
+              </a:rPr>
+              <a:t>written in</a:t>
+            </a:r>
+          </a:p>
+        </p:txBody>
+      </p:sp>
+      <p:sp>
+        <p:nvSpPr>
+          <p:cNvPr id="39" name="TextBox 38">
+            <a:extLst>
+              <a:ext uri="{FF2B5EF4-FFF2-40B4-BE49-F238E27FC236}">
+                <a16:creationId xmlns:a16="http://schemas.microsoft.com/office/drawing/2014/main" id="{5D47F597-33BD-9164-1E87-4DC36AD33F68}"/>
+              </a:ext>
+            </a:extLst>
+          </p:cNvPr>
+          <p:cNvSpPr txBox="1"/>
+          <p:nvPr/>
+        </p:nvSpPr>
+        <p:spPr>
+          <a:xfrm>
+            <a:off x="7968306" y="4998926"/>
+            <a:ext cx="2464970" cy="369332"/>
+          </a:xfrm>
+          <a:prstGeom prst="rect">
+            <a:avLst/>
+          </a:prstGeom>
+          <a:noFill/>
+        </p:spPr>
+        <p:txBody>
+          <a:bodyPr wrap="none" rtlCol="0">
+            <a:spAutoFit/>
+          </a:bodyPr>
+          <a:lstStyle/>
+          <a:p>
+            <a:r>
+              <a:rPr lang="en-US" dirty="0"/>
+              <a:t>The Tombstone Diagram</a:t>
+            </a:r>
+          </a:p>
+        </p:txBody>
+      </p:sp>
+      <p:sp>
+        <p:nvSpPr>
+          <p:cNvPr id="40" name="TextBox 39">
+            <a:extLst>
+              <a:ext uri="{FF2B5EF4-FFF2-40B4-BE49-F238E27FC236}">
+                <a16:creationId xmlns:a16="http://schemas.microsoft.com/office/drawing/2014/main" id="{A82D928D-44B6-FB02-4DAF-CA7CCFACAA74}"/>
+              </a:ext>
+            </a:extLst>
+          </p:cNvPr>
+          <p:cNvSpPr txBox="1"/>
+          <p:nvPr/>
+        </p:nvSpPr>
+        <p:spPr>
+          <a:xfrm>
+            <a:off x="2398722" y="1784160"/>
+            <a:ext cx="1154803" cy="338554"/>
+          </a:xfrm>
+          <a:prstGeom prst="rect">
+            <a:avLst/>
+          </a:prstGeom>
+          <a:noFill/>
+        </p:spPr>
+        <p:txBody>
+          <a:bodyPr wrap="none" rtlCol="0">
+            <a:spAutoFit/>
+          </a:bodyPr>
+          <a:lstStyle/>
+          <a:p>
+            <a:r>
+              <a:rPr lang="en-US" sz="1600" b="1" dirty="0">
+                <a:solidFill>
+                  <a:srgbClr val="7030A0"/>
+                </a:solidFill>
+              </a:rPr>
+              <a:t>xcompiler.x</a:t>
+            </a:r>
+          </a:p>
+        </p:txBody>
+      </p:sp>
+      <p:sp>
+        <p:nvSpPr>
+          <p:cNvPr id="42" name="TextBox 41">
+            <a:extLst>
+              <a:ext uri="{FF2B5EF4-FFF2-40B4-BE49-F238E27FC236}">
+                <a16:creationId xmlns:a16="http://schemas.microsoft.com/office/drawing/2014/main" id="{5D21D242-FCB5-01F7-659A-207B12AEDB22}"/>
+              </a:ext>
+            </a:extLst>
+          </p:cNvPr>
+          <p:cNvSpPr txBox="1"/>
+          <p:nvPr/>
+        </p:nvSpPr>
+        <p:spPr>
+          <a:xfrm>
+            <a:off x="3927698" y="2579380"/>
+            <a:ext cx="1146789" cy="338554"/>
+          </a:xfrm>
+          <a:prstGeom prst="rect">
+            <a:avLst/>
+          </a:prstGeom>
+          <a:noFill/>
+        </p:spPr>
+        <p:txBody>
+          <a:bodyPr wrap="none" rtlCol="0">
+            <a:spAutoFit/>
+          </a:bodyPr>
+          <a:lstStyle/>
+          <a:p>
+            <a:r>
+              <a:rPr lang="en-US" sz="1600" b="1" dirty="0">
+                <a:solidFill>
+                  <a:srgbClr val="7030A0"/>
+                </a:solidFill>
+              </a:rPr>
+              <a:t>xcompiler.c</a:t>
+            </a:r>
+          </a:p>
+        </p:txBody>
+      </p:sp>
+      <p:sp>
+        <p:nvSpPr>
+          <p:cNvPr id="43" name="TextBox 42">
+            <a:extLst>
+              <a:ext uri="{FF2B5EF4-FFF2-40B4-BE49-F238E27FC236}">
+                <a16:creationId xmlns:a16="http://schemas.microsoft.com/office/drawing/2014/main" id="{46AF7EE5-ED25-5A35-3DE5-034C92BC1472}"/>
+              </a:ext>
+            </a:extLst>
+          </p:cNvPr>
+          <p:cNvSpPr txBox="1"/>
+          <p:nvPr/>
+        </p:nvSpPr>
+        <p:spPr>
+          <a:xfrm>
+            <a:off x="5948799" y="4458766"/>
+            <a:ext cx="308098" cy="369332"/>
+          </a:xfrm>
+          <a:prstGeom prst="rect">
+            <a:avLst/>
+          </a:prstGeom>
+          <a:noFill/>
+        </p:spPr>
+        <p:txBody>
+          <a:bodyPr wrap="none" rtlCol="0">
+            <a:spAutoFit/>
+          </a:bodyPr>
+          <a:lstStyle/>
+          <a:p>
+            <a:r>
+              <a:rPr lang="en-US" b="1" dirty="0"/>
+              <a:t>C</a:t>
+            </a:r>
+          </a:p>
+        </p:txBody>
+      </p:sp>
+      <p:sp>
+        <p:nvSpPr>
+          <p:cNvPr id="45" name="TextBox 44">
+            <a:extLst>
+              <a:ext uri="{FF2B5EF4-FFF2-40B4-BE49-F238E27FC236}">
+                <a16:creationId xmlns:a16="http://schemas.microsoft.com/office/drawing/2014/main" id="{F89231D0-42B6-481B-CCA2-D44FEE2ACA18}"/>
+              </a:ext>
+            </a:extLst>
+          </p:cNvPr>
+          <p:cNvSpPr txBox="1"/>
+          <p:nvPr/>
+        </p:nvSpPr>
+        <p:spPr>
+          <a:xfrm>
+            <a:off x="5574402" y="3395686"/>
+            <a:ext cx="1056892" cy="338554"/>
+          </a:xfrm>
+          <a:prstGeom prst="rect">
+            <a:avLst/>
+          </a:prstGeom>
+          <a:noFill/>
+        </p:spPr>
+        <p:txBody>
+          <a:bodyPr wrap="none" rtlCol="0">
+            <a:spAutoFit/>
+          </a:bodyPr>
+          <a:lstStyle/>
+          <a:p>
+            <a:r>
+              <a:rPr lang="en-US" sz="1600" b="1" dirty="0">
+                <a:solidFill>
+                  <a:srgbClr val="7030A0"/>
+                </a:solidFill>
+              </a:rPr>
+              <a:t>compiler.c</a:t>
+            </a:r>
+          </a:p>
+        </p:txBody>
+      </p:sp>
+      <p:sp>
+        <p:nvSpPr>
+          <p:cNvPr id="46" name="Rectangle 45">
+            <a:extLst>
+              <a:ext uri="{FF2B5EF4-FFF2-40B4-BE49-F238E27FC236}">
+                <a16:creationId xmlns:a16="http://schemas.microsoft.com/office/drawing/2014/main" id="{99A7B76A-4746-3292-B1E0-A881ED46B648}"/>
+              </a:ext>
+            </a:extLst>
+          </p:cNvPr>
+          <p:cNvSpPr/>
+          <p:nvPr/>
+        </p:nvSpPr>
+        <p:spPr>
+          <a:xfrm rot="5400000">
+            <a:off x="6951192" y="4665379"/>
+            <a:ext cx="1413642" cy="599090"/>
+          </a:xfrm>
+          <a:prstGeom prst="rect">
+            <a:avLst/>
+          </a:prstGeom>
+        </p:spPr>
+        <p:style>
+          <a:lnRef idx="2">
+            <a:schemeClr val="accent1">
+              <a:shade val="50000"/>
+            </a:schemeClr>
+          </a:lnRef>
+          <a:fillRef idx="1">
+            <a:schemeClr val="accent1"/>
+          </a:fillRef>
+          <a:effectRef idx="0">
+            <a:schemeClr val="accent1"/>
+          </a:effectRef>
+          <a:fontRef idx="minor">
+            <a:schemeClr val="lt1"/>
+          </a:fontRef>
+        </p:style>
+        <p:txBody>
+          <a:bodyPr rtlCol="0" anchor="ctr"/>
+          <a:lstStyle/>
+          <a:p>
+            <a:pPr algn="ctr"/>
+            <a:endParaRPr lang="en-US"/>
+          </a:p>
+        </p:txBody>
+      </p:sp>
+      <p:sp>
+        <p:nvSpPr>
+          <p:cNvPr id="47" name="Rectangle 46">
+            <a:extLst>
+              <a:ext uri="{FF2B5EF4-FFF2-40B4-BE49-F238E27FC236}">
+                <a16:creationId xmlns:a16="http://schemas.microsoft.com/office/drawing/2014/main" id="{6527DC82-7346-65B4-4965-BB74EB5857F0}"/>
+              </a:ext>
+            </a:extLst>
+          </p:cNvPr>
+          <p:cNvSpPr/>
+          <p:nvPr/>
+        </p:nvSpPr>
+        <p:spPr>
+          <a:xfrm>
+            <a:off x="6554426" y="4258103"/>
+            <a:ext cx="2249215" cy="599090"/>
+          </a:xfrm>
+          <a:prstGeom prst="rect">
+            <a:avLst/>
+          </a:prstGeom>
+        </p:spPr>
+        <p:style>
+          <a:lnRef idx="2">
+            <a:schemeClr val="accent1">
+              <a:shade val="50000"/>
+            </a:schemeClr>
+          </a:lnRef>
+          <a:fillRef idx="1">
+            <a:schemeClr val="accent1"/>
+          </a:fillRef>
+          <a:effectRef idx="0">
+            <a:schemeClr val="accent1"/>
+          </a:effectRef>
+          <a:fontRef idx="minor">
+            <a:schemeClr val="lt1"/>
+          </a:fontRef>
+        </p:style>
+        <p:txBody>
+          <a:bodyPr rtlCol="0" anchor="ctr"/>
+          <a:lstStyle/>
+          <a:p>
+            <a:pPr algn="ctr"/>
+            <a:endParaRPr lang="en-US"/>
+          </a:p>
+        </p:txBody>
+      </p:sp>
+      <p:cxnSp>
+        <p:nvCxnSpPr>
+          <p:cNvPr id="48" name="Straight Connector 47">
+            <a:extLst>
+              <a:ext uri="{FF2B5EF4-FFF2-40B4-BE49-F238E27FC236}">
+                <a16:creationId xmlns:a16="http://schemas.microsoft.com/office/drawing/2014/main" id="{6A17D002-0149-2E0F-E820-89A486ABD8A8}"/>
+              </a:ext>
+            </a:extLst>
+          </p:cNvPr>
+          <p:cNvCxnSpPr>
+            <a:cxnSpLocks/>
+          </p:cNvCxnSpPr>
+          <p:nvPr/>
+        </p:nvCxnSpPr>
+        <p:spPr>
+          <a:xfrm>
+            <a:off x="7358468" y="4857193"/>
+            <a:ext cx="599090" cy="0"/>
+          </a:xfrm>
+          <a:prstGeom prst="line">
+            <a:avLst/>
+          </a:prstGeom>
+        </p:spPr>
+        <p:style>
+          <a:lnRef idx="2">
+            <a:schemeClr val="accent1"/>
+          </a:lnRef>
+          <a:fillRef idx="0">
+            <a:schemeClr val="accent1"/>
+          </a:fillRef>
+          <a:effectRef idx="1">
+            <a:schemeClr val="accent1"/>
+          </a:effectRef>
+          <a:fontRef idx="minor">
+            <a:schemeClr val="tx1"/>
+          </a:fontRef>
+        </p:style>
+      </p:cxnSp>
+      <p:sp>
+        <p:nvSpPr>
+          <p:cNvPr id="49" name="TextBox 48">
+            <a:extLst>
+              <a:ext uri="{FF2B5EF4-FFF2-40B4-BE49-F238E27FC236}">
+                <a16:creationId xmlns:a16="http://schemas.microsoft.com/office/drawing/2014/main" id="{A4387F98-C516-3AA1-AB0E-8A6BEB96B226}"/>
+              </a:ext>
+            </a:extLst>
+          </p:cNvPr>
+          <p:cNvSpPr txBox="1"/>
+          <p:nvPr/>
+        </p:nvSpPr>
+        <p:spPr>
+          <a:xfrm>
+            <a:off x="6651555" y="4372982"/>
+            <a:ext cx="308098" cy="369332"/>
+          </a:xfrm>
+          <a:prstGeom prst="rect">
+            <a:avLst/>
+          </a:prstGeom>
+          <a:noFill/>
+        </p:spPr>
+        <p:txBody>
+          <a:bodyPr wrap="none" rtlCol="0">
+            <a:spAutoFit/>
+          </a:bodyPr>
+          <a:lstStyle/>
+          <a:p>
+            <a:r>
+              <a:rPr lang="en-US" b="1" dirty="0"/>
+              <a:t>C</a:t>
+            </a:r>
+          </a:p>
+        </p:txBody>
+      </p:sp>
+      <p:sp>
+        <p:nvSpPr>
+          <p:cNvPr id="50" name="TextBox 49">
+            <a:extLst>
+              <a:ext uri="{FF2B5EF4-FFF2-40B4-BE49-F238E27FC236}">
+                <a16:creationId xmlns:a16="http://schemas.microsoft.com/office/drawing/2014/main" id="{8FB59A73-9025-FB52-BACC-1AEAC1905CAA}"/>
+              </a:ext>
+            </a:extLst>
+          </p:cNvPr>
+          <p:cNvSpPr txBox="1"/>
+          <p:nvPr/>
+        </p:nvSpPr>
+        <p:spPr>
+          <a:xfrm>
+            <a:off x="8182958" y="4372982"/>
+            <a:ext cx="635110" cy="369332"/>
+          </a:xfrm>
+          <a:prstGeom prst="rect">
+            <a:avLst/>
+          </a:prstGeom>
+          <a:noFill/>
+        </p:spPr>
+        <p:txBody>
+          <a:bodyPr wrap="none" rtlCol="0">
+            <a:spAutoFit/>
+          </a:bodyPr>
+          <a:lstStyle/>
+          <a:p>
+            <a:r>
+              <a:rPr lang="en-US" b="1" dirty="0">
+                <a:solidFill>
+                  <a:schemeClr val="bg1"/>
+                </a:solidFill>
+              </a:rPr>
+              <a:t>ASM</a:t>
+            </a:r>
+          </a:p>
+        </p:txBody>
+      </p:sp>
+      <p:sp>
+        <p:nvSpPr>
+          <p:cNvPr id="51" name="TextBox 50">
+            <a:extLst>
+              <a:ext uri="{FF2B5EF4-FFF2-40B4-BE49-F238E27FC236}">
+                <a16:creationId xmlns:a16="http://schemas.microsoft.com/office/drawing/2014/main" id="{87AB6E3A-F7B4-57B2-4E81-B97720BE9B8C}"/>
+              </a:ext>
+            </a:extLst>
+          </p:cNvPr>
+          <p:cNvSpPr txBox="1"/>
+          <p:nvPr/>
+        </p:nvSpPr>
+        <p:spPr>
+          <a:xfrm>
+            <a:off x="7350089" y="5302414"/>
+            <a:ext cx="635110" cy="369332"/>
+          </a:xfrm>
+          <a:prstGeom prst="rect">
+            <a:avLst/>
+          </a:prstGeom>
+          <a:noFill/>
+        </p:spPr>
+        <p:txBody>
+          <a:bodyPr wrap="none" rtlCol="0">
+            <a:spAutoFit/>
+          </a:bodyPr>
+          <a:lstStyle/>
+          <a:p>
+            <a:r>
+              <a:rPr lang="en-US" b="1" dirty="0">
+                <a:solidFill>
+                  <a:schemeClr val="bg1"/>
+                </a:solidFill>
+              </a:rPr>
+              <a:t>ASM</a:t>
+            </a:r>
+          </a:p>
+        </p:txBody>
+      </p:sp>
+      <p:sp>
+        <p:nvSpPr>
+          <p:cNvPr id="52" name="TextBox 51">
+            <a:extLst>
+              <a:ext uri="{FF2B5EF4-FFF2-40B4-BE49-F238E27FC236}">
+                <a16:creationId xmlns:a16="http://schemas.microsoft.com/office/drawing/2014/main" id="{850BE24C-4EEF-D3C5-DF0A-448E020F6C3D}"/>
+              </a:ext>
+            </a:extLst>
+          </p:cNvPr>
+          <p:cNvSpPr txBox="1"/>
+          <p:nvPr/>
+        </p:nvSpPr>
+        <p:spPr>
+          <a:xfrm>
+            <a:off x="7199574" y="4206031"/>
+            <a:ext cx="958917" cy="430887"/>
+          </a:xfrm>
+          <a:prstGeom prst="rect">
+            <a:avLst/>
+          </a:prstGeom>
+          <a:noFill/>
+        </p:spPr>
+        <p:txBody>
+          <a:bodyPr wrap="none" rtlCol="0">
+            <a:spAutoFit/>
+          </a:bodyPr>
+          <a:lstStyle/>
+          <a:p>
+            <a:r>
+              <a:rPr lang="en-US" sz="1100" b="1" dirty="0">
+                <a:solidFill>
+                  <a:srgbClr val="7030A0"/>
+                </a:solidFill>
+              </a:rPr>
+              <a:t>hand-written</a:t>
+            </a:r>
+          </a:p>
+          <a:p>
+            <a:pPr algn="ctr"/>
+            <a:r>
+              <a:rPr lang="en-US" sz="1100" b="1" dirty="0">
+                <a:solidFill>
+                  <a:srgbClr val="7030A0"/>
+                </a:solidFill>
+              </a:rPr>
+              <a:t>compiler</a:t>
+            </a:r>
+          </a:p>
+        </p:txBody>
+      </p:sp>
+      <p:sp>
+        <p:nvSpPr>
+          <p:cNvPr id="53" name="TextBox 52">
+            <a:extLst>
+              <a:ext uri="{FF2B5EF4-FFF2-40B4-BE49-F238E27FC236}">
+                <a16:creationId xmlns:a16="http://schemas.microsoft.com/office/drawing/2014/main" id="{DEC50116-48D1-917B-DE23-74DCBFC7F7EA}"/>
+              </a:ext>
+            </a:extLst>
+          </p:cNvPr>
+          <p:cNvSpPr txBox="1"/>
+          <p:nvPr/>
+        </p:nvSpPr>
+        <p:spPr>
+          <a:xfrm>
+            <a:off x="3411062" y="2757698"/>
+            <a:ext cx="311304" cy="369332"/>
+          </a:xfrm>
+          <a:prstGeom prst="rect">
+            <a:avLst/>
+          </a:prstGeom>
+          <a:noFill/>
+        </p:spPr>
+        <p:txBody>
+          <a:bodyPr wrap="none" rtlCol="0">
+            <a:spAutoFit/>
+          </a:bodyPr>
+          <a:lstStyle/>
+          <a:p>
+            <a:r>
+              <a:rPr lang="en-US" b="1" dirty="0">
+                <a:solidFill>
+                  <a:srgbClr val="FFFF00"/>
+                </a:solidFill>
+              </a:rPr>
+              <a:t>X</a:t>
+            </a:r>
+          </a:p>
+        </p:txBody>
+      </p:sp>
+      <p:sp>
+        <p:nvSpPr>
+          <p:cNvPr id="56" name="TextBox 55">
+            <a:extLst>
+              <a:ext uri="{FF2B5EF4-FFF2-40B4-BE49-F238E27FC236}">
+                <a16:creationId xmlns:a16="http://schemas.microsoft.com/office/drawing/2014/main" id="{12CFAC11-E5CB-74C9-815B-55303C1464C5}"/>
+              </a:ext>
+            </a:extLst>
+          </p:cNvPr>
+          <p:cNvSpPr txBox="1"/>
+          <p:nvPr/>
+        </p:nvSpPr>
+        <p:spPr>
+          <a:xfrm>
+            <a:off x="5082964" y="2737210"/>
+            <a:ext cx="635110" cy="369332"/>
+          </a:xfrm>
+          <a:prstGeom prst="rect">
+            <a:avLst/>
+          </a:prstGeom>
+          <a:noFill/>
+        </p:spPr>
+        <p:txBody>
+          <a:bodyPr wrap="none" rtlCol="0">
+            <a:spAutoFit/>
+          </a:bodyPr>
+          <a:lstStyle/>
+          <a:p>
+            <a:r>
+              <a:rPr lang="en-US" b="1" dirty="0">
+                <a:solidFill>
+                  <a:schemeClr val="bg1"/>
+                </a:solidFill>
+              </a:rPr>
+              <a:t>ASM</a:t>
+            </a:r>
+          </a:p>
+        </p:txBody>
+      </p:sp>
+      <p:cxnSp>
+        <p:nvCxnSpPr>
+          <p:cNvPr id="58" name="Straight Connector 57">
+            <a:extLst>
+              <a:ext uri="{FF2B5EF4-FFF2-40B4-BE49-F238E27FC236}">
+                <a16:creationId xmlns:a16="http://schemas.microsoft.com/office/drawing/2014/main" id="{FA510F02-689A-47C6-D50B-DDDA80087AEA}"/>
+              </a:ext>
+            </a:extLst>
+          </p:cNvPr>
+          <p:cNvCxnSpPr>
+            <a:cxnSpLocks/>
+          </p:cNvCxnSpPr>
+          <p:nvPr/>
+        </p:nvCxnSpPr>
+        <p:spPr>
+          <a:xfrm>
+            <a:off x="8880226" y="5671745"/>
+            <a:ext cx="599090" cy="0"/>
+          </a:xfrm>
+          <a:prstGeom prst="line">
+            <a:avLst/>
+          </a:prstGeom>
+        </p:spPr>
+        <p:style>
+          <a:lnRef idx="2">
+            <a:schemeClr val="accent3"/>
+          </a:lnRef>
+          <a:fillRef idx="0">
+            <a:schemeClr val="accent3"/>
+          </a:fillRef>
+          <a:effectRef idx="1">
+            <a:schemeClr val="accent3"/>
+          </a:effectRef>
+          <a:fontRef idx="minor">
+            <a:schemeClr val="tx1"/>
+          </a:fontRef>
+        </p:style>
+      </p:cxnSp>
     </p:spTree>
     <p:extLst>
       <p:ext uri="{BB962C8B-B14F-4D97-AF65-F5344CB8AC3E}">
         <p14:creationId xmlns:p14="http://schemas.microsoft.com/office/powerpoint/2010/main" val="89409434"/>
+      </p:ext>
+    </p:extLst>
+  </p:cSld>
+  <p:clrMapOvr>
+    <a:masterClrMapping/>
+  </p:clrMapOvr>
+</p:sld>
+</file>
+
+<file path=ppt/slides/slide5.xml><?xml version="1.0" encoding="utf-8"?>
+<p:sld xmlns:a="http://schemas.openxmlformats.org/drawingml/2006/main" xmlns:r="http://schemas.openxmlformats.org/officeDocument/2006/relationships" xmlns:p="http://schemas.openxmlformats.org/presentationml/2006/main">
+  <p:cSld>
+    <p:spTree>
+      <p:nvGrpSpPr>
+        <p:cNvPr id="1" name=""/>
+        <p:cNvGrpSpPr/>
+        <p:nvPr/>
+      </p:nvGrpSpPr>
+      <p:grpSpPr>
+        <a:xfrm>
+          <a:off x="0" y="0"/>
+          <a:ext cx="0" cy="0"/>
+          <a:chOff x="0" y="0"/>
+          <a:chExt cx="0" cy="0"/>
+        </a:xfrm>
+      </p:grpSpPr>
+      <p:sp>
+        <p:nvSpPr>
+          <p:cNvPr id="2" name="TextBox 1">
+            <a:extLst>
+              <a:ext uri="{FF2B5EF4-FFF2-40B4-BE49-F238E27FC236}">
+                <a16:creationId xmlns:a16="http://schemas.microsoft.com/office/drawing/2014/main" id="{A99980E2-A3A9-FD4A-9011-9A37E88F5891}"/>
+              </a:ext>
+            </a:extLst>
+          </p:cNvPr>
+          <p:cNvSpPr txBox="1"/>
+          <p:nvPr/>
+        </p:nvSpPr>
+        <p:spPr>
+          <a:xfrm>
+            <a:off x="1872537" y="343020"/>
+            <a:ext cx="8446926" cy="707886"/>
+          </a:xfrm>
+          <a:prstGeom prst="rect">
+            <a:avLst/>
+          </a:prstGeom>
+          <a:noFill/>
+        </p:spPr>
+        <p:txBody>
+          <a:bodyPr wrap="square" rtlCol="0">
+            <a:spAutoFit/>
+          </a:bodyPr>
+          <a:lstStyle/>
+          <a:p>
+            <a:pPr algn="ctr"/>
+            <a:r>
+              <a:rPr lang="en-US" sz="4000" dirty="0">
+                <a:solidFill>
+                  <a:schemeClr val="accent1">
+                    <a:lumMod val="60000"/>
+                    <a:lumOff val="40000"/>
+                  </a:schemeClr>
+                </a:solidFill>
+              </a:rPr>
+              <a:t>Memory Address*</a:t>
+            </a:r>
+          </a:p>
+        </p:txBody>
+      </p:sp>
+    </p:spTree>
+    <p:extLst>
+      <p:ext uri="{BB962C8B-B14F-4D97-AF65-F5344CB8AC3E}">
+        <p14:creationId xmlns:p14="http://schemas.microsoft.com/office/powerpoint/2010/main" val="950300942"/>
       </p:ext>
     </p:extLst>
   </p:cSld>

--- a/docs/figures/figures.pptx
+++ b/docs/figures/figures.pptx
@@ -201,7 +201,7 @@
           <a:p>
             <a:fld id="{B545521C-F840-6148-BCF9-B167DFC75B00}" type="datetimeFigureOut">
               <a:rPr lang="en-US" smtClean="0"/>
-              <a:t>4/17/22</a:t>
+              <a:t>5/14/22</a:t>
             </a:fld>
             <a:endParaRPr lang="en-US"/>
           </a:p>
@@ -1038,7 +1038,7 @@
           <a:p>
             <a:fld id="{656A6AFC-C896-E044-A6C6-3210656CBC62}" type="datetimeFigureOut">
               <a:rPr lang="en-US" smtClean="0"/>
-              <a:t>4/17/22</a:t>
+              <a:t>5/14/22</a:t>
             </a:fld>
             <a:endParaRPr lang="en-US"/>
           </a:p>
@@ -1238,7 +1238,7 @@
           <a:p>
             <a:fld id="{656A6AFC-C896-E044-A6C6-3210656CBC62}" type="datetimeFigureOut">
               <a:rPr lang="en-US" smtClean="0"/>
-              <a:t>4/17/22</a:t>
+              <a:t>5/14/22</a:t>
             </a:fld>
             <a:endParaRPr lang="en-US"/>
           </a:p>
@@ -1448,7 +1448,7 @@
           <a:p>
             <a:fld id="{656A6AFC-C896-E044-A6C6-3210656CBC62}" type="datetimeFigureOut">
               <a:rPr lang="en-US" smtClean="0"/>
-              <a:t>4/17/22</a:t>
+              <a:t>5/14/22</a:t>
             </a:fld>
             <a:endParaRPr lang="en-US"/>
           </a:p>
@@ -1683,7 +1683,7 @@
           <a:p>
             <a:fld id="{656A6AFC-C896-E044-A6C6-3210656CBC62}" type="datetimeFigureOut">
               <a:rPr lang="en-US" smtClean="0"/>
-              <a:t>4/17/22</a:t>
+              <a:t>5/14/22</a:t>
             </a:fld>
             <a:endParaRPr lang="en-US"/>
           </a:p>
@@ -1959,7 +1959,7 @@
           <a:p>
             <a:fld id="{656A6AFC-C896-E044-A6C6-3210656CBC62}" type="datetimeFigureOut">
               <a:rPr lang="en-US" smtClean="0"/>
-              <a:t>4/17/22</a:t>
+              <a:t>5/14/22</a:t>
             </a:fld>
             <a:endParaRPr lang="en-US"/>
           </a:p>
@@ -2227,7 +2227,7 @@
           <a:p>
             <a:fld id="{656A6AFC-C896-E044-A6C6-3210656CBC62}" type="datetimeFigureOut">
               <a:rPr lang="en-US" smtClean="0"/>
-              <a:t>4/17/22</a:t>
+              <a:t>5/14/22</a:t>
             </a:fld>
             <a:endParaRPr lang="en-US"/>
           </a:p>
@@ -2642,7 +2642,7 @@
           <a:p>
             <a:fld id="{656A6AFC-C896-E044-A6C6-3210656CBC62}" type="datetimeFigureOut">
               <a:rPr lang="en-US" smtClean="0"/>
-              <a:t>4/17/22</a:t>
+              <a:t>5/14/22</a:t>
             </a:fld>
             <a:endParaRPr lang="en-US"/>
           </a:p>
@@ -2784,7 +2784,7 @@
           <a:p>
             <a:fld id="{656A6AFC-C896-E044-A6C6-3210656CBC62}" type="datetimeFigureOut">
               <a:rPr lang="en-US" smtClean="0"/>
-              <a:t>4/17/22</a:t>
+              <a:t>5/14/22</a:t>
             </a:fld>
             <a:endParaRPr lang="en-US"/>
           </a:p>
@@ -2897,7 +2897,7 @@
           <a:p>
             <a:fld id="{656A6AFC-C896-E044-A6C6-3210656CBC62}" type="datetimeFigureOut">
               <a:rPr lang="en-US" smtClean="0"/>
-              <a:t>4/17/22</a:t>
+              <a:t>5/14/22</a:t>
             </a:fld>
             <a:endParaRPr lang="en-US"/>
           </a:p>
@@ -3210,7 +3210,7 @@
           <a:p>
             <a:fld id="{656A6AFC-C896-E044-A6C6-3210656CBC62}" type="datetimeFigureOut">
               <a:rPr lang="en-US" smtClean="0"/>
-              <a:t>4/17/22</a:t>
+              <a:t>5/14/22</a:t>
             </a:fld>
             <a:endParaRPr lang="en-US"/>
           </a:p>
@@ -3499,7 +3499,7 @@
           <a:p>
             <a:fld id="{656A6AFC-C896-E044-A6C6-3210656CBC62}" type="datetimeFigureOut">
               <a:rPr lang="en-US" smtClean="0"/>
-              <a:t>4/17/22</a:t>
+              <a:t>5/14/22</a:t>
             </a:fld>
             <a:endParaRPr lang="en-US"/>
           </a:p>
@@ -3742,7 +3742,7 @@
           <a:p>
             <a:fld id="{656A6AFC-C896-E044-A6C6-3210656CBC62}" type="datetimeFigureOut">
               <a:rPr lang="en-US" smtClean="0"/>
-              <a:t>4/17/22</a:t>
+              <a:t>5/14/22</a:t>
             </a:fld>
             <a:endParaRPr lang="en-US"/>
           </a:p>
@@ -5554,7 +5554,7 @@
             <a:pPr algn="ctr"/>
             <a:r>
               <a:rPr lang="en-US" dirty="0"/>
-              <a:t>Font End</a:t>
+              <a:t>Front End</a:t>
             </a:r>
           </a:p>
         </p:txBody>
